--- a/pico.css (1).pptx
+++ b/pico.css (1).pptx
@@ -20,7 +20,7 @@
   <p:notesSz cx="6858000" cy="9144000"/>
   <p:embeddedFontLst>
     <p:embeddedFont>
-      <p:font typeface="Poppins" panose="020B0604020202020204" charset="0"/>
+      <p:font typeface="Cocomat Pro Bold" panose="020B0604020202020204" charset="0"/>
       <p:regular r:id="rId12"/>
     </p:embeddedFont>
     <p:embeddedFont>
@@ -28,15 +28,15 @@
       <p:regular r:id="rId13"/>
     </p:embeddedFont>
     <p:embeddedFont>
-      <p:font typeface="Cocomat Pro Bold" panose="020B0604020202020204" charset="0"/>
+      <p:font typeface="Open Sans Bold Italics" panose="020B0604020202020204" charset="0"/>
       <p:regular r:id="rId14"/>
     </p:embeddedFont>
     <p:embeddedFont>
-      <p:font typeface="Open Sans Italics" panose="020B0604020202020204" charset="0"/>
+      <p:font typeface="Poppins" panose="020B0604020202020204" charset="0"/>
       <p:regular r:id="rId15"/>
     </p:embeddedFont>
     <p:embeddedFont>
-      <p:font typeface="Open Sans Bold Italics" panose="020B0604020202020204" charset="0"/>
+      <p:font typeface="Open Sans" panose="020B0604020202020204" charset="0"/>
       <p:regular r:id="rId16"/>
     </p:embeddedFont>
     <p:embeddedFont>
@@ -47,7 +47,7 @@
       <p:boldItalic r:id="rId20"/>
     </p:embeddedFont>
     <p:embeddedFont>
-      <p:font typeface="Open Sans" panose="020B0604020202020204" charset="0"/>
+      <p:font typeface="Open Sans Italics" panose="020B0604020202020204" charset="0"/>
       <p:regular r:id="rId21"/>
     </p:embeddedFont>
   </p:embeddedFontLst>
@@ -3437,6 +3437,21 @@
   <p:clrMapOvr>
     <a:masterClrMapping/>
   </p:clrMapOvr>
+  <mc:AlternateContent xmlns:mc="http://schemas.openxmlformats.org/markup-compatibility/2006">
+    <mc:Choice xmlns:p14="http://schemas.microsoft.com/office/powerpoint/2010/main" Requires="p14">
+      <p:transition p14:dur="0"/>
+    </mc:Choice>
+    <mc:Fallback>
+      <p:transition/>
+    </mc:Fallback>
+  </mc:AlternateContent>
+  <p:timing>
+    <p:tnLst>
+      <p:par>
+        <p:cTn id="1" dur="indefinite" restart="never" nodeType="tmRoot"/>
+      </p:par>
+    </p:tnLst>
+  </p:timing>
 </p:sld>
 </file>
 
@@ -3613,7 +3628,7 @@
             <a:blip r:embed="rId3">
               <a:extLst>
                 <a:ext uri="{96DAC541-7B7A-43D3-8B79-37D633B846F1}">
-                  <asvg:svgBlip xmlns:asvg="http://schemas.microsoft.com/office/drawing/2016/SVG/main" xmlns="" r:embed="rId4"/>
+                  <asvg:svgBlip xmlns="" xmlns:asvg="http://schemas.microsoft.com/office/drawing/2016/SVG/main" r:embed="rId4"/>
                 </a:ext>
               </a:extLst>
             </a:blip>
@@ -3672,6 +3687,16 @@
   <p:clrMapOvr>
     <a:masterClrMapping/>
   </p:clrMapOvr>
+  <p:transition spd="slow">
+    <p:wipe/>
+  </p:transition>
+  <p:timing>
+    <p:tnLst>
+      <p:par>
+        <p:cTn id="1" dur="indefinite" restart="never" nodeType="tmRoot"/>
+      </p:par>
+    </p:tnLst>
+  </p:timing>
 </p:sld>
 </file>
 
@@ -4676,6 +4701,16 @@
   <p:clrMapOvr>
     <a:masterClrMapping/>
   </p:clrMapOvr>
+  <p:transition spd="slow">
+    <p:push dir="u"/>
+  </p:transition>
+  <p:timing>
+    <p:tnLst>
+      <p:par>
+        <p:cTn id="1" dur="indefinite" restart="never" nodeType="tmRoot"/>
+      </p:par>
+    </p:tnLst>
+  </p:timing>
 </p:sld>
 </file>
 
@@ -4746,7 +4781,7 @@
             <a:blip r:embed="rId2">
               <a:extLst>
                 <a:ext uri="{96DAC541-7B7A-43D3-8B79-37D633B846F1}">
-                  <asvg:svgBlip xmlns:asvg="http://schemas.microsoft.com/office/drawing/2016/SVG/main" xmlns="" r:embed="rId3"/>
+                  <asvg:svgBlip xmlns="" xmlns:asvg="http://schemas.microsoft.com/office/drawing/2016/SVG/main" r:embed="rId3"/>
                 </a:ext>
               </a:extLst>
             </a:blip>
@@ -4846,7 +4881,7 @@
             <a:blip r:embed="rId2">
               <a:extLst>
                 <a:ext uri="{96DAC541-7B7A-43D3-8B79-37D633B846F1}">
-                  <asvg:svgBlip xmlns:asvg="http://schemas.microsoft.com/office/drawing/2016/SVG/main" xmlns="" r:embed="rId3"/>
+                  <asvg:svgBlip xmlns="" xmlns:asvg="http://schemas.microsoft.com/office/drawing/2016/SVG/main" r:embed="rId3"/>
                 </a:ext>
               </a:extLst>
             </a:blip>
@@ -5505,6 +5540,25 @@
   <p:clrMapOvr>
     <a:masterClrMapping/>
   </p:clrMapOvr>
+  <mc:AlternateContent xmlns:mc="http://schemas.openxmlformats.org/markup-compatibility/2006">
+    <mc:Choice xmlns:p14="http://schemas.microsoft.com/office/powerpoint/2010/main" Requires="p14">
+      <p:transition spd="slow" p14:dur="3400">
+        <p14:reveal/>
+      </p:transition>
+    </mc:Choice>
+    <mc:Fallback>
+      <p:transition spd="slow">
+        <p:fade/>
+      </p:transition>
+    </mc:Fallback>
+  </mc:AlternateContent>
+  <p:timing>
+    <p:tnLst>
+      <p:par>
+        <p:cTn id="1" dur="indefinite" restart="never" nodeType="tmRoot"/>
+      </p:par>
+    </p:tnLst>
+  </p:timing>
 </p:sld>
 </file>
 
@@ -7079,6 +7133,16 @@
   <p:clrMapOvr>
     <a:masterClrMapping/>
   </p:clrMapOvr>
+  <p:transition spd="slow">
+    <p:push dir="u"/>
+  </p:transition>
+  <p:timing>
+    <p:tnLst>
+      <p:par>
+        <p:cTn id="1" dur="indefinite" restart="never" nodeType="tmRoot"/>
+      </p:par>
+    </p:tnLst>
+  </p:timing>
 </p:sld>
 </file>
 
@@ -8267,6 +8331,25 @@
   <p:clrMapOvr>
     <a:masterClrMapping/>
   </p:clrMapOvr>
+  <mc:AlternateContent xmlns:mc="http://schemas.openxmlformats.org/markup-compatibility/2006">
+    <mc:Choice xmlns:p14="http://schemas.microsoft.com/office/powerpoint/2010/main" Requires="p14">
+      <p:transition spd="slow" p14:dur="3400">
+        <p14:reveal/>
+      </p:transition>
+    </mc:Choice>
+    <mc:Fallback>
+      <p:transition spd="slow">
+        <p:fade/>
+      </p:transition>
+    </mc:Fallback>
+  </mc:AlternateContent>
+  <p:timing>
+    <p:tnLst>
+      <p:par>
+        <p:cTn id="1" dur="indefinite" restart="never" nodeType="tmRoot"/>
+      </p:par>
+    </p:tnLst>
+  </p:timing>
 </p:sld>
 </file>
 
@@ -8484,7 +8567,7 @@
               </a:spcBef>
             </a:pPr>
             <a:r>
-              <a:rPr lang="en-US" sz="3100" b="1" u="none" strike="noStrike" spc="-62">
+              <a:rPr lang="en-US" sz="3100" b="1" u="none" strike="noStrike" spc="-62" dirty="0">
                 <a:solidFill>
                   <a:srgbClr val="000000"/>
                 </a:solidFill>
@@ -8651,7 +8734,7 @@
               </a:lnSpc>
             </a:pPr>
             <a:r>
-              <a:rPr lang="en-US" sz="2249" b="1" spc="-44">
+              <a:rPr lang="en-US" sz="2249" b="1" spc="-44" dirty="0">
                 <a:solidFill>
                   <a:srgbClr val="010101"/>
                 </a:solidFill>
@@ -8733,16 +8816,196 @@
               </a:lnSpc>
             </a:pPr>
             <a:r>
-              <a:rPr lang="en-US" sz="1517" spc="13">
-                <a:solidFill>
-                  <a:srgbClr val="000000"/>
-                </a:solidFill>
-                <a:latin typeface="Open Sans"/>
-                <a:ea typeface="Open Sans"/>
-                <a:cs typeface="Open Sans"/>
-                <a:sym typeface="Open Sans"/>
-              </a:rPr>
-              <a:t>Une variable peut être réutilisée dans tout le projet, ce qui rend le code facile à mettre à jour.</a:t>
+              <a:rPr lang="en-US" sz="1517" spc="13" dirty="0" err="1">
+                <a:solidFill>
+                  <a:srgbClr val="000000"/>
+                </a:solidFill>
+                <a:latin typeface="Open Sans"/>
+                <a:ea typeface="Open Sans"/>
+                <a:cs typeface="Open Sans"/>
+                <a:sym typeface="Open Sans"/>
+              </a:rPr>
+              <a:t>Une</a:t>
+            </a:r>
+            <a:r>
+              <a:rPr lang="en-US" sz="1517" spc="13" dirty="0">
+                <a:solidFill>
+                  <a:srgbClr val="000000"/>
+                </a:solidFill>
+                <a:latin typeface="Open Sans"/>
+                <a:ea typeface="Open Sans"/>
+                <a:cs typeface="Open Sans"/>
+                <a:sym typeface="Open Sans"/>
+              </a:rPr>
+              <a:t> variable </a:t>
+            </a:r>
+            <a:r>
+              <a:rPr lang="en-US" sz="1517" spc="13" dirty="0" err="1">
+                <a:solidFill>
+                  <a:srgbClr val="000000"/>
+                </a:solidFill>
+                <a:latin typeface="Open Sans"/>
+                <a:ea typeface="Open Sans"/>
+                <a:cs typeface="Open Sans"/>
+                <a:sym typeface="Open Sans"/>
+              </a:rPr>
+              <a:t>peut</a:t>
+            </a:r>
+            <a:r>
+              <a:rPr lang="en-US" sz="1517" spc="13" dirty="0">
+                <a:solidFill>
+                  <a:srgbClr val="000000"/>
+                </a:solidFill>
+                <a:latin typeface="Open Sans"/>
+                <a:ea typeface="Open Sans"/>
+                <a:cs typeface="Open Sans"/>
+                <a:sym typeface="Open Sans"/>
+              </a:rPr>
+              <a:t> </a:t>
+            </a:r>
+            <a:r>
+              <a:rPr lang="en-US" sz="1517" spc="13" dirty="0" err="1">
+                <a:solidFill>
+                  <a:srgbClr val="000000"/>
+                </a:solidFill>
+                <a:latin typeface="Open Sans"/>
+                <a:ea typeface="Open Sans"/>
+                <a:cs typeface="Open Sans"/>
+                <a:sym typeface="Open Sans"/>
+              </a:rPr>
+              <a:t>être</a:t>
+            </a:r>
+            <a:r>
+              <a:rPr lang="en-US" sz="1517" spc="13" dirty="0">
+                <a:solidFill>
+                  <a:srgbClr val="000000"/>
+                </a:solidFill>
+                <a:latin typeface="Open Sans"/>
+                <a:ea typeface="Open Sans"/>
+                <a:cs typeface="Open Sans"/>
+                <a:sym typeface="Open Sans"/>
+              </a:rPr>
+              <a:t> </a:t>
+            </a:r>
+            <a:r>
+              <a:rPr lang="en-US" sz="1517" spc="13" dirty="0" err="1">
+                <a:solidFill>
+                  <a:srgbClr val="000000"/>
+                </a:solidFill>
+                <a:latin typeface="Open Sans"/>
+                <a:ea typeface="Open Sans"/>
+                <a:cs typeface="Open Sans"/>
+                <a:sym typeface="Open Sans"/>
+              </a:rPr>
+              <a:t>réutilisée</a:t>
+            </a:r>
+            <a:r>
+              <a:rPr lang="en-US" sz="1517" spc="13" dirty="0">
+                <a:solidFill>
+                  <a:srgbClr val="000000"/>
+                </a:solidFill>
+                <a:latin typeface="Open Sans"/>
+                <a:ea typeface="Open Sans"/>
+                <a:cs typeface="Open Sans"/>
+                <a:sym typeface="Open Sans"/>
+              </a:rPr>
+              <a:t> </a:t>
+            </a:r>
+            <a:r>
+              <a:rPr lang="en-US" sz="1517" spc="13" dirty="0" err="1">
+                <a:solidFill>
+                  <a:srgbClr val="000000"/>
+                </a:solidFill>
+                <a:latin typeface="Open Sans"/>
+                <a:ea typeface="Open Sans"/>
+                <a:cs typeface="Open Sans"/>
+                <a:sym typeface="Open Sans"/>
+              </a:rPr>
+              <a:t>dans</a:t>
+            </a:r>
+            <a:r>
+              <a:rPr lang="en-US" sz="1517" spc="13" dirty="0">
+                <a:solidFill>
+                  <a:srgbClr val="000000"/>
+                </a:solidFill>
+                <a:latin typeface="Open Sans"/>
+                <a:ea typeface="Open Sans"/>
+                <a:cs typeface="Open Sans"/>
+                <a:sym typeface="Open Sans"/>
+              </a:rPr>
+              <a:t> tout le </a:t>
+            </a:r>
+            <a:r>
+              <a:rPr lang="en-US" sz="1517" spc="13" dirty="0" err="1">
+                <a:solidFill>
+                  <a:srgbClr val="000000"/>
+                </a:solidFill>
+                <a:latin typeface="Open Sans"/>
+                <a:ea typeface="Open Sans"/>
+                <a:cs typeface="Open Sans"/>
+                <a:sym typeface="Open Sans"/>
+              </a:rPr>
+              <a:t>projet</a:t>
+            </a:r>
+            <a:r>
+              <a:rPr lang="en-US" sz="1517" spc="13" dirty="0">
+                <a:solidFill>
+                  <a:srgbClr val="000000"/>
+                </a:solidFill>
+                <a:latin typeface="Open Sans"/>
+                <a:ea typeface="Open Sans"/>
+                <a:cs typeface="Open Sans"/>
+                <a:sym typeface="Open Sans"/>
+              </a:rPr>
+              <a:t>, </a:t>
+            </a:r>
+            <a:r>
+              <a:rPr lang="en-US" sz="1517" spc="13" dirty="0" err="1">
+                <a:solidFill>
+                  <a:srgbClr val="000000"/>
+                </a:solidFill>
+                <a:latin typeface="Open Sans"/>
+                <a:ea typeface="Open Sans"/>
+                <a:cs typeface="Open Sans"/>
+                <a:sym typeface="Open Sans"/>
+              </a:rPr>
+              <a:t>ce</a:t>
+            </a:r>
+            <a:r>
+              <a:rPr lang="en-US" sz="1517" spc="13" dirty="0">
+                <a:solidFill>
+                  <a:srgbClr val="000000"/>
+                </a:solidFill>
+                <a:latin typeface="Open Sans"/>
+                <a:ea typeface="Open Sans"/>
+                <a:cs typeface="Open Sans"/>
+                <a:sym typeface="Open Sans"/>
+              </a:rPr>
+              <a:t> qui rend le code facile à </a:t>
+            </a:r>
+            <a:r>
+              <a:rPr lang="en-US" sz="1517" spc="13" dirty="0" err="1">
+                <a:solidFill>
+                  <a:srgbClr val="000000"/>
+                </a:solidFill>
+                <a:latin typeface="Open Sans"/>
+                <a:ea typeface="Open Sans"/>
+                <a:cs typeface="Open Sans"/>
+                <a:sym typeface="Open Sans"/>
+              </a:rPr>
+              <a:t>mettre</a:t>
+            </a:r>
+            <a:r>
+              <a:rPr lang="en-US" sz="1517" spc="13" dirty="0">
+                <a:solidFill>
+                  <a:srgbClr val="000000"/>
+                </a:solidFill>
+                <a:latin typeface="Open Sans"/>
+                <a:ea typeface="Open Sans"/>
+                <a:cs typeface="Open Sans"/>
+                <a:sym typeface="Open Sans"/>
+              </a:rPr>
+              <a:t> à jour.</a:t>
             </a:r>
           </a:p>
           <a:p>
@@ -8752,16 +9015,100 @@
               </a:lnSpc>
             </a:pPr>
             <a:r>
-              <a:rPr lang="en-US" sz="1517" spc="13">
-                <a:solidFill>
-                  <a:srgbClr val="000000"/>
-                </a:solidFill>
-                <a:latin typeface="Open Sans"/>
-                <a:ea typeface="Open Sans"/>
-                <a:cs typeface="Open Sans"/>
-                <a:sym typeface="Open Sans"/>
-              </a:rPr>
-              <a:t>👉 Pourquoi c’est un avantage ?</a:t>
+              <a:rPr lang="en-US" sz="1517" spc="13" dirty="0">
+                <a:solidFill>
+                  <a:srgbClr val="000000"/>
+                </a:solidFill>
+                <a:latin typeface="Open Sans"/>
+                <a:ea typeface="Open Sans"/>
+                <a:cs typeface="Open Sans"/>
+                <a:sym typeface="Open Sans"/>
+              </a:rPr>
+              <a:t>👉 </a:t>
+            </a:r>
+            <a:r>
+              <a:rPr lang="en-US" sz="1517" spc="13" dirty="0" err="1">
+                <a:solidFill>
+                  <a:srgbClr val="000000"/>
+                </a:solidFill>
+                <a:latin typeface="Open Sans"/>
+                <a:ea typeface="Open Sans"/>
+                <a:cs typeface="Open Sans"/>
+                <a:sym typeface="Open Sans"/>
+              </a:rPr>
+              <a:t>Pourquoi</a:t>
+            </a:r>
+            <a:r>
+              <a:rPr lang="en-US" sz="1517" spc="13" dirty="0">
+                <a:solidFill>
+                  <a:srgbClr val="000000"/>
+                </a:solidFill>
+                <a:latin typeface="Open Sans"/>
+                <a:ea typeface="Open Sans"/>
+                <a:cs typeface="Open Sans"/>
+                <a:sym typeface="Open Sans"/>
+              </a:rPr>
+              <a:t> </a:t>
+            </a:r>
+            <a:r>
+              <a:rPr lang="en-US" sz="1517" spc="13" dirty="0" err="1">
+                <a:solidFill>
+                  <a:srgbClr val="000000"/>
+                </a:solidFill>
+                <a:latin typeface="Open Sans"/>
+                <a:ea typeface="Open Sans"/>
+                <a:cs typeface="Open Sans"/>
+                <a:sym typeface="Open Sans"/>
+              </a:rPr>
+              <a:t>c’est</a:t>
+            </a:r>
+            <a:r>
+              <a:rPr lang="en-US" sz="1517" spc="13" dirty="0">
+                <a:solidFill>
+                  <a:srgbClr val="000000"/>
+                </a:solidFill>
+                <a:latin typeface="Open Sans"/>
+                <a:ea typeface="Open Sans"/>
+                <a:cs typeface="Open Sans"/>
+                <a:sym typeface="Open Sans"/>
+              </a:rPr>
+              <a:t> un </a:t>
+            </a:r>
+            <a:r>
+              <a:rPr lang="en-US" sz="1517" spc="13" dirty="0" err="1">
+                <a:solidFill>
+                  <a:srgbClr val="000000"/>
+                </a:solidFill>
+                <a:latin typeface="Open Sans"/>
+                <a:ea typeface="Open Sans"/>
+                <a:cs typeface="Open Sans"/>
+                <a:sym typeface="Open Sans"/>
+              </a:rPr>
+              <a:t>avantage</a:t>
+            </a:r>
+            <a:r>
+              <a:rPr lang="en-US" sz="1517" spc="13" dirty="0">
+                <a:solidFill>
+                  <a:srgbClr val="000000"/>
+                </a:solidFill>
+                <a:latin typeface="Open Sans"/>
+                <a:ea typeface="Open Sans"/>
+                <a:cs typeface="Open Sans"/>
+                <a:sym typeface="Open Sans"/>
+              </a:rPr>
+              <a:t> </a:t>
+            </a:r>
+            <a:r>
+              <a:rPr lang="en-US" sz="1517" spc="13" dirty="0" smtClean="0">
+                <a:solidFill>
+                  <a:srgbClr val="000000"/>
+                </a:solidFill>
+                <a:latin typeface="Open Sans"/>
+                <a:ea typeface="Open Sans"/>
+                <a:cs typeface="Open Sans"/>
+                <a:sym typeface="Open Sans"/>
+              </a:rPr>
+              <a:t>?</a:t>
             </a:r>
           </a:p>
           <a:p>
@@ -8770,7 +9117,7 @@
                 <a:spcPts val="2427"/>
               </a:lnSpc>
             </a:pPr>
-            <a:endParaRPr lang="en-US" sz="1517" spc="13">
+            <a:endParaRPr lang="en-US" sz="1517" spc="13" dirty="0">
               <a:solidFill>
                 <a:srgbClr val="000000"/>
               </a:solidFill>
@@ -8787,16 +9134,88 @@
               </a:lnSpc>
             </a:pPr>
             <a:r>
-              <a:rPr lang="en-US" sz="1517" spc="13">
-                <a:solidFill>
-                  <a:srgbClr val="000000"/>
-                </a:solidFill>
-                <a:latin typeface="Open Sans"/>
-                <a:ea typeface="Open Sans"/>
-                <a:cs typeface="Open Sans"/>
-                <a:sym typeface="Open Sans"/>
-              </a:rPr>
-              <a:t>*Tu modifies une variable → tout le style associé se met à jour.</a:t>
+              <a:rPr lang="en-US" sz="1517" spc="13" dirty="0" smtClean="0">
+                <a:solidFill>
+                  <a:srgbClr val="000000"/>
+                </a:solidFill>
+                <a:latin typeface="Open Sans"/>
+                <a:ea typeface="Open Sans"/>
+                <a:cs typeface="Open Sans"/>
+                <a:sym typeface="Open Sans"/>
+              </a:rPr>
+              <a:t>*</a:t>
+            </a:r>
+            <a:r>
+              <a:rPr lang="en-US" sz="1517" spc="13" dirty="0" err="1" smtClean="0">
+                <a:solidFill>
+                  <a:srgbClr val="000000"/>
+                </a:solidFill>
+                <a:latin typeface="Open Sans"/>
+                <a:ea typeface="Open Sans"/>
+                <a:cs typeface="Open Sans"/>
+                <a:sym typeface="Open Sans"/>
+              </a:rPr>
+              <a:t>Tu</a:t>
+            </a:r>
+            <a:r>
+              <a:rPr lang="en-US" sz="1517" spc="13" dirty="0" smtClean="0">
+                <a:solidFill>
+                  <a:srgbClr val="000000"/>
+                </a:solidFill>
+                <a:latin typeface="Open Sans"/>
+                <a:ea typeface="Open Sans"/>
+                <a:cs typeface="Open Sans"/>
+                <a:sym typeface="Open Sans"/>
+              </a:rPr>
+              <a:t> modifies </a:t>
+            </a:r>
+            <a:r>
+              <a:rPr lang="en-US" sz="1517" spc="13" dirty="0" err="1" smtClean="0">
+                <a:solidFill>
+                  <a:srgbClr val="000000"/>
+                </a:solidFill>
+                <a:latin typeface="Open Sans"/>
+                <a:ea typeface="Open Sans"/>
+                <a:cs typeface="Open Sans"/>
+                <a:sym typeface="Open Sans"/>
+              </a:rPr>
+              <a:t>une</a:t>
+            </a:r>
+            <a:r>
+              <a:rPr lang="en-US" sz="1517" spc="13" dirty="0" smtClean="0">
+                <a:solidFill>
+                  <a:srgbClr val="000000"/>
+                </a:solidFill>
+                <a:latin typeface="Open Sans"/>
+                <a:ea typeface="Open Sans"/>
+                <a:cs typeface="Open Sans"/>
+                <a:sym typeface="Open Sans"/>
+              </a:rPr>
+              <a:t> variable → tout le style </a:t>
+            </a:r>
+            <a:r>
+              <a:rPr lang="en-US" sz="1517" spc="13" dirty="0" err="1" smtClean="0">
+                <a:solidFill>
+                  <a:srgbClr val="000000"/>
+                </a:solidFill>
+                <a:latin typeface="Open Sans"/>
+                <a:ea typeface="Open Sans"/>
+                <a:cs typeface="Open Sans"/>
+                <a:sym typeface="Open Sans"/>
+              </a:rPr>
+              <a:t>associé</a:t>
+            </a:r>
+            <a:r>
+              <a:rPr lang="en-US" sz="1517" spc="13" dirty="0" smtClean="0">
+                <a:solidFill>
+                  <a:srgbClr val="000000"/>
+                </a:solidFill>
+                <a:latin typeface="Open Sans"/>
+                <a:ea typeface="Open Sans"/>
+                <a:cs typeface="Open Sans"/>
+                <a:sym typeface="Open Sans"/>
+              </a:rPr>
+              <a:t> se met à jour.</a:t>
             </a:r>
           </a:p>
           <a:p>
@@ -8806,16 +9225,136 @@
               </a:lnSpc>
             </a:pPr>
             <a:r>
-              <a:rPr lang="en-US" sz="1517" spc="13">
-                <a:solidFill>
-                  <a:srgbClr val="000000"/>
-                </a:solidFill>
-                <a:latin typeface="Open Sans"/>
-                <a:ea typeface="Open Sans"/>
-                <a:cs typeface="Open Sans"/>
-                <a:sym typeface="Open Sans"/>
-              </a:rPr>
-              <a:t>*Tu évites de changer 15 fichiers CSS pour une seule modification.</a:t>
+              <a:rPr lang="en-US" sz="1517" spc="13" dirty="0" smtClean="0">
+                <a:solidFill>
+                  <a:srgbClr val="000000"/>
+                </a:solidFill>
+                <a:latin typeface="Open Sans"/>
+                <a:ea typeface="Open Sans"/>
+                <a:cs typeface="Open Sans"/>
+                <a:sym typeface="Open Sans"/>
+              </a:rPr>
+              <a:t>*</a:t>
+            </a:r>
+            <a:r>
+              <a:rPr lang="en-US" sz="1517" spc="13" dirty="0" err="1" smtClean="0">
+                <a:solidFill>
+                  <a:srgbClr val="000000"/>
+                </a:solidFill>
+                <a:latin typeface="Open Sans"/>
+                <a:ea typeface="Open Sans"/>
+                <a:cs typeface="Open Sans"/>
+                <a:sym typeface="Open Sans"/>
+              </a:rPr>
+              <a:t>Tu</a:t>
+            </a:r>
+            <a:r>
+              <a:rPr lang="en-US" sz="1517" spc="13" dirty="0" smtClean="0">
+                <a:solidFill>
+                  <a:srgbClr val="000000"/>
+                </a:solidFill>
+                <a:latin typeface="Open Sans"/>
+                <a:ea typeface="Open Sans"/>
+                <a:cs typeface="Open Sans"/>
+                <a:sym typeface="Open Sans"/>
+              </a:rPr>
+              <a:t> </a:t>
+            </a:r>
+            <a:r>
+              <a:rPr lang="en-US" sz="1517" spc="13" dirty="0" err="1" smtClean="0">
+                <a:solidFill>
+                  <a:srgbClr val="000000"/>
+                </a:solidFill>
+                <a:latin typeface="Open Sans"/>
+                <a:ea typeface="Open Sans"/>
+                <a:cs typeface="Open Sans"/>
+                <a:sym typeface="Open Sans"/>
+              </a:rPr>
+              <a:t>évites</a:t>
+            </a:r>
+            <a:r>
+              <a:rPr lang="en-US" sz="1517" spc="13" dirty="0" smtClean="0">
+                <a:solidFill>
+                  <a:srgbClr val="000000"/>
+                </a:solidFill>
+                <a:latin typeface="Open Sans"/>
+                <a:ea typeface="Open Sans"/>
+                <a:cs typeface="Open Sans"/>
+                <a:sym typeface="Open Sans"/>
+              </a:rPr>
+              <a:t> de changer 15 </a:t>
+            </a:r>
+            <a:r>
+              <a:rPr lang="en-US" sz="1517" spc="13" dirty="0" err="1" smtClean="0">
+                <a:solidFill>
+                  <a:srgbClr val="000000"/>
+                </a:solidFill>
+                <a:latin typeface="Open Sans"/>
+                <a:ea typeface="Open Sans"/>
+                <a:cs typeface="Open Sans"/>
+                <a:sym typeface="Open Sans"/>
+              </a:rPr>
+              <a:t>fichiers</a:t>
+            </a:r>
+            <a:r>
+              <a:rPr lang="en-US" sz="1517" spc="13" dirty="0" smtClean="0">
+                <a:solidFill>
+                  <a:srgbClr val="000000"/>
+                </a:solidFill>
+                <a:latin typeface="Open Sans"/>
+                <a:ea typeface="Open Sans"/>
+                <a:cs typeface="Open Sans"/>
+                <a:sym typeface="Open Sans"/>
+              </a:rPr>
+              <a:t> CSS pour </a:t>
+            </a:r>
+            <a:r>
+              <a:rPr lang="en-US" sz="1517" spc="13" dirty="0" err="1" smtClean="0">
+                <a:solidFill>
+                  <a:srgbClr val="000000"/>
+                </a:solidFill>
+                <a:latin typeface="Open Sans"/>
+                <a:ea typeface="Open Sans"/>
+                <a:cs typeface="Open Sans"/>
+                <a:sym typeface="Open Sans"/>
+              </a:rPr>
+              <a:t>une</a:t>
+            </a:r>
+            <a:r>
+              <a:rPr lang="en-US" sz="1517" spc="13" dirty="0" smtClean="0">
+                <a:solidFill>
+                  <a:srgbClr val="000000"/>
+                </a:solidFill>
+                <a:latin typeface="Open Sans"/>
+                <a:ea typeface="Open Sans"/>
+                <a:cs typeface="Open Sans"/>
+                <a:sym typeface="Open Sans"/>
+              </a:rPr>
+              <a:t> </a:t>
+            </a:r>
+            <a:r>
+              <a:rPr lang="en-US" sz="1517" spc="13" dirty="0" err="1" smtClean="0">
+                <a:solidFill>
+                  <a:srgbClr val="000000"/>
+                </a:solidFill>
+                <a:latin typeface="Open Sans"/>
+                <a:ea typeface="Open Sans"/>
+                <a:cs typeface="Open Sans"/>
+                <a:sym typeface="Open Sans"/>
+              </a:rPr>
+              <a:t>seule</a:t>
+            </a:r>
+            <a:r>
+              <a:rPr lang="en-US" sz="1517" spc="13" dirty="0" smtClean="0">
+                <a:solidFill>
+                  <a:srgbClr val="000000"/>
+                </a:solidFill>
+                <a:latin typeface="Open Sans"/>
+                <a:ea typeface="Open Sans"/>
+                <a:cs typeface="Open Sans"/>
+                <a:sym typeface="Open Sans"/>
+              </a:rPr>
+              <a:t> modification.</a:t>
             </a:r>
           </a:p>
           <a:p>
@@ -8825,16 +9364,160 @@
               </a:lnSpc>
             </a:pPr>
             <a:r>
-              <a:rPr lang="en-US" sz="1517" spc="13">
-                <a:solidFill>
-                  <a:srgbClr val="000000"/>
-                </a:solidFill>
-                <a:latin typeface="Open Sans"/>
-                <a:ea typeface="Open Sans"/>
-                <a:cs typeface="Open Sans"/>
-                <a:sym typeface="Open Sans"/>
-              </a:rPr>
-              <a:t>*Idéal pour des projets qui évoluent ou pour un travail en équipe.</a:t>
+              <a:rPr lang="en-US" sz="1517" spc="13" dirty="0" smtClean="0">
+                <a:solidFill>
+                  <a:srgbClr val="000000"/>
+                </a:solidFill>
+                <a:latin typeface="Open Sans"/>
+                <a:ea typeface="Open Sans"/>
+                <a:cs typeface="Open Sans"/>
+                <a:sym typeface="Open Sans"/>
+              </a:rPr>
+              <a:t>*</a:t>
+            </a:r>
+            <a:r>
+              <a:rPr lang="en-US" sz="1517" spc="13" dirty="0" err="1" smtClean="0">
+                <a:solidFill>
+                  <a:srgbClr val="000000"/>
+                </a:solidFill>
+                <a:latin typeface="Open Sans"/>
+                <a:ea typeface="Open Sans"/>
+                <a:cs typeface="Open Sans"/>
+                <a:sym typeface="Open Sans"/>
+              </a:rPr>
+              <a:t>Idéal</a:t>
+            </a:r>
+            <a:r>
+              <a:rPr lang="en-US" sz="1517" spc="13" dirty="0" smtClean="0">
+                <a:solidFill>
+                  <a:srgbClr val="000000"/>
+                </a:solidFill>
+                <a:latin typeface="Open Sans"/>
+                <a:ea typeface="Open Sans"/>
+                <a:cs typeface="Open Sans"/>
+                <a:sym typeface="Open Sans"/>
+              </a:rPr>
+              <a:t> pour des </a:t>
+            </a:r>
+            <a:r>
+              <a:rPr lang="en-US" sz="1517" spc="13" dirty="0" err="1" smtClean="0">
+                <a:solidFill>
+                  <a:srgbClr val="000000"/>
+                </a:solidFill>
+                <a:latin typeface="Open Sans"/>
+                <a:ea typeface="Open Sans"/>
+                <a:cs typeface="Open Sans"/>
+                <a:sym typeface="Open Sans"/>
+              </a:rPr>
+              <a:t>projets</a:t>
+            </a:r>
+            <a:r>
+              <a:rPr lang="en-US" sz="1517" spc="13" dirty="0" smtClean="0">
+                <a:solidFill>
+                  <a:srgbClr val="000000"/>
+                </a:solidFill>
+                <a:latin typeface="Open Sans"/>
+                <a:ea typeface="Open Sans"/>
+                <a:cs typeface="Open Sans"/>
+                <a:sym typeface="Open Sans"/>
+              </a:rPr>
+              <a:t> qui </a:t>
+            </a:r>
+            <a:r>
+              <a:rPr lang="en-US" sz="1517" spc="13" dirty="0" err="1" smtClean="0">
+                <a:solidFill>
+                  <a:srgbClr val="000000"/>
+                </a:solidFill>
+                <a:latin typeface="Open Sans"/>
+                <a:ea typeface="Open Sans"/>
+                <a:cs typeface="Open Sans"/>
+                <a:sym typeface="Open Sans"/>
+              </a:rPr>
+              <a:t>évoluent</a:t>
+            </a:r>
+            <a:r>
+              <a:rPr lang="en-US" sz="1517" spc="13" dirty="0" smtClean="0">
+                <a:solidFill>
+                  <a:srgbClr val="000000"/>
+                </a:solidFill>
+                <a:latin typeface="Open Sans"/>
+                <a:ea typeface="Open Sans"/>
+                <a:cs typeface="Open Sans"/>
+                <a:sym typeface="Open Sans"/>
+              </a:rPr>
+              <a:t> </a:t>
+            </a:r>
+            <a:r>
+              <a:rPr lang="en-US" sz="1517" spc="13" dirty="0" err="1" smtClean="0">
+                <a:solidFill>
+                  <a:srgbClr val="000000"/>
+                </a:solidFill>
+                <a:latin typeface="Open Sans"/>
+                <a:ea typeface="Open Sans"/>
+                <a:cs typeface="Open Sans"/>
+                <a:sym typeface="Open Sans"/>
+              </a:rPr>
+              <a:t>ou</a:t>
+            </a:r>
+            <a:r>
+              <a:rPr lang="en-US" sz="1517" spc="13" dirty="0" smtClean="0">
+                <a:solidFill>
+                  <a:srgbClr val="000000"/>
+                </a:solidFill>
+                <a:latin typeface="Open Sans"/>
+                <a:ea typeface="Open Sans"/>
+                <a:cs typeface="Open Sans"/>
+                <a:sym typeface="Open Sans"/>
+              </a:rPr>
+              <a:t> pour un travail </a:t>
+            </a:r>
+            <a:r>
+              <a:rPr lang="en-US" sz="1517" spc="13" dirty="0" err="1" smtClean="0">
+                <a:solidFill>
+                  <a:srgbClr val="000000"/>
+                </a:solidFill>
+                <a:latin typeface="Open Sans"/>
+                <a:ea typeface="Open Sans"/>
+                <a:cs typeface="Open Sans"/>
+                <a:sym typeface="Open Sans"/>
+              </a:rPr>
+              <a:t>en</a:t>
+            </a:r>
+            <a:r>
+              <a:rPr lang="en-US" sz="1517" spc="13" dirty="0" smtClean="0">
+                <a:solidFill>
+                  <a:srgbClr val="000000"/>
+                </a:solidFill>
+                <a:latin typeface="Open Sans"/>
+                <a:ea typeface="Open Sans"/>
+                <a:cs typeface="Open Sans"/>
+                <a:sym typeface="Open Sans"/>
+              </a:rPr>
+              <a:t> </a:t>
+            </a:r>
+            <a:r>
+              <a:rPr lang="en-US" sz="1517" spc="13" dirty="0" err="1" smtClean="0">
+                <a:solidFill>
+                  <a:srgbClr val="000000"/>
+                </a:solidFill>
+                <a:latin typeface="Open Sans"/>
+                <a:ea typeface="Open Sans"/>
+                <a:cs typeface="Open Sans"/>
+                <a:sym typeface="Open Sans"/>
+              </a:rPr>
+              <a:t>équipe</a:t>
+            </a:r>
+            <a:r>
+              <a:rPr lang="en-US" sz="1517" spc="13" dirty="0" smtClean="0">
+                <a:solidFill>
+                  <a:srgbClr val="000000"/>
+                </a:solidFill>
+                <a:latin typeface="Open Sans"/>
+                <a:ea typeface="Open Sans"/>
+                <a:cs typeface="Open Sans"/>
+                <a:sym typeface="Open Sans"/>
+              </a:rPr>
+              <a:t>.</a:t>
             </a:r>
           </a:p>
           <a:p>
@@ -8844,16 +9527,28 @@
               </a:lnSpc>
             </a:pPr>
             <a:r>
-              <a:rPr lang="en-US" sz="1517" spc="13">
-                <a:solidFill>
-                  <a:srgbClr val="000000"/>
-                </a:solidFill>
-                <a:latin typeface="Open Sans"/>
-                <a:ea typeface="Open Sans"/>
-                <a:cs typeface="Open Sans"/>
-                <a:sym typeface="Open Sans"/>
-              </a:rPr>
-              <a:t>Exemple :</a:t>
+              <a:rPr lang="en-US" sz="1517" spc="13" dirty="0" err="1" smtClean="0">
+                <a:solidFill>
+                  <a:srgbClr val="000000"/>
+                </a:solidFill>
+                <a:latin typeface="Open Sans"/>
+                <a:ea typeface="Open Sans"/>
+                <a:cs typeface="Open Sans"/>
+                <a:sym typeface="Open Sans"/>
+              </a:rPr>
+              <a:t>Exemple</a:t>
+            </a:r>
+            <a:r>
+              <a:rPr lang="en-US" sz="1517" spc="13" dirty="0" smtClean="0">
+                <a:solidFill>
+                  <a:srgbClr val="000000"/>
+                </a:solidFill>
+                <a:latin typeface="Open Sans"/>
+                <a:ea typeface="Open Sans"/>
+                <a:cs typeface="Open Sans"/>
+                <a:sym typeface="Open Sans"/>
+              </a:rPr>
+              <a:t> :</a:t>
             </a:r>
           </a:p>
           <a:p>
@@ -8863,17 +9558,146 @@
               </a:lnSpc>
             </a:pPr>
             <a:r>
-              <a:rPr lang="en-US" sz="1517" spc="14">
-                <a:solidFill>
-                  <a:srgbClr val="000000"/>
-                </a:solidFill>
-                <a:latin typeface="Open Sans"/>
-                <a:ea typeface="Open Sans"/>
-                <a:cs typeface="Open Sans"/>
-                <a:sym typeface="Open Sans"/>
-              </a:rPr>
-              <a:t>Changer --radius (arrondi des boutons) va modifier tous les boutons d’un coup.</a:t>
-            </a:r>
+              <a:rPr lang="en-US" sz="1517" spc="14" dirty="0" smtClean="0">
+                <a:solidFill>
+                  <a:srgbClr val="000000"/>
+                </a:solidFill>
+                <a:latin typeface="Open Sans"/>
+                <a:ea typeface="Open Sans"/>
+                <a:cs typeface="Open Sans"/>
+                <a:sym typeface="Open Sans"/>
+              </a:rPr>
+              <a:t>Changer --radius (</a:t>
+            </a:r>
+            <a:r>
+              <a:rPr lang="en-US" sz="1517" spc="14" dirty="0" err="1" smtClean="0">
+                <a:solidFill>
+                  <a:srgbClr val="000000"/>
+                </a:solidFill>
+                <a:latin typeface="Open Sans"/>
+                <a:ea typeface="Open Sans"/>
+                <a:cs typeface="Open Sans"/>
+                <a:sym typeface="Open Sans"/>
+              </a:rPr>
+              <a:t>arrondi</a:t>
+            </a:r>
+            <a:r>
+              <a:rPr lang="en-US" sz="1517" spc="14" dirty="0" smtClean="0">
+                <a:solidFill>
+                  <a:srgbClr val="000000"/>
+                </a:solidFill>
+                <a:latin typeface="Open Sans"/>
+                <a:ea typeface="Open Sans"/>
+                <a:cs typeface="Open Sans"/>
+                <a:sym typeface="Open Sans"/>
+              </a:rPr>
+              <a:t> des </a:t>
+            </a:r>
+            <a:r>
+              <a:rPr lang="en-US" sz="1517" spc="14" dirty="0" err="1" smtClean="0">
+                <a:solidFill>
+                  <a:srgbClr val="000000"/>
+                </a:solidFill>
+                <a:latin typeface="Open Sans"/>
+                <a:ea typeface="Open Sans"/>
+                <a:cs typeface="Open Sans"/>
+                <a:sym typeface="Open Sans"/>
+              </a:rPr>
+              <a:t>boutons</a:t>
+            </a:r>
+            <a:r>
+              <a:rPr lang="en-US" sz="1517" spc="14" dirty="0" smtClean="0">
+                <a:solidFill>
+                  <a:srgbClr val="000000"/>
+                </a:solidFill>
+                <a:latin typeface="Open Sans"/>
+                <a:ea typeface="Open Sans"/>
+                <a:cs typeface="Open Sans"/>
+                <a:sym typeface="Open Sans"/>
+              </a:rPr>
+              <a:t>) </a:t>
+            </a:r>
+            <a:r>
+              <a:rPr lang="en-US" sz="1517" spc="14" dirty="0" err="1" smtClean="0">
+                <a:solidFill>
+                  <a:srgbClr val="000000"/>
+                </a:solidFill>
+                <a:latin typeface="Open Sans"/>
+                <a:ea typeface="Open Sans"/>
+                <a:cs typeface="Open Sans"/>
+                <a:sym typeface="Open Sans"/>
+              </a:rPr>
+              <a:t>va</a:t>
+            </a:r>
+            <a:r>
+              <a:rPr lang="en-US" sz="1517" spc="14" dirty="0" smtClean="0">
+                <a:solidFill>
+                  <a:srgbClr val="000000"/>
+                </a:solidFill>
+                <a:latin typeface="Open Sans"/>
+                <a:ea typeface="Open Sans"/>
+                <a:cs typeface="Open Sans"/>
+                <a:sym typeface="Open Sans"/>
+              </a:rPr>
+              <a:t> modifier </a:t>
+            </a:r>
+            <a:r>
+              <a:rPr lang="en-US" sz="1517" spc="14" dirty="0" err="1" smtClean="0">
+                <a:solidFill>
+                  <a:srgbClr val="000000"/>
+                </a:solidFill>
+                <a:latin typeface="Open Sans"/>
+                <a:ea typeface="Open Sans"/>
+                <a:cs typeface="Open Sans"/>
+                <a:sym typeface="Open Sans"/>
+              </a:rPr>
+              <a:t>tous</a:t>
+            </a:r>
+            <a:r>
+              <a:rPr lang="en-US" sz="1517" spc="14" dirty="0" smtClean="0">
+                <a:solidFill>
+                  <a:srgbClr val="000000"/>
+                </a:solidFill>
+                <a:latin typeface="Open Sans"/>
+                <a:ea typeface="Open Sans"/>
+                <a:cs typeface="Open Sans"/>
+                <a:sym typeface="Open Sans"/>
+              </a:rPr>
+              <a:t> les </a:t>
+            </a:r>
+            <a:r>
+              <a:rPr lang="en-US" sz="1517" spc="14" dirty="0" err="1" smtClean="0">
+                <a:solidFill>
+                  <a:srgbClr val="000000"/>
+                </a:solidFill>
+                <a:latin typeface="Open Sans"/>
+                <a:ea typeface="Open Sans"/>
+                <a:cs typeface="Open Sans"/>
+                <a:sym typeface="Open Sans"/>
+              </a:rPr>
+              <a:t>boutons</a:t>
+            </a:r>
+            <a:r>
+              <a:rPr lang="en-US" sz="1517" spc="14" dirty="0" smtClean="0">
+                <a:solidFill>
+                  <a:srgbClr val="000000"/>
+                </a:solidFill>
+                <a:latin typeface="Open Sans"/>
+                <a:ea typeface="Open Sans"/>
+                <a:cs typeface="Open Sans"/>
+                <a:sym typeface="Open Sans"/>
+              </a:rPr>
+              <a:t> d’un coup.</a:t>
+            </a:r>
+            <a:endParaRPr lang="en-US" sz="1517" spc="14" dirty="0">
+              <a:solidFill>
+                <a:srgbClr val="000000"/>
+              </a:solidFill>
+              <a:latin typeface="Open Sans"/>
+              <a:ea typeface="Open Sans"/>
+              <a:cs typeface="Open Sans"/>
+              <a:sym typeface="Open Sans"/>
+            </a:endParaRPr>
           </a:p>
         </p:txBody>
       </p:sp>
@@ -9142,16 +9966,232 @@
               </a:lnSpc>
             </a:pPr>
             <a:r>
-              <a:rPr lang="en-US" sz="1500" spc="13">
-                <a:solidFill>
-                  <a:srgbClr val="000000"/>
-                </a:solidFill>
-                <a:latin typeface="Open Sans"/>
-                <a:ea typeface="Open Sans"/>
-                <a:cs typeface="Open Sans"/>
-                <a:sym typeface="Open Sans"/>
-              </a:rPr>
-              <a:t>Comme toutes les couleurs, tailles, marges et polices passent par des variables centralisées, ton design reste cohérent partout.</a:t>
+              <a:rPr lang="en-US" sz="1500" spc="13" dirty="0" err="1">
+                <a:solidFill>
+                  <a:srgbClr val="000000"/>
+                </a:solidFill>
+                <a:latin typeface="Open Sans"/>
+                <a:ea typeface="Open Sans"/>
+                <a:cs typeface="Open Sans"/>
+                <a:sym typeface="Open Sans"/>
+              </a:rPr>
+              <a:t>Comme</a:t>
+            </a:r>
+            <a:r>
+              <a:rPr lang="en-US" sz="1500" spc="13" dirty="0">
+                <a:solidFill>
+                  <a:srgbClr val="000000"/>
+                </a:solidFill>
+                <a:latin typeface="Open Sans"/>
+                <a:ea typeface="Open Sans"/>
+                <a:cs typeface="Open Sans"/>
+                <a:sym typeface="Open Sans"/>
+              </a:rPr>
+              <a:t> </a:t>
+            </a:r>
+            <a:r>
+              <a:rPr lang="en-US" sz="1500" spc="13" dirty="0" err="1">
+                <a:solidFill>
+                  <a:srgbClr val="000000"/>
+                </a:solidFill>
+                <a:latin typeface="Open Sans"/>
+                <a:ea typeface="Open Sans"/>
+                <a:cs typeface="Open Sans"/>
+                <a:sym typeface="Open Sans"/>
+              </a:rPr>
+              <a:t>toutes</a:t>
+            </a:r>
+            <a:r>
+              <a:rPr lang="en-US" sz="1500" spc="13" dirty="0">
+                <a:solidFill>
+                  <a:srgbClr val="000000"/>
+                </a:solidFill>
+                <a:latin typeface="Open Sans"/>
+                <a:ea typeface="Open Sans"/>
+                <a:cs typeface="Open Sans"/>
+                <a:sym typeface="Open Sans"/>
+              </a:rPr>
+              <a:t> les </a:t>
+            </a:r>
+            <a:r>
+              <a:rPr lang="en-US" sz="1500" spc="13" dirty="0" err="1">
+                <a:solidFill>
+                  <a:srgbClr val="000000"/>
+                </a:solidFill>
+                <a:latin typeface="Open Sans"/>
+                <a:ea typeface="Open Sans"/>
+                <a:cs typeface="Open Sans"/>
+                <a:sym typeface="Open Sans"/>
+              </a:rPr>
+              <a:t>couleurs</a:t>
+            </a:r>
+            <a:r>
+              <a:rPr lang="en-US" sz="1500" spc="13" dirty="0">
+                <a:solidFill>
+                  <a:srgbClr val="000000"/>
+                </a:solidFill>
+                <a:latin typeface="Open Sans"/>
+                <a:ea typeface="Open Sans"/>
+                <a:cs typeface="Open Sans"/>
+                <a:sym typeface="Open Sans"/>
+              </a:rPr>
+              <a:t>, </a:t>
+            </a:r>
+            <a:r>
+              <a:rPr lang="en-US" sz="1500" spc="13" dirty="0" err="1">
+                <a:solidFill>
+                  <a:srgbClr val="000000"/>
+                </a:solidFill>
+                <a:latin typeface="Open Sans"/>
+                <a:ea typeface="Open Sans"/>
+                <a:cs typeface="Open Sans"/>
+                <a:sym typeface="Open Sans"/>
+              </a:rPr>
+              <a:t>tailles</a:t>
+            </a:r>
+            <a:r>
+              <a:rPr lang="en-US" sz="1500" spc="13" dirty="0">
+                <a:solidFill>
+                  <a:srgbClr val="000000"/>
+                </a:solidFill>
+                <a:latin typeface="Open Sans"/>
+                <a:ea typeface="Open Sans"/>
+                <a:cs typeface="Open Sans"/>
+                <a:sym typeface="Open Sans"/>
+              </a:rPr>
+              <a:t>, </a:t>
+            </a:r>
+            <a:r>
+              <a:rPr lang="en-US" sz="1500" spc="13" dirty="0" err="1">
+                <a:solidFill>
+                  <a:srgbClr val="000000"/>
+                </a:solidFill>
+                <a:latin typeface="Open Sans"/>
+                <a:ea typeface="Open Sans"/>
+                <a:cs typeface="Open Sans"/>
+                <a:sym typeface="Open Sans"/>
+              </a:rPr>
+              <a:t>marges</a:t>
+            </a:r>
+            <a:r>
+              <a:rPr lang="en-US" sz="1500" spc="13" dirty="0">
+                <a:solidFill>
+                  <a:srgbClr val="000000"/>
+                </a:solidFill>
+                <a:latin typeface="Open Sans"/>
+                <a:ea typeface="Open Sans"/>
+                <a:cs typeface="Open Sans"/>
+                <a:sym typeface="Open Sans"/>
+              </a:rPr>
+              <a:t> et polices </a:t>
+            </a:r>
+            <a:r>
+              <a:rPr lang="en-US" sz="1500" spc="13" dirty="0" err="1">
+                <a:solidFill>
+                  <a:srgbClr val="000000"/>
+                </a:solidFill>
+                <a:latin typeface="Open Sans"/>
+                <a:ea typeface="Open Sans"/>
+                <a:cs typeface="Open Sans"/>
+                <a:sym typeface="Open Sans"/>
+              </a:rPr>
+              <a:t>passent</a:t>
+            </a:r>
+            <a:r>
+              <a:rPr lang="en-US" sz="1500" spc="13" dirty="0">
+                <a:solidFill>
+                  <a:srgbClr val="000000"/>
+                </a:solidFill>
+                <a:latin typeface="Open Sans"/>
+                <a:ea typeface="Open Sans"/>
+                <a:cs typeface="Open Sans"/>
+                <a:sym typeface="Open Sans"/>
+              </a:rPr>
+              <a:t> par des variables </a:t>
+            </a:r>
+            <a:r>
+              <a:rPr lang="en-US" sz="1500" spc="13" dirty="0" err="1">
+                <a:solidFill>
+                  <a:srgbClr val="000000"/>
+                </a:solidFill>
+                <a:latin typeface="Open Sans"/>
+                <a:ea typeface="Open Sans"/>
+                <a:cs typeface="Open Sans"/>
+                <a:sym typeface="Open Sans"/>
+              </a:rPr>
+              <a:t>centralisées</a:t>
+            </a:r>
+            <a:r>
+              <a:rPr lang="en-US" sz="1500" spc="13" dirty="0">
+                <a:solidFill>
+                  <a:srgbClr val="000000"/>
+                </a:solidFill>
+                <a:latin typeface="Open Sans"/>
+                <a:ea typeface="Open Sans"/>
+                <a:cs typeface="Open Sans"/>
+                <a:sym typeface="Open Sans"/>
+              </a:rPr>
+              <a:t>, ton design </a:t>
+            </a:r>
+            <a:r>
+              <a:rPr lang="en-US" sz="1500" spc="13" dirty="0" err="1">
+                <a:solidFill>
+                  <a:srgbClr val="000000"/>
+                </a:solidFill>
+                <a:latin typeface="Open Sans"/>
+                <a:ea typeface="Open Sans"/>
+                <a:cs typeface="Open Sans"/>
+                <a:sym typeface="Open Sans"/>
+              </a:rPr>
+              <a:t>reste</a:t>
+            </a:r>
+            <a:r>
+              <a:rPr lang="en-US" sz="1500" spc="13" dirty="0">
+                <a:solidFill>
+                  <a:srgbClr val="000000"/>
+                </a:solidFill>
+                <a:latin typeface="Open Sans"/>
+                <a:ea typeface="Open Sans"/>
+                <a:cs typeface="Open Sans"/>
+                <a:sym typeface="Open Sans"/>
+              </a:rPr>
+              <a:t> </a:t>
+            </a:r>
+            <a:r>
+              <a:rPr lang="en-US" sz="1500" spc="13" dirty="0" err="1">
+                <a:solidFill>
+                  <a:srgbClr val="000000"/>
+                </a:solidFill>
+                <a:latin typeface="Open Sans"/>
+                <a:ea typeface="Open Sans"/>
+                <a:cs typeface="Open Sans"/>
+                <a:sym typeface="Open Sans"/>
+              </a:rPr>
+              <a:t>cohérent</a:t>
+            </a:r>
+            <a:r>
+              <a:rPr lang="en-US" sz="1500" spc="13" dirty="0">
+                <a:solidFill>
+                  <a:srgbClr val="000000"/>
+                </a:solidFill>
+                <a:latin typeface="Open Sans"/>
+                <a:ea typeface="Open Sans"/>
+                <a:cs typeface="Open Sans"/>
+                <a:sym typeface="Open Sans"/>
+              </a:rPr>
+              <a:t> partout</a:t>
+            </a:r>
+            <a:r>
+              <a:rPr lang="en-US" sz="1500" spc="13" dirty="0" smtClean="0">
+                <a:solidFill>
+                  <a:srgbClr val="000000"/>
+                </a:solidFill>
+                <a:latin typeface="Open Sans"/>
+                <a:ea typeface="Open Sans"/>
+                <a:cs typeface="Open Sans"/>
+                <a:sym typeface="Open Sans"/>
+              </a:rPr>
+              <a:t>.</a:t>
             </a:r>
           </a:p>
           <a:p>
@@ -9160,7 +10200,7 @@
                 <a:spcPts val="2400"/>
               </a:lnSpc>
             </a:pPr>
-            <a:endParaRPr lang="en-US" sz="1500" spc="13">
+            <a:endParaRPr lang="en-US" sz="1500" spc="13" dirty="0">
               <a:solidFill>
                 <a:srgbClr val="000000"/>
               </a:solidFill>
@@ -9177,16 +10217,88 @@
               </a:lnSpc>
             </a:pPr>
             <a:r>
-              <a:rPr lang="en-US" sz="1500" spc="13">
-                <a:solidFill>
-                  <a:srgbClr val="000000"/>
-                </a:solidFill>
-                <a:latin typeface="Open Sans"/>
-                <a:ea typeface="Open Sans"/>
-                <a:cs typeface="Open Sans"/>
-                <a:sym typeface="Open Sans"/>
-              </a:rPr>
-              <a:t>👉 Pourquoi c’est un avantage ?</a:t>
+              <a:rPr lang="en-US" sz="1500" spc="13" dirty="0" smtClean="0">
+                <a:solidFill>
+                  <a:srgbClr val="000000"/>
+                </a:solidFill>
+                <a:latin typeface="Open Sans"/>
+                <a:ea typeface="Open Sans"/>
+                <a:cs typeface="Open Sans"/>
+                <a:sym typeface="Open Sans"/>
+              </a:rPr>
+              <a:t>👉 </a:t>
+            </a:r>
+            <a:r>
+              <a:rPr lang="en-US" sz="1500" spc="13" dirty="0" err="1" smtClean="0">
+                <a:solidFill>
+                  <a:srgbClr val="000000"/>
+                </a:solidFill>
+                <a:latin typeface="Open Sans"/>
+                <a:ea typeface="Open Sans"/>
+                <a:cs typeface="Open Sans"/>
+                <a:sym typeface="Open Sans"/>
+              </a:rPr>
+              <a:t>Pourquoi</a:t>
+            </a:r>
+            <a:r>
+              <a:rPr lang="en-US" sz="1500" spc="13" dirty="0" smtClean="0">
+                <a:solidFill>
+                  <a:srgbClr val="000000"/>
+                </a:solidFill>
+                <a:latin typeface="Open Sans"/>
+                <a:ea typeface="Open Sans"/>
+                <a:cs typeface="Open Sans"/>
+                <a:sym typeface="Open Sans"/>
+              </a:rPr>
+              <a:t> </a:t>
+            </a:r>
+            <a:r>
+              <a:rPr lang="en-US" sz="1500" spc="13" dirty="0" err="1" smtClean="0">
+                <a:solidFill>
+                  <a:srgbClr val="000000"/>
+                </a:solidFill>
+                <a:latin typeface="Open Sans"/>
+                <a:ea typeface="Open Sans"/>
+                <a:cs typeface="Open Sans"/>
+                <a:sym typeface="Open Sans"/>
+              </a:rPr>
+              <a:t>c’est</a:t>
+            </a:r>
+            <a:r>
+              <a:rPr lang="en-US" sz="1500" spc="13" dirty="0" smtClean="0">
+                <a:solidFill>
+                  <a:srgbClr val="000000"/>
+                </a:solidFill>
+                <a:latin typeface="Open Sans"/>
+                <a:ea typeface="Open Sans"/>
+                <a:cs typeface="Open Sans"/>
+                <a:sym typeface="Open Sans"/>
+              </a:rPr>
+              <a:t> un </a:t>
+            </a:r>
+            <a:r>
+              <a:rPr lang="en-US" sz="1500" spc="13" dirty="0" err="1" smtClean="0">
+                <a:solidFill>
+                  <a:srgbClr val="000000"/>
+                </a:solidFill>
+                <a:latin typeface="Open Sans"/>
+                <a:ea typeface="Open Sans"/>
+                <a:cs typeface="Open Sans"/>
+                <a:sym typeface="Open Sans"/>
+              </a:rPr>
+              <a:t>avantage</a:t>
+            </a:r>
+            <a:r>
+              <a:rPr lang="en-US" sz="1500" spc="13" dirty="0" smtClean="0">
+                <a:solidFill>
+                  <a:srgbClr val="000000"/>
+                </a:solidFill>
+                <a:latin typeface="Open Sans"/>
+                <a:ea typeface="Open Sans"/>
+                <a:cs typeface="Open Sans"/>
+                <a:sym typeface="Open Sans"/>
+              </a:rPr>
+              <a:t> ?</a:t>
             </a:r>
           </a:p>
           <a:p>
@@ -9196,16 +10308,112 @@
               </a:lnSpc>
             </a:pPr>
             <a:r>
-              <a:rPr lang="en-US" sz="1500" spc="13">
-                <a:solidFill>
-                  <a:srgbClr val="000000"/>
-                </a:solidFill>
-                <a:latin typeface="Open Sans"/>
-                <a:ea typeface="Open Sans"/>
-                <a:cs typeface="Open Sans"/>
-                <a:sym typeface="Open Sans"/>
-              </a:rPr>
-              <a:t>*Toutes tes pages ont le même style.</a:t>
+              <a:rPr lang="en-US" sz="1500" spc="13" dirty="0" smtClean="0">
+                <a:solidFill>
+                  <a:srgbClr val="000000"/>
+                </a:solidFill>
+                <a:latin typeface="Open Sans"/>
+                <a:ea typeface="Open Sans"/>
+                <a:cs typeface="Open Sans"/>
+                <a:sym typeface="Open Sans"/>
+              </a:rPr>
+              <a:t>*</a:t>
+            </a:r>
+            <a:r>
+              <a:rPr lang="en-US" sz="1500" spc="13" dirty="0" err="1" smtClean="0">
+                <a:solidFill>
+                  <a:srgbClr val="000000"/>
+                </a:solidFill>
+                <a:latin typeface="Open Sans"/>
+                <a:ea typeface="Open Sans"/>
+                <a:cs typeface="Open Sans"/>
+                <a:sym typeface="Open Sans"/>
+              </a:rPr>
+              <a:t>Toutes</a:t>
+            </a:r>
+            <a:r>
+              <a:rPr lang="en-US" sz="1500" spc="13" dirty="0" smtClean="0">
+                <a:solidFill>
+                  <a:srgbClr val="000000"/>
+                </a:solidFill>
+                <a:latin typeface="Open Sans"/>
+                <a:ea typeface="Open Sans"/>
+                <a:cs typeface="Open Sans"/>
+                <a:sym typeface="Open Sans"/>
+              </a:rPr>
+              <a:t> </a:t>
+            </a:r>
+            <a:r>
+              <a:rPr lang="en-US" sz="1500" spc="13" dirty="0" err="1" smtClean="0">
+                <a:solidFill>
+                  <a:srgbClr val="000000"/>
+                </a:solidFill>
+                <a:latin typeface="Open Sans"/>
+                <a:ea typeface="Open Sans"/>
+                <a:cs typeface="Open Sans"/>
+                <a:sym typeface="Open Sans"/>
+              </a:rPr>
+              <a:t>tes</a:t>
+            </a:r>
+            <a:r>
+              <a:rPr lang="en-US" sz="1500" spc="13" dirty="0" smtClean="0">
+                <a:solidFill>
+                  <a:srgbClr val="000000"/>
+                </a:solidFill>
+                <a:latin typeface="Open Sans"/>
+                <a:ea typeface="Open Sans"/>
+                <a:cs typeface="Open Sans"/>
+                <a:sym typeface="Open Sans"/>
+              </a:rPr>
+              <a:t> pages </a:t>
+            </a:r>
+            <a:r>
+              <a:rPr lang="en-US" sz="1500" spc="13" dirty="0" err="1" smtClean="0">
+                <a:solidFill>
+                  <a:srgbClr val="000000"/>
+                </a:solidFill>
+                <a:latin typeface="Open Sans"/>
+                <a:ea typeface="Open Sans"/>
+                <a:cs typeface="Open Sans"/>
+                <a:sym typeface="Open Sans"/>
+              </a:rPr>
+              <a:t>ont</a:t>
+            </a:r>
+            <a:r>
+              <a:rPr lang="en-US" sz="1500" spc="13" dirty="0" smtClean="0">
+                <a:solidFill>
+                  <a:srgbClr val="000000"/>
+                </a:solidFill>
+                <a:latin typeface="Open Sans"/>
+                <a:ea typeface="Open Sans"/>
+                <a:cs typeface="Open Sans"/>
+                <a:sym typeface="Open Sans"/>
+              </a:rPr>
+              <a:t> le </a:t>
+            </a:r>
+            <a:r>
+              <a:rPr lang="en-US" sz="1500" spc="13" dirty="0" err="1" smtClean="0">
+                <a:solidFill>
+                  <a:srgbClr val="000000"/>
+                </a:solidFill>
+                <a:latin typeface="Open Sans"/>
+                <a:ea typeface="Open Sans"/>
+                <a:cs typeface="Open Sans"/>
+                <a:sym typeface="Open Sans"/>
+              </a:rPr>
+              <a:t>même</a:t>
+            </a:r>
+            <a:r>
+              <a:rPr lang="en-US" sz="1500" spc="13" dirty="0" smtClean="0">
+                <a:solidFill>
+                  <a:srgbClr val="000000"/>
+                </a:solidFill>
+                <a:latin typeface="Open Sans"/>
+                <a:ea typeface="Open Sans"/>
+                <a:cs typeface="Open Sans"/>
+                <a:sym typeface="Open Sans"/>
+              </a:rPr>
+              <a:t> style.</a:t>
             </a:r>
           </a:p>
           <a:p>
@@ -9215,16 +10423,160 @@
               </a:lnSpc>
             </a:pPr>
             <a:r>
-              <a:rPr lang="en-US" sz="1500" spc="13">
-                <a:solidFill>
-                  <a:srgbClr val="000000"/>
-                </a:solidFill>
-                <a:latin typeface="Open Sans"/>
-                <a:ea typeface="Open Sans"/>
-                <a:cs typeface="Open Sans"/>
-                <a:sym typeface="Open Sans"/>
-              </a:rPr>
-              <a:t>*Moins d’erreurs visuelles (ex : tailles de titres différentes).</a:t>
+              <a:rPr lang="en-US" sz="1500" spc="13" dirty="0" smtClean="0">
+                <a:solidFill>
+                  <a:srgbClr val="000000"/>
+                </a:solidFill>
+                <a:latin typeface="Open Sans"/>
+                <a:ea typeface="Open Sans"/>
+                <a:cs typeface="Open Sans"/>
+                <a:sym typeface="Open Sans"/>
+              </a:rPr>
+              <a:t>*</a:t>
+            </a:r>
+            <a:r>
+              <a:rPr lang="en-US" sz="1500" spc="13" dirty="0" err="1" smtClean="0">
+                <a:solidFill>
+                  <a:srgbClr val="000000"/>
+                </a:solidFill>
+                <a:latin typeface="Open Sans"/>
+                <a:ea typeface="Open Sans"/>
+                <a:cs typeface="Open Sans"/>
+                <a:sym typeface="Open Sans"/>
+              </a:rPr>
+              <a:t>Moins</a:t>
+            </a:r>
+            <a:r>
+              <a:rPr lang="en-US" sz="1500" spc="13" dirty="0" smtClean="0">
+                <a:solidFill>
+                  <a:srgbClr val="000000"/>
+                </a:solidFill>
+                <a:latin typeface="Open Sans"/>
+                <a:ea typeface="Open Sans"/>
+                <a:cs typeface="Open Sans"/>
+                <a:sym typeface="Open Sans"/>
+              </a:rPr>
+              <a:t> </a:t>
+            </a:r>
+            <a:r>
+              <a:rPr lang="en-US" sz="1500" spc="13" dirty="0" err="1" smtClean="0">
+                <a:solidFill>
+                  <a:srgbClr val="000000"/>
+                </a:solidFill>
+                <a:latin typeface="Open Sans"/>
+                <a:ea typeface="Open Sans"/>
+                <a:cs typeface="Open Sans"/>
+                <a:sym typeface="Open Sans"/>
+              </a:rPr>
+              <a:t>d’erreurs</a:t>
+            </a:r>
+            <a:r>
+              <a:rPr lang="en-US" sz="1500" spc="13" dirty="0" smtClean="0">
+                <a:solidFill>
+                  <a:srgbClr val="000000"/>
+                </a:solidFill>
+                <a:latin typeface="Open Sans"/>
+                <a:ea typeface="Open Sans"/>
+                <a:cs typeface="Open Sans"/>
+                <a:sym typeface="Open Sans"/>
+              </a:rPr>
+              <a:t> </a:t>
+            </a:r>
+            <a:r>
+              <a:rPr lang="en-US" sz="1500" spc="13" dirty="0" err="1" smtClean="0">
+                <a:solidFill>
+                  <a:srgbClr val="000000"/>
+                </a:solidFill>
+                <a:latin typeface="Open Sans"/>
+                <a:ea typeface="Open Sans"/>
+                <a:cs typeface="Open Sans"/>
+                <a:sym typeface="Open Sans"/>
+              </a:rPr>
+              <a:t>visuelles</a:t>
+            </a:r>
+            <a:r>
+              <a:rPr lang="en-US" sz="1500" spc="13" dirty="0" smtClean="0">
+                <a:solidFill>
+                  <a:srgbClr val="000000"/>
+                </a:solidFill>
+                <a:latin typeface="Open Sans"/>
+                <a:ea typeface="Open Sans"/>
+                <a:cs typeface="Open Sans"/>
+                <a:sym typeface="Open Sans"/>
+              </a:rPr>
+              <a:t> (ex : </a:t>
+            </a:r>
+            <a:r>
+              <a:rPr lang="en-US" sz="1500" spc="13" dirty="0" err="1" smtClean="0">
+                <a:solidFill>
+                  <a:srgbClr val="000000"/>
+                </a:solidFill>
+                <a:latin typeface="Open Sans"/>
+                <a:ea typeface="Open Sans"/>
+                <a:cs typeface="Open Sans"/>
+                <a:sym typeface="Open Sans"/>
+              </a:rPr>
+              <a:t>tailles</a:t>
+            </a:r>
+            <a:r>
+              <a:rPr lang="en-US" sz="1500" spc="13" dirty="0" smtClean="0">
+                <a:solidFill>
+                  <a:srgbClr val="000000"/>
+                </a:solidFill>
+                <a:latin typeface="Open Sans"/>
+                <a:ea typeface="Open Sans"/>
+                <a:cs typeface="Open Sans"/>
+                <a:sym typeface="Open Sans"/>
+              </a:rPr>
+              <a:t> de </a:t>
+            </a:r>
+            <a:r>
+              <a:rPr lang="en-US" sz="1500" spc="13" dirty="0" err="1" smtClean="0">
+                <a:solidFill>
+                  <a:srgbClr val="000000"/>
+                </a:solidFill>
+                <a:latin typeface="Open Sans"/>
+                <a:ea typeface="Open Sans"/>
+                <a:cs typeface="Open Sans"/>
+                <a:sym typeface="Open Sans"/>
+              </a:rPr>
+              <a:t>titres</a:t>
+            </a:r>
+            <a:r>
+              <a:rPr lang="en-US" sz="1500" spc="13" dirty="0" smtClean="0">
+                <a:solidFill>
+                  <a:srgbClr val="000000"/>
+                </a:solidFill>
+                <a:latin typeface="Open Sans"/>
+                <a:ea typeface="Open Sans"/>
+                <a:cs typeface="Open Sans"/>
+                <a:sym typeface="Open Sans"/>
+              </a:rPr>
+              <a:t> </a:t>
+            </a:r>
+            <a:r>
+              <a:rPr lang="en-US" sz="1500" spc="13" dirty="0" err="1" smtClean="0">
+                <a:solidFill>
+                  <a:srgbClr val="000000"/>
+                </a:solidFill>
+                <a:latin typeface="Open Sans"/>
+                <a:ea typeface="Open Sans"/>
+                <a:cs typeface="Open Sans"/>
+                <a:sym typeface="Open Sans"/>
+              </a:rPr>
+              <a:t>différentes</a:t>
+            </a:r>
+            <a:r>
+              <a:rPr lang="en-US" sz="1500" spc="13" dirty="0" smtClean="0">
+                <a:solidFill>
+                  <a:srgbClr val="000000"/>
+                </a:solidFill>
+                <a:latin typeface="Open Sans"/>
+                <a:ea typeface="Open Sans"/>
+                <a:cs typeface="Open Sans"/>
+                <a:sym typeface="Open Sans"/>
+              </a:rPr>
+              <a:t>).</a:t>
             </a:r>
           </a:p>
           <a:p>
@@ -9234,16 +10586,88 @@
               </a:lnSpc>
             </a:pPr>
             <a:r>
-              <a:rPr lang="en-US" sz="1500" spc="13">
-                <a:solidFill>
-                  <a:srgbClr val="000000"/>
-                </a:solidFill>
-                <a:latin typeface="Open Sans"/>
-                <a:ea typeface="Open Sans"/>
-                <a:cs typeface="Open Sans"/>
-                <a:sym typeface="Open Sans"/>
-              </a:rPr>
-              <a:t>*Le code reste organisé et facile à comprendre.</a:t>
+              <a:rPr lang="en-US" sz="1500" spc="13" dirty="0" smtClean="0">
+                <a:solidFill>
+                  <a:srgbClr val="000000"/>
+                </a:solidFill>
+                <a:latin typeface="Open Sans"/>
+                <a:ea typeface="Open Sans"/>
+                <a:cs typeface="Open Sans"/>
+                <a:sym typeface="Open Sans"/>
+              </a:rPr>
+              <a:t>*Le code </a:t>
+            </a:r>
+            <a:r>
+              <a:rPr lang="en-US" sz="1500" spc="13" dirty="0" err="1" smtClean="0">
+                <a:solidFill>
+                  <a:srgbClr val="000000"/>
+                </a:solidFill>
+                <a:latin typeface="Open Sans"/>
+                <a:ea typeface="Open Sans"/>
+                <a:cs typeface="Open Sans"/>
+                <a:sym typeface="Open Sans"/>
+              </a:rPr>
+              <a:t>reste</a:t>
+            </a:r>
+            <a:r>
+              <a:rPr lang="en-US" sz="1500" spc="13" dirty="0" smtClean="0">
+                <a:solidFill>
+                  <a:srgbClr val="000000"/>
+                </a:solidFill>
+                <a:latin typeface="Open Sans"/>
+                <a:ea typeface="Open Sans"/>
+                <a:cs typeface="Open Sans"/>
+                <a:sym typeface="Open Sans"/>
+              </a:rPr>
+              <a:t> </a:t>
+            </a:r>
+            <a:r>
+              <a:rPr lang="en-US" sz="1500" spc="13" dirty="0" err="1" smtClean="0">
+                <a:solidFill>
+                  <a:srgbClr val="000000"/>
+                </a:solidFill>
+                <a:latin typeface="Open Sans"/>
+                <a:ea typeface="Open Sans"/>
+                <a:cs typeface="Open Sans"/>
+                <a:sym typeface="Open Sans"/>
+              </a:rPr>
+              <a:t>organisé</a:t>
+            </a:r>
+            <a:r>
+              <a:rPr lang="en-US" sz="1500" spc="13" dirty="0" smtClean="0">
+                <a:solidFill>
+                  <a:srgbClr val="000000"/>
+                </a:solidFill>
+                <a:latin typeface="Open Sans"/>
+                <a:ea typeface="Open Sans"/>
+                <a:cs typeface="Open Sans"/>
+                <a:sym typeface="Open Sans"/>
+              </a:rPr>
+              <a:t> et facile à </a:t>
+            </a:r>
+            <a:r>
+              <a:rPr lang="en-US" sz="1500" spc="13" dirty="0" err="1" smtClean="0">
+                <a:solidFill>
+                  <a:srgbClr val="000000"/>
+                </a:solidFill>
+                <a:latin typeface="Open Sans"/>
+                <a:ea typeface="Open Sans"/>
+                <a:cs typeface="Open Sans"/>
+                <a:sym typeface="Open Sans"/>
+              </a:rPr>
+              <a:t>comprendre</a:t>
+            </a:r>
+            <a:r>
+              <a:rPr lang="en-US" sz="1500" spc="13" dirty="0" smtClean="0">
+                <a:solidFill>
+                  <a:srgbClr val="000000"/>
+                </a:solidFill>
+                <a:latin typeface="Open Sans"/>
+                <a:ea typeface="Open Sans"/>
+                <a:cs typeface="Open Sans"/>
+                <a:sym typeface="Open Sans"/>
+              </a:rPr>
+              <a:t>.</a:t>
             </a:r>
           </a:p>
           <a:p>
@@ -9253,16 +10677,28 @@
               </a:lnSpc>
             </a:pPr>
             <a:r>
-              <a:rPr lang="en-US" sz="1500" spc="13">
-                <a:solidFill>
-                  <a:srgbClr val="000000"/>
-                </a:solidFill>
-                <a:latin typeface="Open Sans"/>
-                <a:ea typeface="Open Sans"/>
-                <a:cs typeface="Open Sans"/>
-                <a:sym typeface="Open Sans"/>
-              </a:rPr>
-              <a:t>Exemple :</a:t>
+              <a:rPr lang="en-US" sz="1500" spc="13" dirty="0" err="1" smtClean="0">
+                <a:solidFill>
+                  <a:srgbClr val="000000"/>
+                </a:solidFill>
+                <a:latin typeface="Open Sans"/>
+                <a:ea typeface="Open Sans"/>
+                <a:cs typeface="Open Sans"/>
+                <a:sym typeface="Open Sans"/>
+              </a:rPr>
+              <a:t>Exemple</a:t>
+            </a:r>
+            <a:r>
+              <a:rPr lang="en-US" sz="1500" spc="13" dirty="0" smtClean="0">
+                <a:solidFill>
+                  <a:srgbClr val="000000"/>
+                </a:solidFill>
+                <a:latin typeface="Open Sans"/>
+                <a:ea typeface="Open Sans"/>
+                <a:cs typeface="Open Sans"/>
+                <a:sym typeface="Open Sans"/>
+              </a:rPr>
+              <a:t> :</a:t>
             </a:r>
           </a:p>
           <a:p>
@@ -9272,17 +10708,194 @@
               </a:lnSpc>
             </a:pPr>
             <a:r>
-              <a:rPr lang="en-US" sz="1500" spc="14">
-                <a:solidFill>
-                  <a:srgbClr val="000000"/>
-                </a:solidFill>
-                <a:latin typeface="Open Sans"/>
-                <a:ea typeface="Open Sans"/>
-                <a:cs typeface="Open Sans"/>
-                <a:sym typeface="Open Sans"/>
-              </a:rPr>
-              <a:t>Si --spacing contrôle les espaces, tu as le même espacement partout au lieu de valeurs répétées.</a:t>
-            </a:r>
+              <a:rPr lang="en-US" sz="1500" spc="14" dirty="0" smtClean="0">
+                <a:solidFill>
+                  <a:srgbClr val="000000"/>
+                </a:solidFill>
+                <a:latin typeface="Open Sans"/>
+                <a:ea typeface="Open Sans"/>
+                <a:cs typeface="Open Sans"/>
+                <a:sym typeface="Open Sans"/>
+              </a:rPr>
+              <a:t>Si --spacing </a:t>
+            </a:r>
+            <a:r>
+              <a:rPr lang="en-US" sz="1500" spc="14" dirty="0" err="1" smtClean="0">
+                <a:solidFill>
+                  <a:srgbClr val="000000"/>
+                </a:solidFill>
+                <a:latin typeface="Open Sans"/>
+                <a:ea typeface="Open Sans"/>
+                <a:cs typeface="Open Sans"/>
+                <a:sym typeface="Open Sans"/>
+              </a:rPr>
+              <a:t>contrôle</a:t>
+            </a:r>
+            <a:r>
+              <a:rPr lang="en-US" sz="1500" spc="14" dirty="0" smtClean="0">
+                <a:solidFill>
+                  <a:srgbClr val="000000"/>
+                </a:solidFill>
+                <a:latin typeface="Open Sans"/>
+                <a:ea typeface="Open Sans"/>
+                <a:cs typeface="Open Sans"/>
+                <a:sym typeface="Open Sans"/>
+              </a:rPr>
+              <a:t> les </a:t>
+            </a:r>
+            <a:r>
+              <a:rPr lang="en-US" sz="1500" spc="14" dirty="0" err="1" smtClean="0">
+                <a:solidFill>
+                  <a:srgbClr val="000000"/>
+                </a:solidFill>
+                <a:latin typeface="Open Sans"/>
+                <a:ea typeface="Open Sans"/>
+                <a:cs typeface="Open Sans"/>
+                <a:sym typeface="Open Sans"/>
+              </a:rPr>
+              <a:t>espaces</a:t>
+            </a:r>
+            <a:r>
+              <a:rPr lang="en-US" sz="1500" spc="14" dirty="0" smtClean="0">
+                <a:solidFill>
+                  <a:srgbClr val="000000"/>
+                </a:solidFill>
+                <a:latin typeface="Open Sans"/>
+                <a:ea typeface="Open Sans"/>
+                <a:cs typeface="Open Sans"/>
+                <a:sym typeface="Open Sans"/>
+              </a:rPr>
+              <a:t>, </a:t>
+            </a:r>
+            <a:r>
+              <a:rPr lang="en-US" sz="1500" spc="14" dirty="0" err="1" smtClean="0">
+                <a:solidFill>
+                  <a:srgbClr val="000000"/>
+                </a:solidFill>
+                <a:latin typeface="Open Sans"/>
+                <a:ea typeface="Open Sans"/>
+                <a:cs typeface="Open Sans"/>
+                <a:sym typeface="Open Sans"/>
+              </a:rPr>
+              <a:t>tu</a:t>
+            </a:r>
+            <a:r>
+              <a:rPr lang="en-US" sz="1500" spc="14" dirty="0" smtClean="0">
+                <a:solidFill>
+                  <a:srgbClr val="000000"/>
+                </a:solidFill>
+                <a:latin typeface="Open Sans"/>
+                <a:ea typeface="Open Sans"/>
+                <a:cs typeface="Open Sans"/>
+                <a:sym typeface="Open Sans"/>
+              </a:rPr>
+              <a:t> as le </a:t>
+            </a:r>
+            <a:r>
+              <a:rPr lang="en-US" sz="1500" spc="14" dirty="0" err="1" smtClean="0">
+                <a:solidFill>
+                  <a:srgbClr val="000000"/>
+                </a:solidFill>
+                <a:latin typeface="Open Sans"/>
+                <a:ea typeface="Open Sans"/>
+                <a:cs typeface="Open Sans"/>
+                <a:sym typeface="Open Sans"/>
+              </a:rPr>
+              <a:t>même</a:t>
+            </a:r>
+            <a:r>
+              <a:rPr lang="en-US" sz="1500" spc="14" dirty="0" smtClean="0">
+                <a:solidFill>
+                  <a:srgbClr val="000000"/>
+                </a:solidFill>
+                <a:latin typeface="Open Sans"/>
+                <a:ea typeface="Open Sans"/>
+                <a:cs typeface="Open Sans"/>
+                <a:sym typeface="Open Sans"/>
+              </a:rPr>
+              <a:t> </a:t>
+            </a:r>
+            <a:r>
+              <a:rPr lang="en-US" sz="1500" spc="14" dirty="0" err="1" smtClean="0">
+                <a:solidFill>
+                  <a:srgbClr val="000000"/>
+                </a:solidFill>
+                <a:latin typeface="Open Sans"/>
+                <a:ea typeface="Open Sans"/>
+                <a:cs typeface="Open Sans"/>
+                <a:sym typeface="Open Sans"/>
+              </a:rPr>
+              <a:t>espacement</a:t>
+            </a:r>
+            <a:r>
+              <a:rPr lang="en-US" sz="1500" spc="14" dirty="0" smtClean="0">
+                <a:solidFill>
+                  <a:srgbClr val="000000"/>
+                </a:solidFill>
+                <a:latin typeface="Open Sans"/>
+                <a:ea typeface="Open Sans"/>
+                <a:cs typeface="Open Sans"/>
+                <a:sym typeface="Open Sans"/>
+              </a:rPr>
+              <a:t> partout au lieu de </a:t>
+            </a:r>
+            <a:r>
+              <a:rPr lang="en-US" sz="1500" spc="14" dirty="0" err="1" smtClean="0">
+                <a:solidFill>
+                  <a:srgbClr val="000000"/>
+                </a:solidFill>
+                <a:latin typeface="Open Sans"/>
+                <a:ea typeface="Open Sans"/>
+                <a:cs typeface="Open Sans"/>
+                <a:sym typeface="Open Sans"/>
+              </a:rPr>
+              <a:t>valeurs</a:t>
+            </a:r>
+            <a:r>
+              <a:rPr lang="en-US" sz="1500" spc="14" dirty="0" smtClean="0">
+                <a:solidFill>
+                  <a:srgbClr val="000000"/>
+                </a:solidFill>
+                <a:latin typeface="Open Sans"/>
+                <a:ea typeface="Open Sans"/>
+                <a:cs typeface="Open Sans"/>
+                <a:sym typeface="Open Sans"/>
+              </a:rPr>
+              <a:t> </a:t>
+            </a:r>
+            <a:r>
+              <a:rPr lang="en-US" sz="1500" spc="14" dirty="0" err="1" smtClean="0">
+                <a:solidFill>
+                  <a:srgbClr val="000000"/>
+                </a:solidFill>
+                <a:latin typeface="Open Sans"/>
+                <a:ea typeface="Open Sans"/>
+                <a:cs typeface="Open Sans"/>
+                <a:sym typeface="Open Sans"/>
+              </a:rPr>
+              <a:t>répétées</a:t>
+            </a:r>
+            <a:r>
+              <a:rPr lang="en-US" sz="1500" spc="14" dirty="0" smtClean="0">
+                <a:solidFill>
+                  <a:srgbClr val="000000"/>
+                </a:solidFill>
+                <a:latin typeface="Open Sans"/>
+                <a:ea typeface="Open Sans"/>
+                <a:cs typeface="Open Sans"/>
+                <a:sym typeface="Open Sans"/>
+              </a:rPr>
+              <a:t>.</a:t>
+            </a:r>
+            <a:endParaRPr lang="en-US" sz="1500" spc="14" dirty="0">
+              <a:solidFill>
+                <a:srgbClr val="000000"/>
+              </a:solidFill>
+              <a:latin typeface="Open Sans"/>
+              <a:ea typeface="Open Sans"/>
+              <a:cs typeface="Open Sans"/>
+              <a:sym typeface="Open Sans"/>
+            </a:endParaRPr>
           </a:p>
         </p:txBody>
       </p:sp>
@@ -9313,16 +10926,88 @@
               </a:lnSpc>
             </a:pPr>
             <a:r>
-              <a:rPr lang="en-US" sz="1416" spc="12">
-                <a:solidFill>
-                  <a:srgbClr val="000000"/>
-                </a:solidFill>
-                <a:latin typeface="Open Sans"/>
-                <a:ea typeface="Open Sans"/>
-                <a:cs typeface="Open Sans"/>
-                <a:sym typeface="Open Sans"/>
-              </a:rPr>
-              <a:t>Pico.css est conçu pour être :</a:t>
+              <a:rPr lang="en-US" sz="1416" spc="12" dirty="0">
+                <a:solidFill>
+                  <a:srgbClr val="000000"/>
+                </a:solidFill>
+                <a:latin typeface="Open Sans"/>
+                <a:ea typeface="Open Sans"/>
+                <a:cs typeface="Open Sans"/>
+                <a:sym typeface="Open Sans"/>
+              </a:rPr>
+              <a:t>Pico.css </a:t>
+            </a:r>
+            <a:r>
+              <a:rPr lang="en-US" sz="1416" spc="12" dirty="0" err="1">
+                <a:solidFill>
+                  <a:srgbClr val="000000"/>
+                </a:solidFill>
+                <a:latin typeface="Open Sans"/>
+                <a:ea typeface="Open Sans"/>
+                <a:cs typeface="Open Sans"/>
+                <a:sym typeface="Open Sans"/>
+              </a:rPr>
+              <a:t>est</a:t>
+            </a:r>
+            <a:r>
+              <a:rPr lang="en-US" sz="1416" spc="12" dirty="0">
+                <a:solidFill>
+                  <a:srgbClr val="000000"/>
+                </a:solidFill>
+                <a:latin typeface="Open Sans"/>
+                <a:ea typeface="Open Sans"/>
+                <a:cs typeface="Open Sans"/>
+                <a:sym typeface="Open Sans"/>
+              </a:rPr>
+              <a:t> </a:t>
+            </a:r>
+            <a:r>
+              <a:rPr lang="en-US" sz="1416" spc="12" dirty="0" err="1">
+                <a:solidFill>
+                  <a:srgbClr val="000000"/>
+                </a:solidFill>
+                <a:latin typeface="Open Sans"/>
+                <a:ea typeface="Open Sans"/>
+                <a:cs typeface="Open Sans"/>
+                <a:sym typeface="Open Sans"/>
+              </a:rPr>
+              <a:t>conçu</a:t>
+            </a:r>
+            <a:r>
+              <a:rPr lang="en-US" sz="1416" spc="12" dirty="0">
+                <a:solidFill>
+                  <a:srgbClr val="000000"/>
+                </a:solidFill>
+                <a:latin typeface="Open Sans"/>
+                <a:ea typeface="Open Sans"/>
+                <a:cs typeface="Open Sans"/>
+                <a:sym typeface="Open Sans"/>
+              </a:rPr>
+              <a:t> pour </a:t>
+            </a:r>
+            <a:r>
+              <a:rPr lang="en-US" sz="1416" spc="12" dirty="0" err="1">
+                <a:solidFill>
+                  <a:srgbClr val="000000"/>
+                </a:solidFill>
+                <a:latin typeface="Open Sans"/>
+                <a:ea typeface="Open Sans"/>
+                <a:cs typeface="Open Sans"/>
+                <a:sym typeface="Open Sans"/>
+              </a:rPr>
+              <a:t>être</a:t>
+            </a:r>
+            <a:r>
+              <a:rPr lang="en-US" sz="1416" spc="12" dirty="0">
+                <a:solidFill>
+                  <a:srgbClr val="000000"/>
+                </a:solidFill>
+                <a:latin typeface="Open Sans"/>
+                <a:ea typeface="Open Sans"/>
+                <a:cs typeface="Open Sans"/>
+                <a:sym typeface="Open Sans"/>
+              </a:rPr>
+              <a:t> :</a:t>
             </a:r>
           </a:p>
           <a:p>
@@ -9332,16 +11017,64 @@
               </a:lnSpc>
             </a:pPr>
             <a:r>
-              <a:rPr lang="en-US" sz="1416" spc="12">
-                <a:solidFill>
-                  <a:srgbClr val="000000"/>
-                </a:solidFill>
-                <a:latin typeface="Open Sans"/>
-                <a:ea typeface="Open Sans"/>
-                <a:cs typeface="Open Sans"/>
-                <a:sym typeface="Open Sans"/>
-              </a:rPr>
-              <a:t>-léger (rapide à charger)</a:t>
+              <a:rPr lang="en-US" sz="1416" spc="12" dirty="0">
+                <a:solidFill>
+                  <a:srgbClr val="000000"/>
+                </a:solidFill>
+                <a:latin typeface="Open Sans"/>
+                <a:ea typeface="Open Sans"/>
+                <a:cs typeface="Open Sans"/>
+                <a:sym typeface="Open Sans"/>
+              </a:rPr>
+              <a:t>-</a:t>
+            </a:r>
+            <a:r>
+              <a:rPr lang="en-US" sz="1416" spc="12" dirty="0" err="1">
+                <a:solidFill>
+                  <a:srgbClr val="000000"/>
+                </a:solidFill>
+                <a:latin typeface="Open Sans"/>
+                <a:ea typeface="Open Sans"/>
+                <a:cs typeface="Open Sans"/>
+                <a:sym typeface="Open Sans"/>
+              </a:rPr>
+              <a:t>léger</a:t>
+            </a:r>
+            <a:r>
+              <a:rPr lang="en-US" sz="1416" spc="12" dirty="0">
+                <a:solidFill>
+                  <a:srgbClr val="000000"/>
+                </a:solidFill>
+                <a:latin typeface="Open Sans"/>
+                <a:ea typeface="Open Sans"/>
+                <a:cs typeface="Open Sans"/>
+                <a:sym typeface="Open Sans"/>
+              </a:rPr>
+              <a:t> (</a:t>
+            </a:r>
+            <a:r>
+              <a:rPr lang="en-US" sz="1416" spc="12" dirty="0" err="1">
+                <a:solidFill>
+                  <a:srgbClr val="000000"/>
+                </a:solidFill>
+                <a:latin typeface="Open Sans"/>
+                <a:ea typeface="Open Sans"/>
+                <a:cs typeface="Open Sans"/>
+                <a:sym typeface="Open Sans"/>
+              </a:rPr>
+              <a:t>rapide</a:t>
+            </a:r>
+            <a:r>
+              <a:rPr lang="en-US" sz="1416" spc="12" dirty="0">
+                <a:solidFill>
+                  <a:srgbClr val="000000"/>
+                </a:solidFill>
+                <a:latin typeface="Open Sans"/>
+                <a:ea typeface="Open Sans"/>
+                <a:cs typeface="Open Sans"/>
+                <a:sym typeface="Open Sans"/>
+              </a:rPr>
+              <a:t> à charger)</a:t>
             </a:r>
           </a:p>
           <a:p>
@@ -9351,16 +11084,88 @@
               </a:lnSpc>
             </a:pPr>
             <a:r>
-              <a:rPr lang="en-US" sz="1416" spc="12">
-                <a:solidFill>
-                  <a:srgbClr val="000000"/>
-                </a:solidFill>
-                <a:latin typeface="Open Sans"/>
-                <a:ea typeface="Open Sans"/>
-                <a:cs typeface="Open Sans"/>
-                <a:sym typeface="Open Sans"/>
-              </a:rPr>
-              <a:t>-responsive (adapté mobile/tablette automatiquement)</a:t>
+              <a:rPr lang="en-US" sz="1416" spc="12" dirty="0">
+                <a:solidFill>
+                  <a:srgbClr val="000000"/>
+                </a:solidFill>
+                <a:latin typeface="Open Sans"/>
+                <a:ea typeface="Open Sans"/>
+                <a:cs typeface="Open Sans"/>
+                <a:sym typeface="Open Sans"/>
+              </a:rPr>
+              <a:t>-responsive (</a:t>
+            </a:r>
+            <a:r>
+              <a:rPr lang="en-US" sz="1416" spc="12" dirty="0" err="1">
+                <a:solidFill>
+                  <a:srgbClr val="000000"/>
+                </a:solidFill>
+                <a:latin typeface="Open Sans"/>
+                <a:ea typeface="Open Sans"/>
+                <a:cs typeface="Open Sans"/>
+                <a:sym typeface="Open Sans"/>
+              </a:rPr>
+              <a:t>adapté</a:t>
+            </a:r>
+            <a:r>
+              <a:rPr lang="en-US" sz="1416" spc="12" dirty="0">
+                <a:solidFill>
+                  <a:srgbClr val="000000"/>
+                </a:solidFill>
+                <a:latin typeface="Open Sans"/>
+                <a:ea typeface="Open Sans"/>
+                <a:cs typeface="Open Sans"/>
+                <a:sym typeface="Open Sans"/>
+              </a:rPr>
+              <a:t> mobile/</a:t>
+            </a:r>
+            <a:r>
+              <a:rPr lang="en-US" sz="1416" spc="12" dirty="0" err="1">
+                <a:solidFill>
+                  <a:srgbClr val="000000"/>
+                </a:solidFill>
+                <a:latin typeface="Open Sans"/>
+                <a:ea typeface="Open Sans"/>
+                <a:cs typeface="Open Sans"/>
+                <a:sym typeface="Open Sans"/>
+              </a:rPr>
+              <a:t>tablette</a:t>
+            </a:r>
+            <a:r>
+              <a:rPr lang="en-US" sz="1416" spc="12" dirty="0">
+                <a:solidFill>
+                  <a:srgbClr val="000000"/>
+                </a:solidFill>
+                <a:latin typeface="Open Sans"/>
+                <a:ea typeface="Open Sans"/>
+                <a:cs typeface="Open Sans"/>
+                <a:sym typeface="Open Sans"/>
+              </a:rPr>
+              <a:t> </a:t>
+            </a:r>
+            <a:r>
+              <a:rPr lang="en-US" sz="1416" spc="12" dirty="0" err="1">
+                <a:solidFill>
+                  <a:srgbClr val="000000"/>
+                </a:solidFill>
+                <a:latin typeface="Open Sans"/>
+                <a:ea typeface="Open Sans"/>
+                <a:cs typeface="Open Sans"/>
+                <a:sym typeface="Open Sans"/>
+              </a:rPr>
+              <a:t>automatiquement</a:t>
+            </a:r>
+            <a:r>
+              <a:rPr lang="en-US" sz="1416" spc="12" dirty="0">
+                <a:solidFill>
+                  <a:srgbClr val="000000"/>
+                </a:solidFill>
+                <a:latin typeface="Open Sans"/>
+                <a:ea typeface="Open Sans"/>
+                <a:cs typeface="Open Sans"/>
+                <a:sym typeface="Open Sans"/>
+              </a:rPr>
+              <a:t>)</a:t>
             </a:r>
           </a:p>
           <a:p>
@@ -9370,16 +11175,88 @@
               </a:lnSpc>
             </a:pPr>
             <a:r>
-              <a:rPr lang="en-US" sz="1416" spc="12">
-                <a:solidFill>
-                  <a:srgbClr val="000000"/>
-                </a:solidFill>
-                <a:latin typeface="Open Sans"/>
-                <a:ea typeface="Open Sans"/>
-                <a:cs typeface="Open Sans"/>
-                <a:sym typeface="Open Sans"/>
-              </a:rPr>
-              <a:t>-adaptable (mode clair/sombre inclus)</a:t>
+              <a:rPr lang="en-US" sz="1416" spc="12" dirty="0">
+                <a:solidFill>
+                  <a:srgbClr val="000000"/>
+                </a:solidFill>
+                <a:latin typeface="Open Sans"/>
+                <a:ea typeface="Open Sans"/>
+                <a:cs typeface="Open Sans"/>
+                <a:sym typeface="Open Sans"/>
+              </a:rPr>
+              <a:t>-adaptable (mode </a:t>
+            </a:r>
+            <a:r>
+              <a:rPr lang="en-US" sz="1416" spc="12" dirty="0" err="1">
+                <a:solidFill>
+                  <a:srgbClr val="000000"/>
+                </a:solidFill>
+                <a:latin typeface="Open Sans"/>
+                <a:ea typeface="Open Sans"/>
+                <a:cs typeface="Open Sans"/>
+                <a:sym typeface="Open Sans"/>
+              </a:rPr>
+              <a:t>clair</a:t>
+            </a:r>
+            <a:r>
+              <a:rPr lang="en-US" sz="1416" spc="12" dirty="0">
+                <a:solidFill>
+                  <a:srgbClr val="000000"/>
+                </a:solidFill>
+                <a:latin typeface="Open Sans"/>
+                <a:ea typeface="Open Sans"/>
+                <a:cs typeface="Open Sans"/>
+                <a:sym typeface="Open Sans"/>
+              </a:rPr>
+              <a:t>/</a:t>
+            </a:r>
+            <a:r>
+              <a:rPr lang="en-US" sz="1416" spc="12" dirty="0" err="1">
+                <a:solidFill>
+                  <a:srgbClr val="000000"/>
+                </a:solidFill>
+                <a:latin typeface="Open Sans"/>
+                <a:ea typeface="Open Sans"/>
+                <a:cs typeface="Open Sans"/>
+                <a:sym typeface="Open Sans"/>
+              </a:rPr>
+              <a:t>sombre</a:t>
+            </a:r>
+            <a:r>
+              <a:rPr lang="en-US" sz="1416" spc="12" dirty="0">
+                <a:solidFill>
+                  <a:srgbClr val="000000"/>
+                </a:solidFill>
+                <a:latin typeface="Open Sans"/>
+                <a:ea typeface="Open Sans"/>
+                <a:cs typeface="Open Sans"/>
+                <a:sym typeface="Open Sans"/>
+              </a:rPr>
+              <a:t> </a:t>
+            </a:r>
+            <a:r>
+              <a:rPr lang="en-US" sz="1416" spc="12" dirty="0" err="1">
+                <a:solidFill>
+                  <a:srgbClr val="000000"/>
+                </a:solidFill>
+                <a:latin typeface="Open Sans"/>
+                <a:ea typeface="Open Sans"/>
+                <a:cs typeface="Open Sans"/>
+                <a:sym typeface="Open Sans"/>
+              </a:rPr>
+              <a:t>inclus</a:t>
+            </a:r>
+            <a:r>
+              <a:rPr lang="en-US" sz="1416" spc="12" dirty="0">
+                <a:solidFill>
+                  <a:srgbClr val="000000"/>
+                </a:solidFill>
+                <a:latin typeface="Open Sans"/>
+                <a:ea typeface="Open Sans"/>
+                <a:cs typeface="Open Sans"/>
+                <a:sym typeface="Open Sans"/>
+              </a:rPr>
+              <a:t>)</a:t>
             </a:r>
           </a:p>
           <a:p>
@@ -9388,7 +11265,7 @@
                 <a:spcPts val="2265"/>
               </a:lnSpc>
             </a:pPr>
-            <a:endParaRPr lang="en-US" sz="1416" spc="12">
+            <a:endParaRPr lang="en-US" sz="1416" spc="12" dirty="0">
               <a:solidFill>
                 <a:srgbClr val="000000"/>
               </a:solidFill>
@@ -9405,16 +11282,88 @@
               </a:lnSpc>
             </a:pPr>
             <a:r>
-              <a:rPr lang="en-US" sz="1416" spc="12">
-                <a:solidFill>
-                  <a:srgbClr val="000000"/>
-                </a:solidFill>
-                <a:latin typeface="Open Sans"/>
-                <a:ea typeface="Open Sans"/>
-                <a:cs typeface="Open Sans"/>
-                <a:sym typeface="Open Sans"/>
-              </a:rPr>
-              <a:t>👉 Pourquoi c’est un avantage ?</a:t>
+              <a:rPr lang="en-US" sz="1416" spc="12" dirty="0">
+                <a:solidFill>
+                  <a:srgbClr val="000000"/>
+                </a:solidFill>
+                <a:latin typeface="Open Sans"/>
+                <a:ea typeface="Open Sans"/>
+                <a:cs typeface="Open Sans"/>
+                <a:sym typeface="Open Sans"/>
+              </a:rPr>
+              <a:t>👉 </a:t>
+            </a:r>
+            <a:r>
+              <a:rPr lang="en-US" sz="1416" spc="12" dirty="0" err="1">
+                <a:solidFill>
+                  <a:srgbClr val="000000"/>
+                </a:solidFill>
+                <a:latin typeface="Open Sans"/>
+                <a:ea typeface="Open Sans"/>
+                <a:cs typeface="Open Sans"/>
+                <a:sym typeface="Open Sans"/>
+              </a:rPr>
+              <a:t>Pourquoi</a:t>
+            </a:r>
+            <a:r>
+              <a:rPr lang="en-US" sz="1416" spc="12" dirty="0">
+                <a:solidFill>
+                  <a:srgbClr val="000000"/>
+                </a:solidFill>
+                <a:latin typeface="Open Sans"/>
+                <a:ea typeface="Open Sans"/>
+                <a:cs typeface="Open Sans"/>
+                <a:sym typeface="Open Sans"/>
+              </a:rPr>
+              <a:t> </a:t>
+            </a:r>
+            <a:r>
+              <a:rPr lang="en-US" sz="1416" spc="12" dirty="0" err="1">
+                <a:solidFill>
+                  <a:srgbClr val="000000"/>
+                </a:solidFill>
+                <a:latin typeface="Open Sans"/>
+                <a:ea typeface="Open Sans"/>
+                <a:cs typeface="Open Sans"/>
+                <a:sym typeface="Open Sans"/>
+              </a:rPr>
+              <a:t>c’est</a:t>
+            </a:r>
+            <a:r>
+              <a:rPr lang="en-US" sz="1416" spc="12" dirty="0">
+                <a:solidFill>
+                  <a:srgbClr val="000000"/>
+                </a:solidFill>
+                <a:latin typeface="Open Sans"/>
+                <a:ea typeface="Open Sans"/>
+                <a:cs typeface="Open Sans"/>
+                <a:sym typeface="Open Sans"/>
+              </a:rPr>
+              <a:t> un </a:t>
+            </a:r>
+            <a:r>
+              <a:rPr lang="en-US" sz="1416" spc="12" dirty="0" err="1">
+                <a:solidFill>
+                  <a:srgbClr val="000000"/>
+                </a:solidFill>
+                <a:latin typeface="Open Sans"/>
+                <a:ea typeface="Open Sans"/>
+                <a:cs typeface="Open Sans"/>
+                <a:sym typeface="Open Sans"/>
+              </a:rPr>
+              <a:t>avantage</a:t>
+            </a:r>
+            <a:r>
+              <a:rPr lang="en-US" sz="1416" spc="12" dirty="0">
+                <a:solidFill>
+                  <a:srgbClr val="000000"/>
+                </a:solidFill>
+                <a:latin typeface="Open Sans"/>
+                <a:ea typeface="Open Sans"/>
+                <a:cs typeface="Open Sans"/>
+                <a:sym typeface="Open Sans"/>
+              </a:rPr>
+              <a:t> ?</a:t>
             </a:r>
           </a:p>
           <a:p>
@@ -9424,16 +11373,136 @@
               </a:lnSpc>
             </a:pPr>
             <a:r>
-              <a:rPr lang="en-US" sz="1416" spc="12">
-                <a:solidFill>
-                  <a:srgbClr val="000000"/>
-                </a:solidFill>
-                <a:latin typeface="Open Sans"/>
-                <a:ea typeface="Open Sans"/>
-                <a:cs typeface="Open Sans"/>
-                <a:sym typeface="Open Sans"/>
-              </a:rPr>
-              <a:t>*Le site reste performant, même en ajoutant plus de contenu.</a:t>
+              <a:rPr lang="en-US" sz="1416" spc="12" dirty="0">
+                <a:solidFill>
+                  <a:srgbClr val="000000"/>
+                </a:solidFill>
+                <a:latin typeface="Open Sans"/>
+                <a:ea typeface="Open Sans"/>
+                <a:cs typeface="Open Sans"/>
+                <a:sym typeface="Open Sans"/>
+              </a:rPr>
+              <a:t>*Le site </a:t>
+            </a:r>
+            <a:r>
+              <a:rPr lang="en-US" sz="1416" spc="12" dirty="0" err="1">
+                <a:solidFill>
+                  <a:srgbClr val="000000"/>
+                </a:solidFill>
+                <a:latin typeface="Open Sans"/>
+                <a:ea typeface="Open Sans"/>
+                <a:cs typeface="Open Sans"/>
+                <a:sym typeface="Open Sans"/>
+              </a:rPr>
+              <a:t>reste</a:t>
+            </a:r>
+            <a:r>
+              <a:rPr lang="en-US" sz="1416" spc="12" dirty="0">
+                <a:solidFill>
+                  <a:srgbClr val="000000"/>
+                </a:solidFill>
+                <a:latin typeface="Open Sans"/>
+                <a:ea typeface="Open Sans"/>
+                <a:cs typeface="Open Sans"/>
+                <a:sym typeface="Open Sans"/>
+              </a:rPr>
+              <a:t> performant, </a:t>
+            </a:r>
+            <a:r>
+              <a:rPr lang="en-US" sz="1416" spc="12" dirty="0" err="1">
+                <a:solidFill>
+                  <a:srgbClr val="000000"/>
+                </a:solidFill>
+                <a:latin typeface="Open Sans"/>
+                <a:ea typeface="Open Sans"/>
+                <a:cs typeface="Open Sans"/>
+                <a:sym typeface="Open Sans"/>
+              </a:rPr>
+              <a:t>même</a:t>
+            </a:r>
+            <a:r>
+              <a:rPr lang="en-US" sz="1416" spc="12" dirty="0">
+                <a:solidFill>
+                  <a:srgbClr val="000000"/>
+                </a:solidFill>
+                <a:latin typeface="Open Sans"/>
+                <a:ea typeface="Open Sans"/>
+                <a:cs typeface="Open Sans"/>
+                <a:sym typeface="Open Sans"/>
+              </a:rPr>
+              <a:t> </a:t>
+            </a:r>
+            <a:r>
+              <a:rPr lang="en-US" sz="1416" spc="12" dirty="0" err="1">
+                <a:solidFill>
+                  <a:srgbClr val="000000"/>
+                </a:solidFill>
+                <a:latin typeface="Open Sans"/>
+                <a:ea typeface="Open Sans"/>
+                <a:cs typeface="Open Sans"/>
+                <a:sym typeface="Open Sans"/>
+              </a:rPr>
+              <a:t>en</a:t>
+            </a:r>
+            <a:r>
+              <a:rPr lang="en-US" sz="1416" spc="12" dirty="0">
+                <a:solidFill>
+                  <a:srgbClr val="000000"/>
+                </a:solidFill>
+                <a:latin typeface="Open Sans"/>
+                <a:ea typeface="Open Sans"/>
+                <a:cs typeface="Open Sans"/>
+                <a:sym typeface="Open Sans"/>
+              </a:rPr>
+              <a:t> </a:t>
+            </a:r>
+            <a:r>
+              <a:rPr lang="en-US" sz="1416" spc="12" dirty="0" err="1">
+                <a:solidFill>
+                  <a:srgbClr val="000000"/>
+                </a:solidFill>
+                <a:latin typeface="Open Sans"/>
+                <a:ea typeface="Open Sans"/>
+                <a:cs typeface="Open Sans"/>
+                <a:sym typeface="Open Sans"/>
+              </a:rPr>
+              <a:t>ajoutant</a:t>
+            </a:r>
+            <a:r>
+              <a:rPr lang="en-US" sz="1416" spc="12" dirty="0">
+                <a:solidFill>
+                  <a:srgbClr val="000000"/>
+                </a:solidFill>
+                <a:latin typeface="Open Sans"/>
+                <a:ea typeface="Open Sans"/>
+                <a:cs typeface="Open Sans"/>
+                <a:sym typeface="Open Sans"/>
+              </a:rPr>
+              <a:t> plus de </a:t>
+            </a:r>
+            <a:r>
+              <a:rPr lang="en-US" sz="1416" spc="12" dirty="0" err="1">
+                <a:solidFill>
+                  <a:srgbClr val="000000"/>
+                </a:solidFill>
+                <a:latin typeface="Open Sans"/>
+                <a:ea typeface="Open Sans"/>
+                <a:cs typeface="Open Sans"/>
+                <a:sym typeface="Open Sans"/>
+              </a:rPr>
+              <a:t>contenu</a:t>
+            </a:r>
+            <a:r>
+              <a:rPr lang="en-US" sz="1416" spc="12" dirty="0">
+                <a:solidFill>
+                  <a:srgbClr val="000000"/>
+                </a:solidFill>
+                <a:latin typeface="Open Sans"/>
+                <a:ea typeface="Open Sans"/>
+                <a:cs typeface="Open Sans"/>
+                <a:sym typeface="Open Sans"/>
+              </a:rPr>
+              <a:t>.</a:t>
             </a:r>
           </a:p>
           <a:p>
@@ -9443,16 +11512,112 @@
               </a:lnSpc>
             </a:pPr>
             <a:r>
-              <a:rPr lang="en-US" sz="1416" spc="12">
-                <a:solidFill>
-                  <a:srgbClr val="000000"/>
-                </a:solidFill>
-                <a:latin typeface="Open Sans"/>
-                <a:ea typeface="Open Sans"/>
-                <a:cs typeface="Open Sans"/>
-                <a:sym typeface="Open Sans"/>
-              </a:rPr>
-              <a:t>Le design s’adapte naturellement à tous les écrans.</a:t>
+              <a:rPr lang="en-US" sz="1416" spc="12" dirty="0">
+                <a:solidFill>
+                  <a:srgbClr val="000000"/>
+                </a:solidFill>
+                <a:latin typeface="Open Sans"/>
+                <a:ea typeface="Open Sans"/>
+                <a:cs typeface="Open Sans"/>
+                <a:sym typeface="Open Sans"/>
+              </a:rPr>
+              <a:t>Le design </a:t>
+            </a:r>
+            <a:r>
+              <a:rPr lang="en-US" sz="1416" spc="12" dirty="0" err="1">
+                <a:solidFill>
+                  <a:srgbClr val="000000"/>
+                </a:solidFill>
+                <a:latin typeface="Open Sans"/>
+                <a:ea typeface="Open Sans"/>
+                <a:cs typeface="Open Sans"/>
+                <a:sym typeface="Open Sans"/>
+              </a:rPr>
+              <a:t>s’adapte</a:t>
+            </a:r>
+            <a:r>
+              <a:rPr lang="en-US" sz="1416" spc="12" dirty="0">
+                <a:solidFill>
+                  <a:srgbClr val="000000"/>
+                </a:solidFill>
+                <a:latin typeface="Open Sans"/>
+                <a:ea typeface="Open Sans"/>
+                <a:cs typeface="Open Sans"/>
+                <a:sym typeface="Open Sans"/>
+              </a:rPr>
+              <a:t> </a:t>
+            </a:r>
+            <a:r>
+              <a:rPr lang="en-US" sz="1416" spc="12" dirty="0" err="1">
+                <a:solidFill>
+                  <a:srgbClr val="000000"/>
+                </a:solidFill>
+                <a:latin typeface="Open Sans"/>
+                <a:ea typeface="Open Sans"/>
+                <a:cs typeface="Open Sans"/>
+                <a:sym typeface="Open Sans"/>
+              </a:rPr>
+              <a:t>naturellement</a:t>
+            </a:r>
+            <a:r>
+              <a:rPr lang="en-US" sz="1416" spc="12" dirty="0">
+                <a:solidFill>
+                  <a:srgbClr val="000000"/>
+                </a:solidFill>
+                <a:latin typeface="Open Sans"/>
+                <a:ea typeface="Open Sans"/>
+                <a:cs typeface="Open Sans"/>
+                <a:sym typeface="Open Sans"/>
+              </a:rPr>
+              <a:t> à </a:t>
+            </a:r>
+            <a:r>
+              <a:rPr lang="en-US" sz="1416" spc="12" dirty="0" err="1">
+                <a:solidFill>
+                  <a:srgbClr val="000000"/>
+                </a:solidFill>
+                <a:latin typeface="Open Sans"/>
+                <a:ea typeface="Open Sans"/>
+                <a:cs typeface="Open Sans"/>
+                <a:sym typeface="Open Sans"/>
+              </a:rPr>
+              <a:t>tous</a:t>
+            </a:r>
+            <a:r>
+              <a:rPr lang="en-US" sz="1416" spc="12" dirty="0">
+                <a:solidFill>
+                  <a:srgbClr val="000000"/>
+                </a:solidFill>
+                <a:latin typeface="Open Sans"/>
+                <a:ea typeface="Open Sans"/>
+                <a:cs typeface="Open Sans"/>
+                <a:sym typeface="Open Sans"/>
+              </a:rPr>
+              <a:t> les </a:t>
+            </a:r>
+            <a:r>
+              <a:rPr lang="en-US" sz="1416" spc="12" dirty="0" err="1">
+                <a:solidFill>
+                  <a:srgbClr val="000000"/>
+                </a:solidFill>
+                <a:latin typeface="Open Sans"/>
+                <a:ea typeface="Open Sans"/>
+                <a:cs typeface="Open Sans"/>
+                <a:sym typeface="Open Sans"/>
+              </a:rPr>
+              <a:t>écrans</a:t>
+            </a:r>
+            <a:r>
+              <a:rPr lang="en-US" sz="1416" spc="12" dirty="0">
+                <a:solidFill>
+                  <a:srgbClr val="000000"/>
+                </a:solidFill>
+                <a:latin typeface="Open Sans"/>
+                <a:ea typeface="Open Sans"/>
+                <a:cs typeface="Open Sans"/>
+                <a:sym typeface="Open Sans"/>
+              </a:rPr>
+              <a:t>.</a:t>
             </a:r>
           </a:p>
           <a:p>
@@ -9462,16 +11627,112 @@
               </a:lnSpc>
             </a:pPr>
             <a:r>
-              <a:rPr lang="en-US" sz="1416" spc="12">
-                <a:solidFill>
-                  <a:srgbClr val="000000"/>
-                </a:solidFill>
-                <a:latin typeface="Open Sans"/>
-                <a:ea typeface="Open Sans"/>
-                <a:cs typeface="Open Sans"/>
-                <a:sym typeface="Open Sans"/>
-              </a:rPr>
-              <a:t>Le thème peut évoluer sans réécrire du style.</a:t>
+              <a:rPr lang="en-US" sz="1416" spc="12" dirty="0">
+                <a:solidFill>
+                  <a:srgbClr val="000000"/>
+                </a:solidFill>
+                <a:latin typeface="Open Sans"/>
+                <a:ea typeface="Open Sans"/>
+                <a:cs typeface="Open Sans"/>
+                <a:sym typeface="Open Sans"/>
+              </a:rPr>
+              <a:t>Le </a:t>
+            </a:r>
+            <a:r>
+              <a:rPr lang="en-US" sz="1416" spc="12" dirty="0" err="1">
+                <a:solidFill>
+                  <a:srgbClr val="000000"/>
+                </a:solidFill>
+                <a:latin typeface="Open Sans"/>
+                <a:ea typeface="Open Sans"/>
+                <a:cs typeface="Open Sans"/>
+                <a:sym typeface="Open Sans"/>
+              </a:rPr>
+              <a:t>thème</a:t>
+            </a:r>
+            <a:r>
+              <a:rPr lang="en-US" sz="1416" spc="12" dirty="0">
+                <a:solidFill>
+                  <a:srgbClr val="000000"/>
+                </a:solidFill>
+                <a:latin typeface="Open Sans"/>
+                <a:ea typeface="Open Sans"/>
+                <a:cs typeface="Open Sans"/>
+                <a:sym typeface="Open Sans"/>
+              </a:rPr>
+              <a:t> </a:t>
+            </a:r>
+            <a:r>
+              <a:rPr lang="en-US" sz="1416" spc="12" dirty="0" err="1">
+                <a:solidFill>
+                  <a:srgbClr val="000000"/>
+                </a:solidFill>
+                <a:latin typeface="Open Sans"/>
+                <a:ea typeface="Open Sans"/>
+                <a:cs typeface="Open Sans"/>
+                <a:sym typeface="Open Sans"/>
+              </a:rPr>
+              <a:t>peut</a:t>
+            </a:r>
+            <a:r>
+              <a:rPr lang="en-US" sz="1416" spc="12" dirty="0">
+                <a:solidFill>
+                  <a:srgbClr val="000000"/>
+                </a:solidFill>
+                <a:latin typeface="Open Sans"/>
+                <a:ea typeface="Open Sans"/>
+                <a:cs typeface="Open Sans"/>
+                <a:sym typeface="Open Sans"/>
+              </a:rPr>
+              <a:t> </a:t>
+            </a:r>
+            <a:r>
+              <a:rPr lang="en-US" sz="1416" spc="12" dirty="0" err="1">
+                <a:solidFill>
+                  <a:srgbClr val="000000"/>
+                </a:solidFill>
+                <a:latin typeface="Open Sans"/>
+                <a:ea typeface="Open Sans"/>
+                <a:cs typeface="Open Sans"/>
+                <a:sym typeface="Open Sans"/>
+              </a:rPr>
+              <a:t>évoluer</a:t>
+            </a:r>
+            <a:r>
+              <a:rPr lang="en-US" sz="1416" spc="12" dirty="0">
+                <a:solidFill>
+                  <a:srgbClr val="000000"/>
+                </a:solidFill>
+                <a:latin typeface="Open Sans"/>
+                <a:ea typeface="Open Sans"/>
+                <a:cs typeface="Open Sans"/>
+                <a:sym typeface="Open Sans"/>
+              </a:rPr>
+              <a:t> sans </a:t>
+            </a:r>
+            <a:r>
+              <a:rPr lang="en-US" sz="1416" spc="12" dirty="0" err="1">
+                <a:solidFill>
+                  <a:srgbClr val="000000"/>
+                </a:solidFill>
+                <a:latin typeface="Open Sans"/>
+                <a:ea typeface="Open Sans"/>
+                <a:cs typeface="Open Sans"/>
+                <a:sym typeface="Open Sans"/>
+              </a:rPr>
+              <a:t>réécrire</a:t>
+            </a:r>
+            <a:r>
+              <a:rPr lang="en-US" sz="1416" spc="12" dirty="0">
+                <a:solidFill>
+                  <a:srgbClr val="000000"/>
+                </a:solidFill>
+                <a:latin typeface="Open Sans"/>
+                <a:ea typeface="Open Sans"/>
+                <a:cs typeface="Open Sans"/>
+                <a:sym typeface="Open Sans"/>
+              </a:rPr>
+              <a:t> du style.</a:t>
             </a:r>
           </a:p>
           <a:p>
@@ -9481,16 +11742,28 @@
               </a:lnSpc>
             </a:pPr>
             <a:r>
-              <a:rPr lang="en-US" sz="1416" spc="12">
-                <a:solidFill>
-                  <a:srgbClr val="000000"/>
-                </a:solidFill>
-                <a:latin typeface="Open Sans"/>
-                <a:ea typeface="Open Sans"/>
-                <a:cs typeface="Open Sans"/>
-                <a:sym typeface="Open Sans"/>
-              </a:rPr>
-              <a:t>Exemple :</a:t>
+              <a:rPr lang="en-US" sz="1416" spc="12" dirty="0" err="1">
+                <a:solidFill>
+                  <a:srgbClr val="000000"/>
+                </a:solidFill>
+                <a:latin typeface="Open Sans"/>
+                <a:ea typeface="Open Sans"/>
+                <a:cs typeface="Open Sans"/>
+                <a:sym typeface="Open Sans"/>
+              </a:rPr>
+              <a:t>Exemple</a:t>
+            </a:r>
+            <a:r>
+              <a:rPr lang="en-US" sz="1416" spc="12" dirty="0">
+                <a:solidFill>
+                  <a:srgbClr val="000000"/>
+                </a:solidFill>
+                <a:latin typeface="Open Sans"/>
+                <a:ea typeface="Open Sans"/>
+                <a:cs typeface="Open Sans"/>
+                <a:sym typeface="Open Sans"/>
+              </a:rPr>
+              <a:t> :</a:t>
             </a:r>
           </a:p>
           <a:p>
@@ -9500,16 +11773,184 @@
               </a:lnSpc>
             </a:pPr>
             <a:r>
-              <a:rPr lang="en-US" sz="1416" spc="13">
-                <a:solidFill>
-                  <a:srgbClr val="000000"/>
-                </a:solidFill>
-                <a:latin typeface="Open Sans"/>
-                <a:ea typeface="Open Sans"/>
-                <a:cs typeface="Open Sans"/>
-                <a:sym typeface="Open Sans"/>
-              </a:rPr>
-              <a:t>Le mode sombre fonctionne automatiquement selon le système de l’utilisateur → aucune configuration à faire.</a:t>
+              <a:rPr lang="en-US" sz="1416" spc="13" dirty="0">
+                <a:solidFill>
+                  <a:srgbClr val="000000"/>
+                </a:solidFill>
+                <a:latin typeface="Open Sans"/>
+                <a:ea typeface="Open Sans"/>
+                <a:cs typeface="Open Sans"/>
+                <a:sym typeface="Open Sans"/>
+              </a:rPr>
+              <a:t>Le mode </a:t>
+            </a:r>
+            <a:r>
+              <a:rPr lang="en-US" sz="1416" spc="13" dirty="0" err="1">
+                <a:solidFill>
+                  <a:srgbClr val="000000"/>
+                </a:solidFill>
+                <a:latin typeface="Open Sans"/>
+                <a:ea typeface="Open Sans"/>
+                <a:cs typeface="Open Sans"/>
+                <a:sym typeface="Open Sans"/>
+              </a:rPr>
+              <a:t>sombre</a:t>
+            </a:r>
+            <a:r>
+              <a:rPr lang="en-US" sz="1416" spc="13" dirty="0">
+                <a:solidFill>
+                  <a:srgbClr val="000000"/>
+                </a:solidFill>
+                <a:latin typeface="Open Sans"/>
+                <a:ea typeface="Open Sans"/>
+                <a:cs typeface="Open Sans"/>
+                <a:sym typeface="Open Sans"/>
+              </a:rPr>
+              <a:t> </a:t>
+            </a:r>
+            <a:r>
+              <a:rPr lang="en-US" sz="1416" spc="13" dirty="0" err="1">
+                <a:solidFill>
+                  <a:srgbClr val="000000"/>
+                </a:solidFill>
+                <a:latin typeface="Open Sans"/>
+                <a:ea typeface="Open Sans"/>
+                <a:cs typeface="Open Sans"/>
+                <a:sym typeface="Open Sans"/>
+              </a:rPr>
+              <a:t>fonctionne</a:t>
+            </a:r>
+            <a:r>
+              <a:rPr lang="en-US" sz="1416" spc="13" dirty="0">
+                <a:solidFill>
+                  <a:srgbClr val="000000"/>
+                </a:solidFill>
+                <a:latin typeface="Open Sans"/>
+                <a:ea typeface="Open Sans"/>
+                <a:cs typeface="Open Sans"/>
+                <a:sym typeface="Open Sans"/>
+              </a:rPr>
+              <a:t> </a:t>
+            </a:r>
+            <a:r>
+              <a:rPr lang="en-US" sz="1416" spc="13" dirty="0" err="1">
+                <a:solidFill>
+                  <a:srgbClr val="000000"/>
+                </a:solidFill>
+                <a:latin typeface="Open Sans"/>
+                <a:ea typeface="Open Sans"/>
+                <a:cs typeface="Open Sans"/>
+                <a:sym typeface="Open Sans"/>
+              </a:rPr>
+              <a:t>automatiquement</a:t>
+            </a:r>
+            <a:r>
+              <a:rPr lang="en-US" sz="1416" spc="13" dirty="0">
+                <a:solidFill>
+                  <a:srgbClr val="000000"/>
+                </a:solidFill>
+                <a:latin typeface="Open Sans"/>
+                <a:ea typeface="Open Sans"/>
+                <a:cs typeface="Open Sans"/>
+                <a:sym typeface="Open Sans"/>
+              </a:rPr>
+              <a:t> </a:t>
+            </a:r>
+            <a:r>
+              <a:rPr lang="en-US" sz="1416" spc="13" dirty="0" err="1">
+                <a:solidFill>
+                  <a:srgbClr val="000000"/>
+                </a:solidFill>
+                <a:latin typeface="Open Sans"/>
+                <a:ea typeface="Open Sans"/>
+                <a:cs typeface="Open Sans"/>
+                <a:sym typeface="Open Sans"/>
+              </a:rPr>
+              <a:t>selon</a:t>
+            </a:r>
+            <a:r>
+              <a:rPr lang="en-US" sz="1416" spc="13" dirty="0">
+                <a:solidFill>
+                  <a:srgbClr val="000000"/>
+                </a:solidFill>
+                <a:latin typeface="Open Sans"/>
+                <a:ea typeface="Open Sans"/>
+                <a:cs typeface="Open Sans"/>
+                <a:sym typeface="Open Sans"/>
+              </a:rPr>
+              <a:t> le </a:t>
+            </a:r>
+            <a:r>
+              <a:rPr lang="en-US" sz="1416" spc="13" dirty="0" err="1">
+                <a:solidFill>
+                  <a:srgbClr val="000000"/>
+                </a:solidFill>
+                <a:latin typeface="Open Sans"/>
+                <a:ea typeface="Open Sans"/>
+                <a:cs typeface="Open Sans"/>
+                <a:sym typeface="Open Sans"/>
+              </a:rPr>
+              <a:t>système</a:t>
+            </a:r>
+            <a:r>
+              <a:rPr lang="en-US" sz="1416" spc="13" dirty="0">
+                <a:solidFill>
+                  <a:srgbClr val="000000"/>
+                </a:solidFill>
+                <a:latin typeface="Open Sans"/>
+                <a:ea typeface="Open Sans"/>
+                <a:cs typeface="Open Sans"/>
+                <a:sym typeface="Open Sans"/>
+              </a:rPr>
+              <a:t> de </a:t>
+            </a:r>
+            <a:r>
+              <a:rPr lang="en-US" sz="1416" spc="13" dirty="0" err="1">
+                <a:solidFill>
+                  <a:srgbClr val="000000"/>
+                </a:solidFill>
+                <a:latin typeface="Open Sans"/>
+                <a:ea typeface="Open Sans"/>
+                <a:cs typeface="Open Sans"/>
+                <a:sym typeface="Open Sans"/>
+              </a:rPr>
+              <a:t>l’utilisateur</a:t>
+            </a:r>
+            <a:r>
+              <a:rPr lang="en-US" sz="1416" spc="13" dirty="0">
+                <a:solidFill>
+                  <a:srgbClr val="000000"/>
+                </a:solidFill>
+                <a:latin typeface="Open Sans"/>
+                <a:ea typeface="Open Sans"/>
+                <a:cs typeface="Open Sans"/>
+                <a:sym typeface="Open Sans"/>
+              </a:rPr>
+              <a:t> → </a:t>
+            </a:r>
+            <a:r>
+              <a:rPr lang="en-US" sz="1416" spc="13" dirty="0" err="1">
+                <a:solidFill>
+                  <a:srgbClr val="000000"/>
+                </a:solidFill>
+                <a:latin typeface="Open Sans"/>
+                <a:ea typeface="Open Sans"/>
+                <a:cs typeface="Open Sans"/>
+                <a:sym typeface="Open Sans"/>
+              </a:rPr>
+              <a:t>aucune</a:t>
+            </a:r>
+            <a:r>
+              <a:rPr lang="en-US" sz="1416" spc="13" dirty="0">
+                <a:solidFill>
+                  <a:srgbClr val="000000"/>
+                </a:solidFill>
+                <a:latin typeface="Open Sans"/>
+                <a:ea typeface="Open Sans"/>
+                <a:cs typeface="Open Sans"/>
+                <a:sym typeface="Open Sans"/>
+              </a:rPr>
+              <a:t> configuration à faire.</a:t>
             </a:r>
           </a:p>
         </p:txBody>
@@ -9565,7 +12006,7 @@
               </a:lnSpc>
             </a:pPr>
             <a:r>
-              <a:rPr lang="en-US" sz="1952" b="1" spc="-39">
+              <a:rPr lang="en-US" sz="1952" b="1" spc="-39" dirty="0">
                 <a:solidFill>
                   <a:srgbClr val="010101"/>
                 </a:solidFill>
@@ -9584,6 +12025,1497 @@
   <p:clrMapOvr>
     <a:masterClrMapping/>
   </p:clrMapOvr>
+  <mc:AlternateContent xmlns:mc="http://schemas.openxmlformats.org/markup-compatibility/2006">
+    <mc:Choice xmlns:p15="http://schemas.microsoft.com/office/powerpoint/2012/main" Requires="p15">
+      <p:transition xmlns:p14="http://schemas.microsoft.com/office/powerpoint/2010/main" spd="slow" p14:dur="2000">
+        <p15:prstTrans prst="fallOver"/>
+      </p:transition>
+    </mc:Choice>
+    <mc:Fallback>
+      <p:transition spd="slow">
+        <p:fade/>
+      </p:transition>
+    </mc:Fallback>
+  </mc:AlternateContent>
+  <p:timing>
+    <p:tnLst>
+      <p:par>
+        <p:cTn id="1" dur="indefinite" restart="never" nodeType="tmRoot">
+          <p:childTnLst>
+            <p:seq concurrent="1" nextAc="seek">
+              <p:cTn id="2" dur="indefinite" nodeType="mainSeq">
+                <p:childTnLst>
+                  <p:par>
+                    <p:cTn id="3" fill="hold">
+                      <p:stCondLst>
+                        <p:cond delay="indefinite"/>
+                      </p:stCondLst>
+                      <p:childTnLst>
+                        <p:par>
+                          <p:cTn id="4" fill="hold">
+                            <p:stCondLst>
+                              <p:cond delay="0"/>
+                            </p:stCondLst>
+                            <p:childTnLst>
+                              <p:par>
+                                <p:cTn id="5" presetID="42" presetClass="entr" presetSubtype="0" fill="hold" grpId="0" nodeType="clickEffect">
+                                  <p:stCondLst>
+                                    <p:cond delay="0"/>
+                                  </p:stCondLst>
+                                  <p:childTnLst>
+                                    <p:set>
+                                      <p:cBhvr>
+                                        <p:cTn id="6" dur="1" fill="hold">
+                                          <p:stCondLst>
+                                            <p:cond delay="0"/>
+                                          </p:stCondLst>
+                                        </p:cTn>
+                                        <p:tgtEl>
+                                          <p:spTgt spid="7"/>
+                                        </p:tgtEl>
+                                        <p:attrNameLst>
+                                          <p:attrName>style.visibility</p:attrName>
+                                        </p:attrNameLst>
+                                      </p:cBhvr>
+                                      <p:to>
+                                        <p:strVal val="visible"/>
+                                      </p:to>
+                                    </p:set>
+                                    <p:animEffect transition="in" filter="fade">
+                                      <p:cBhvr>
+                                        <p:cTn id="7" dur="1000"/>
+                                        <p:tgtEl>
+                                          <p:spTgt spid="7"/>
+                                        </p:tgtEl>
+                                      </p:cBhvr>
+                                    </p:animEffect>
+                                    <p:anim calcmode="lin" valueType="num">
+                                      <p:cBhvr>
+                                        <p:cTn id="8" dur="1000" fill="hold"/>
+                                        <p:tgtEl>
+                                          <p:spTgt spid="7"/>
+                                        </p:tgtEl>
+                                        <p:attrNameLst>
+                                          <p:attrName>ppt_x</p:attrName>
+                                        </p:attrNameLst>
+                                      </p:cBhvr>
+                                      <p:tavLst>
+                                        <p:tav tm="0">
+                                          <p:val>
+                                            <p:strVal val="#ppt_x"/>
+                                          </p:val>
+                                        </p:tav>
+                                        <p:tav tm="100000">
+                                          <p:val>
+                                            <p:strVal val="#ppt_x"/>
+                                          </p:val>
+                                        </p:tav>
+                                      </p:tavLst>
+                                    </p:anim>
+                                    <p:anim calcmode="lin" valueType="num">
+                                      <p:cBhvr>
+                                        <p:cTn id="9" dur="1000" fill="hold"/>
+                                        <p:tgtEl>
+                                          <p:spTgt spid="7"/>
+                                        </p:tgtEl>
+                                        <p:attrNameLst>
+                                          <p:attrName>ppt_y</p:attrName>
+                                        </p:attrNameLst>
+                                      </p:cBhvr>
+                                      <p:tavLst>
+                                        <p:tav tm="0">
+                                          <p:val>
+                                            <p:strVal val="#ppt_y+.1"/>
+                                          </p:val>
+                                        </p:tav>
+                                        <p:tav tm="100000">
+                                          <p:val>
+                                            <p:strVal val="#ppt_y"/>
+                                          </p:val>
+                                        </p:tav>
+                                      </p:tavLst>
+                                    </p:anim>
+                                  </p:childTnLst>
+                                </p:cTn>
+                              </p:par>
+                            </p:childTnLst>
+                          </p:cTn>
+                        </p:par>
+                      </p:childTnLst>
+                    </p:cTn>
+                  </p:par>
+                  <p:par>
+                    <p:cTn id="10" fill="hold">
+                      <p:stCondLst>
+                        <p:cond delay="indefinite"/>
+                      </p:stCondLst>
+                      <p:childTnLst>
+                        <p:par>
+                          <p:cTn id="11" fill="hold">
+                            <p:stCondLst>
+                              <p:cond delay="0"/>
+                            </p:stCondLst>
+                            <p:childTnLst>
+                              <p:par>
+                                <p:cTn id="12" presetID="42" presetClass="entr" presetSubtype="0" fill="hold" grpId="0" nodeType="clickEffect">
+                                  <p:stCondLst>
+                                    <p:cond delay="0"/>
+                                  </p:stCondLst>
+                                  <p:childTnLst>
+                                    <p:set>
+                                      <p:cBhvr>
+                                        <p:cTn id="13" dur="1" fill="hold">
+                                          <p:stCondLst>
+                                            <p:cond delay="0"/>
+                                          </p:stCondLst>
+                                        </p:cTn>
+                                        <p:tgtEl>
+                                          <p:spTgt spid="8"/>
+                                        </p:tgtEl>
+                                        <p:attrNameLst>
+                                          <p:attrName>style.visibility</p:attrName>
+                                        </p:attrNameLst>
+                                      </p:cBhvr>
+                                      <p:to>
+                                        <p:strVal val="visible"/>
+                                      </p:to>
+                                    </p:set>
+                                    <p:animEffect transition="in" filter="fade">
+                                      <p:cBhvr>
+                                        <p:cTn id="14" dur="1000"/>
+                                        <p:tgtEl>
+                                          <p:spTgt spid="8"/>
+                                        </p:tgtEl>
+                                      </p:cBhvr>
+                                    </p:animEffect>
+                                    <p:anim calcmode="lin" valueType="num">
+                                      <p:cBhvr>
+                                        <p:cTn id="15" dur="1000" fill="hold"/>
+                                        <p:tgtEl>
+                                          <p:spTgt spid="8"/>
+                                        </p:tgtEl>
+                                        <p:attrNameLst>
+                                          <p:attrName>ppt_x</p:attrName>
+                                        </p:attrNameLst>
+                                      </p:cBhvr>
+                                      <p:tavLst>
+                                        <p:tav tm="0">
+                                          <p:val>
+                                            <p:strVal val="#ppt_x"/>
+                                          </p:val>
+                                        </p:tav>
+                                        <p:tav tm="100000">
+                                          <p:val>
+                                            <p:strVal val="#ppt_x"/>
+                                          </p:val>
+                                        </p:tav>
+                                      </p:tavLst>
+                                    </p:anim>
+                                    <p:anim calcmode="lin" valueType="num">
+                                      <p:cBhvr>
+                                        <p:cTn id="16" dur="1000" fill="hold"/>
+                                        <p:tgtEl>
+                                          <p:spTgt spid="8"/>
+                                        </p:tgtEl>
+                                        <p:attrNameLst>
+                                          <p:attrName>ppt_y</p:attrName>
+                                        </p:attrNameLst>
+                                      </p:cBhvr>
+                                      <p:tavLst>
+                                        <p:tav tm="0">
+                                          <p:val>
+                                            <p:strVal val="#ppt_y+.1"/>
+                                          </p:val>
+                                        </p:tav>
+                                        <p:tav tm="100000">
+                                          <p:val>
+                                            <p:strVal val="#ppt_y"/>
+                                          </p:val>
+                                        </p:tav>
+                                      </p:tavLst>
+                                    </p:anim>
+                                  </p:childTnLst>
+                                </p:cTn>
+                              </p:par>
+                            </p:childTnLst>
+                          </p:cTn>
+                        </p:par>
+                      </p:childTnLst>
+                    </p:cTn>
+                  </p:par>
+                  <p:par>
+                    <p:cTn id="17" fill="hold">
+                      <p:stCondLst>
+                        <p:cond delay="indefinite"/>
+                      </p:stCondLst>
+                      <p:childTnLst>
+                        <p:par>
+                          <p:cTn id="18" fill="hold">
+                            <p:stCondLst>
+                              <p:cond delay="0"/>
+                            </p:stCondLst>
+                            <p:childTnLst>
+                              <p:par>
+                                <p:cTn id="19" presetID="42" presetClass="entr" presetSubtype="0" fill="hold" nodeType="clickEffect">
+                                  <p:stCondLst>
+                                    <p:cond delay="0"/>
+                                  </p:stCondLst>
+                                  <p:childTnLst>
+                                    <p:set>
+                                      <p:cBhvr>
+                                        <p:cTn id="20" dur="1" fill="hold">
+                                          <p:stCondLst>
+                                            <p:cond delay="0"/>
+                                          </p:stCondLst>
+                                        </p:cTn>
+                                        <p:tgtEl>
+                                          <p:spTgt spid="2"/>
+                                        </p:tgtEl>
+                                        <p:attrNameLst>
+                                          <p:attrName>style.visibility</p:attrName>
+                                        </p:attrNameLst>
+                                      </p:cBhvr>
+                                      <p:to>
+                                        <p:strVal val="visible"/>
+                                      </p:to>
+                                    </p:set>
+                                    <p:animEffect transition="in" filter="fade">
+                                      <p:cBhvr>
+                                        <p:cTn id="21" dur="1000"/>
+                                        <p:tgtEl>
+                                          <p:spTgt spid="2"/>
+                                        </p:tgtEl>
+                                      </p:cBhvr>
+                                    </p:animEffect>
+                                    <p:anim calcmode="lin" valueType="num">
+                                      <p:cBhvr>
+                                        <p:cTn id="22" dur="1000" fill="hold"/>
+                                        <p:tgtEl>
+                                          <p:spTgt spid="2"/>
+                                        </p:tgtEl>
+                                        <p:attrNameLst>
+                                          <p:attrName>ppt_x</p:attrName>
+                                        </p:attrNameLst>
+                                      </p:cBhvr>
+                                      <p:tavLst>
+                                        <p:tav tm="0">
+                                          <p:val>
+                                            <p:strVal val="#ppt_x"/>
+                                          </p:val>
+                                        </p:tav>
+                                        <p:tav tm="100000">
+                                          <p:val>
+                                            <p:strVal val="#ppt_x"/>
+                                          </p:val>
+                                        </p:tav>
+                                      </p:tavLst>
+                                    </p:anim>
+                                    <p:anim calcmode="lin" valueType="num">
+                                      <p:cBhvr>
+                                        <p:cTn id="23" dur="1000" fill="hold"/>
+                                        <p:tgtEl>
+                                          <p:spTgt spid="2"/>
+                                        </p:tgtEl>
+                                        <p:attrNameLst>
+                                          <p:attrName>ppt_y</p:attrName>
+                                        </p:attrNameLst>
+                                      </p:cBhvr>
+                                      <p:tavLst>
+                                        <p:tav tm="0">
+                                          <p:val>
+                                            <p:strVal val="#ppt_y+.1"/>
+                                          </p:val>
+                                        </p:tav>
+                                        <p:tav tm="100000">
+                                          <p:val>
+                                            <p:strVal val="#ppt_y"/>
+                                          </p:val>
+                                        </p:tav>
+                                      </p:tavLst>
+                                    </p:anim>
+                                  </p:childTnLst>
+                                </p:cTn>
+                              </p:par>
+                            </p:childTnLst>
+                          </p:cTn>
+                        </p:par>
+                      </p:childTnLst>
+                    </p:cTn>
+                  </p:par>
+                  <p:par>
+                    <p:cTn id="24" fill="hold">
+                      <p:stCondLst>
+                        <p:cond delay="indefinite"/>
+                      </p:stCondLst>
+                      <p:childTnLst>
+                        <p:par>
+                          <p:cTn id="25" fill="hold">
+                            <p:stCondLst>
+                              <p:cond delay="0"/>
+                            </p:stCondLst>
+                            <p:childTnLst>
+                              <p:par>
+                                <p:cTn id="26" presetID="2" presetClass="entr" presetSubtype="8" fill="hold" grpId="0" nodeType="clickEffect">
+                                  <p:stCondLst>
+                                    <p:cond delay="0"/>
+                                  </p:stCondLst>
+                                  <p:childTnLst>
+                                    <p:set>
+                                      <p:cBhvr>
+                                        <p:cTn id="27" dur="1" fill="hold">
+                                          <p:stCondLst>
+                                            <p:cond delay="0"/>
+                                          </p:stCondLst>
+                                        </p:cTn>
+                                        <p:tgtEl>
+                                          <p:spTgt spid="11"/>
+                                        </p:tgtEl>
+                                        <p:attrNameLst>
+                                          <p:attrName>style.visibility</p:attrName>
+                                        </p:attrNameLst>
+                                      </p:cBhvr>
+                                      <p:to>
+                                        <p:strVal val="visible"/>
+                                      </p:to>
+                                    </p:set>
+                                    <p:anim calcmode="lin" valueType="num">
+                                      <p:cBhvr additive="base">
+                                        <p:cTn id="28" dur="500" fill="hold"/>
+                                        <p:tgtEl>
+                                          <p:spTgt spid="11"/>
+                                        </p:tgtEl>
+                                        <p:attrNameLst>
+                                          <p:attrName>ppt_x</p:attrName>
+                                        </p:attrNameLst>
+                                      </p:cBhvr>
+                                      <p:tavLst>
+                                        <p:tav tm="0">
+                                          <p:val>
+                                            <p:strVal val="0-#ppt_w/2"/>
+                                          </p:val>
+                                        </p:tav>
+                                        <p:tav tm="100000">
+                                          <p:val>
+                                            <p:strVal val="#ppt_x"/>
+                                          </p:val>
+                                        </p:tav>
+                                      </p:tavLst>
+                                    </p:anim>
+                                    <p:anim calcmode="lin" valueType="num">
+                                      <p:cBhvr additive="base">
+                                        <p:cTn id="29" dur="500" fill="hold"/>
+                                        <p:tgtEl>
+                                          <p:spTgt spid="11"/>
+                                        </p:tgtEl>
+                                        <p:attrNameLst>
+                                          <p:attrName>ppt_y</p:attrName>
+                                        </p:attrNameLst>
+                                      </p:cBhvr>
+                                      <p:tavLst>
+                                        <p:tav tm="0">
+                                          <p:val>
+                                            <p:strVal val="#ppt_y"/>
+                                          </p:val>
+                                        </p:tav>
+                                        <p:tav tm="100000">
+                                          <p:val>
+                                            <p:strVal val="#ppt_y"/>
+                                          </p:val>
+                                        </p:tav>
+                                      </p:tavLst>
+                                    </p:anim>
+                                  </p:childTnLst>
+                                </p:cTn>
+                              </p:par>
+                            </p:childTnLst>
+                          </p:cTn>
+                        </p:par>
+                      </p:childTnLst>
+                    </p:cTn>
+                  </p:par>
+                  <p:par>
+                    <p:cTn id="30" fill="hold">
+                      <p:stCondLst>
+                        <p:cond delay="indefinite"/>
+                      </p:stCondLst>
+                      <p:childTnLst>
+                        <p:par>
+                          <p:cTn id="31" fill="hold">
+                            <p:stCondLst>
+                              <p:cond delay="0"/>
+                            </p:stCondLst>
+                            <p:childTnLst>
+                              <p:par>
+                                <p:cTn id="32" presetID="2" presetClass="entr" presetSubtype="8" fill="hold" grpId="0" nodeType="clickEffect">
+                                  <p:stCondLst>
+                                    <p:cond delay="0"/>
+                                  </p:stCondLst>
+                                  <p:childTnLst>
+                                    <p:set>
+                                      <p:cBhvr>
+                                        <p:cTn id="33" dur="1" fill="hold">
+                                          <p:stCondLst>
+                                            <p:cond delay="0"/>
+                                          </p:stCondLst>
+                                        </p:cTn>
+                                        <p:tgtEl>
+                                          <p:spTgt spid="13"/>
+                                        </p:tgtEl>
+                                        <p:attrNameLst>
+                                          <p:attrName>style.visibility</p:attrName>
+                                        </p:attrNameLst>
+                                      </p:cBhvr>
+                                      <p:to>
+                                        <p:strVal val="visible"/>
+                                      </p:to>
+                                    </p:set>
+                                    <p:anim calcmode="lin" valueType="num">
+                                      <p:cBhvr additive="base">
+                                        <p:cTn id="34" dur="500" fill="hold"/>
+                                        <p:tgtEl>
+                                          <p:spTgt spid="13"/>
+                                        </p:tgtEl>
+                                        <p:attrNameLst>
+                                          <p:attrName>ppt_x</p:attrName>
+                                        </p:attrNameLst>
+                                      </p:cBhvr>
+                                      <p:tavLst>
+                                        <p:tav tm="0">
+                                          <p:val>
+                                            <p:strVal val="0-#ppt_w/2"/>
+                                          </p:val>
+                                        </p:tav>
+                                        <p:tav tm="100000">
+                                          <p:val>
+                                            <p:strVal val="#ppt_x"/>
+                                          </p:val>
+                                        </p:tav>
+                                      </p:tavLst>
+                                    </p:anim>
+                                    <p:anim calcmode="lin" valueType="num">
+                                      <p:cBhvr additive="base">
+                                        <p:cTn id="35" dur="500" fill="hold"/>
+                                        <p:tgtEl>
+                                          <p:spTgt spid="13"/>
+                                        </p:tgtEl>
+                                        <p:attrNameLst>
+                                          <p:attrName>ppt_y</p:attrName>
+                                        </p:attrNameLst>
+                                      </p:cBhvr>
+                                      <p:tavLst>
+                                        <p:tav tm="0">
+                                          <p:val>
+                                            <p:strVal val="#ppt_y"/>
+                                          </p:val>
+                                        </p:tav>
+                                        <p:tav tm="100000">
+                                          <p:val>
+                                            <p:strVal val="#ppt_y"/>
+                                          </p:val>
+                                        </p:tav>
+                                      </p:tavLst>
+                                    </p:anim>
+                                  </p:childTnLst>
+                                </p:cTn>
+                              </p:par>
+                            </p:childTnLst>
+                          </p:cTn>
+                        </p:par>
+                      </p:childTnLst>
+                    </p:cTn>
+                  </p:par>
+                  <p:par>
+                    <p:cTn id="36" fill="hold">
+                      <p:stCondLst>
+                        <p:cond delay="indefinite"/>
+                      </p:stCondLst>
+                      <p:childTnLst>
+                        <p:par>
+                          <p:cTn id="37" fill="hold">
+                            <p:stCondLst>
+                              <p:cond delay="0"/>
+                            </p:stCondLst>
+                            <p:childTnLst>
+                              <p:par>
+                                <p:cTn id="38" presetID="16" presetClass="entr" presetSubtype="21" fill="hold" nodeType="clickEffect">
+                                  <p:stCondLst>
+                                    <p:cond delay="0"/>
+                                  </p:stCondLst>
+                                  <p:childTnLst>
+                                    <p:set>
+                                      <p:cBhvr>
+                                        <p:cTn id="39" dur="1" fill="hold">
+                                          <p:stCondLst>
+                                            <p:cond delay="0"/>
+                                          </p:stCondLst>
+                                        </p:cTn>
+                                        <p:tgtEl>
+                                          <p:spTgt spid="3"/>
+                                        </p:tgtEl>
+                                        <p:attrNameLst>
+                                          <p:attrName>style.visibility</p:attrName>
+                                        </p:attrNameLst>
+                                      </p:cBhvr>
+                                      <p:to>
+                                        <p:strVal val="visible"/>
+                                      </p:to>
+                                    </p:set>
+                                    <p:animEffect transition="in" filter="barn(inVertical)">
+                                      <p:cBhvr>
+                                        <p:cTn id="40" dur="500"/>
+                                        <p:tgtEl>
+                                          <p:spTgt spid="3"/>
+                                        </p:tgtEl>
+                                      </p:cBhvr>
+                                    </p:animEffect>
+                                  </p:childTnLst>
+                                </p:cTn>
+                              </p:par>
+                            </p:childTnLst>
+                          </p:cTn>
+                        </p:par>
+                      </p:childTnLst>
+                    </p:cTn>
+                  </p:par>
+                  <p:par>
+                    <p:cTn id="41" fill="hold">
+                      <p:stCondLst>
+                        <p:cond delay="indefinite"/>
+                      </p:stCondLst>
+                      <p:childTnLst>
+                        <p:par>
+                          <p:cTn id="42" fill="hold">
+                            <p:stCondLst>
+                              <p:cond delay="0"/>
+                            </p:stCondLst>
+                            <p:childTnLst>
+                              <p:par>
+                                <p:cTn id="43" presetID="42" presetClass="entr" presetSubtype="0" fill="hold" grpId="0" nodeType="clickEffect">
+                                  <p:stCondLst>
+                                    <p:cond delay="0"/>
+                                  </p:stCondLst>
+                                  <p:childTnLst>
+                                    <p:set>
+                                      <p:cBhvr>
+                                        <p:cTn id="44" dur="1" fill="hold">
+                                          <p:stCondLst>
+                                            <p:cond delay="0"/>
+                                          </p:stCondLst>
+                                        </p:cTn>
+                                        <p:tgtEl>
+                                          <p:spTgt spid="12"/>
+                                        </p:tgtEl>
+                                        <p:attrNameLst>
+                                          <p:attrName>style.visibility</p:attrName>
+                                        </p:attrNameLst>
+                                      </p:cBhvr>
+                                      <p:to>
+                                        <p:strVal val="visible"/>
+                                      </p:to>
+                                    </p:set>
+                                    <p:animEffect transition="in" filter="fade">
+                                      <p:cBhvr>
+                                        <p:cTn id="45" dur="1000"/>
+                                        <p:tgtEl>
+                                          <p:spTgt spid="12"/>
+                                        </p:tgtEl>
+                                      </p:cBhvr>
+                                    </p:animEffect>
+                                    <p:anim calcmode="lin" valueType="num">
+                                      <p:cBhvr>
+                                        <p:cTn id="46" dur="1000" fill="hold"/>
+                                        <p:tgtEl>
+                                          <p:spTgt spid="12"/>
+                                        </p:tgtEl>
+                                        <p:attrNameLst>
+                                          <p:attrName>ppt_x</p:attrName>
+                                        </p:attrNameLst>
+                                      </p:cBhvr>
+                                      <p:tavLst>
+                                        <p:tav tm="0">
+                                          <p:val>
+                                            <p:strVal val="#ppt_x"/>
+                                          </p:val>
+                                        </p:tav>
+                                        <p:tav tm="100000">
+                                          <p:val>
+                                            <p:strVal val="#ppt_x"/>
+                                          </p:val>
+                                        </p:tav>
+                                      </p:tavLst>
+                                    </p:anim>
+                                    <p:anim calcmode="lin" valueType="num">
+                                      <p:cBhvr>
+                                        <p:cTn id="47" dur="1000" fill="hold"/>
+                                        <p:tgtEl>
+                                          <p:spTgt spid="12"/>
+                                        </p:tgtEl>
+                                        <p:attrNameLst>
+                                          <p:attrName>ppt_y</p:attrName>
+                                        </p:attrNameLst>
+                                      </p:cBhvr>
+                                      <p:tavLst>
+                                        <p:tav tm="0">
+                                          <p:val>
+                                            <p:strVal val="#ppt_y+.1"/>
+                                          </p:val>
+                                        </p:tav>
+                                        <p:tav tm="100000">
+                                          <p:val>
+                                            <p:strVal val="#ppt_y"/>
+                                          </p:val>
+                                        </p:tav>
+                                      </p:tavLst>
+                                    </p:anim>
+                                  </p:childTnLst>
+                                </p:cTn>
+                              </p:par>
+                            </p:childTnLst>
+                          </p:cTn>
+                        </p:par>
+                      </p:childTnLst>
+                    </p:cTn>
+                  </p:par>
+                  <p:par>
+                    <p:cTn id="48" fill="hold">
+                      <p:stCondLst>
+                        <p:cond delay="indefinite"/>
+                      </p:stCondLst>
+                      <p:childTnLst>
+                        <p:par>
+                          <p:cTn id="49" fill="hold">
+                            <p:stCondLst>
+                              <p:cond delay="0"/>
+                            </p:stCondLst>
+                            <p:childTnLst>
+                              <p:par>
+                                <p:cTn id="50" presetID="2" presetClass="entr" presetSubtype="1" fill="hold" grpId="0" nodeType="clickEffect">
+                                  <p:stCondLst>
+                                    <p:cond delay="0"/>
+                                  </p:stCondLst>
+                                  <p:childTnLst>
+                                    <p:set>
+                                      <p:cBhvr>
+                                        <p:cTn id="51" dur="1" fill="hold">
+                                          <p:stCondLst>
+                                            <p:cond delay="0"/>
+                                          </p:stCondLst>
+                                        </p:cTn>
+                                        <p:tgtEl>
+                                          <p:spTgt spid="15"/>
+                                        </p:tgtEl>
+                                        <p:attrNameLst>
+                                          <p:attrName>style.visibility</p:attrName>
+                                        </p:attrNameLst>
+                                      </p:cBhvr>
+                                      <p:to>
+                                        <p:strVal val="visible"/>
+                                      </p:to>
+                                    </p:set>
+                                    <p:anim calcmode="lin" valueType="num">
+                                      <p:cBhvr additive="base">
+                                        <p:cTn id="52" dur="500" fill="hold"/>
+                                        <p:tgtEl>
+                                          <p:spTgt spid="15"/>
+                                        </p:tgtEl>
+                                        <p:attrNameLst>
+                                          <p:attrName>ppt_x</p:attrName>
+                                        </p:attrNameLst>
+                                      </p:cBhvr>
+                                      <p:tavLst>
+                                        <p:tav tm="0">
+                                          <p:val>
+                                            <p:strVal val="#ppt_x"/>
+                                          </p:val>
+                                        </p:tav>
+                                        <p:tav tm="100000">
+                                          <p:val>
+                                            <p:strVal val="#ppt_x"/>
+                                          </p:val>
+                                        </p:tav>
+                                      </p:tavLst>
+                                    </p:anim>
+                                    <p:anim calcmode="lin" valueType="num">
+                                      <p:cBhvr additive="base">
+                                        <p:cTn id="53" dur="500" fill="hold"/>
+                                        <p:tgtEl>
+                                          <p:spTgt spid="15"/>
+                                        </p:tgtEl>
+                                        <p:attrNameLst>
+                                          <p:attrName>ppt_y</p:attrName>
+                                        </p:attrNameLst>
+                                      </p:cBhvr>
+                                      <p:tavLst>
+                                        <p:tav tm="0">
+                                          <p:val>
+                                            <p:strVal val="0-#ppt_h/2"/>
+                                          </p:val>
+                                        </p:tav>
+                                        <p:tav tm="100000">
+                                          <p:val>
+                                            <p:strVal val="#ppt_y"/>
+                                          </p:val>
+                                        </p:tav>
+                                      </p:tavLst>
+                                    </p:anim>
+                                  </p:childTnLst>
+                                </p:cTn>
+                              </p:par>
+                            </p:childTnLst>
+                          </p:cTn>
+                        </p:par>
+                      </p:childTnLst>
+                    </p:cTn>
+                  </p:par>
+                  <p:par>
+                    <p:cTn id="54" fill="hold">
+                      <p:stCondLst>
+                        <p:cond delay="indefinite"/>
+                      </p:stCondLst>
+                      <p:childTnLst>
+                        <p:par>
+                          <p:cTn id="55" fill="hold">
+                            <p:stCondLst>
+                              <p:cond delay="0"/>
+                            </p:stCondLst>
+                            <p:childTnLst>
+                              <p:par>
+                                <p:cTn id="56" presetID="16" presetClass="entr" presetSubtype="21" fill="hold" nodeType="clickEffect">
+                                  <p:stCondLst>
+                                    <p:cond delay="0"/>
+                                  </p:stCondLst>
+                                  <p:childTnLst>
+                                    <p:set>
+                                      <p:cBhvr>
+                                        <p:cTn id="57" dur="1" fill="hold">
+                                          <p:stCondLst>
+                                            <p:cond delay="0"/>
+                                          </p:stCondLst>
+                                        </p:cTn>
+                                        <p:tgtEl>
+                                          <p:spTgt spid="17"/>
+                                        </p:tgtEl>
+                                        <p:attrNameLst>
+                                          <p:attrName>style.visibility</p:attrName>
+                                        </p:attrNameLst>
+                                      </p:cBhvr>
+                                      <p:to>
+                                        <p:strVal val="visible"/>
+                                      </p:to>
+                                    </p:set>
+                                    <p:animEffect transition="in" filter="barn(inVertical)">
+                                      <p:cBhvr>
+                                        <p:cTn id="58" dur="500"/>
+                                        <p:tgtEl>
+                                          <p:spTgt spid="17"/>
+                                        </p:tgtEl>
+                                      </p:cBhvr>
+                                    </p:animEffect>
+                                  </p:childTnLst>
+                                </p:cTn>
+                              </p:par>
+                            </p:childTnLst>
+                          </p:cTn>
+                        </p:par>
+                      </p:childTnLst>
+                    </p:cTn>
+                  </p:par>
+                  <p:par>
+                    <p:cTn id="59" fill="hold">
+                      <p:stCondLst>
+                        <p:cond delay="indefinite"/>
+                      </p:stCondLst>
+                      <p:childTnLst>
+                        <p:par>
+                          <p:cTn id="60" fill="hold">
+                            <p:stCondLst>
+                              <p:cond delay="0"/>
+                            </p:stCondLst>
+                            <p:childTnLst>
+                              <p:par>
+                                <p:cTn id="61" presetID="42" presetClass="entr" presetSubtype="0" fill="hold" grpId="0" nodeType="clickEffect">
+                                  <p:stCondLst>
+                                    <p:cond delay="0"/>
+                                  </p:stCondLst>
+                                  <p:childTnLst>
+                                    <p:set>
+                                      <p:cBhvr>
+                                        <p:cTn id="62" dur="1" fill="hold">
+                                          <p:stCondLst>
+                                            <p:cond delay="0"/>
+                                          </p:stCondLst>
+                                        </p:cTn>
+                                        <p:tgtEl>
+                                          <p:spTgt spid="9"/>
+                                        </p:tgtEl>
+                                        <p:attrNameLst>
+                                          <p:attrName>style.visibility</p:attrName>
+                                        </p:attrNameLst>
+                                      </p:cBhvr>
+                                      <p:to>
+                                        <p:strVal val="visible"/>
+                                      </p:to>
+                                    </p:set>
+                                    <p:animEffect transition="in" filter="fade">
+                                      <p:cBhvr>
+                                        <p:cTn id="63" dur="1000"/>
+                                        <p:tgtEl>
+                                          <p:spTgt spid="9"/>
+                                        </p:tgtEl>
+                                      </p:cBhvr>
+                                    </p:animEffect>
+                                    <p:anim calcmode="lin" valueType="num">
+                                      <p:cBhvr>
+                                        <p:cTn id="64" dur="1000" fill="hold"/>
+                                        <p:tgtEl>
+                                          <p:spTgt spid="9"/>
+                                        </p:tgtEl>
+                                        <p:attrNameLst>
+                                          <p:attrName>ppt_x</p:attrName>
+                                        </p:attrNameLst>
+                                      </p:cBhvr>
+                                      <p:tavLst>
+                                        <p:tav tm="0">
+                                          <p:val>
+                                            <p:strVal val="#ppt_x"/>
+                                          </p:val>
+                                        </p:tav>
+                                        <p:tav tm="100000">
+                                          <p:val>
+                                            <p:strVal val="#ppt_x"/>
+                                          </p:val>
+                                        </p:tav>
+                                      </p:tavLst>
+                                    </p:anim>
+                                    <p:anim calcmode="lin" valueType="num">
+                                      <p:cBhvr>
+                                        <p:cTn id="65" dur="1000" fill="hold"/>
+                                        <p:tgtEl>
+                                          <p:spTgt spid="9"/>
+                                        </p:tgtEl>
+                                        <p:attrNameLst>
+                                          <p:attrName>ppt_y</p:attrName>
+                                        </p:attrNameLst>
+                                      </p:cBhvr>
+                                      <p:tavLst>
+                                        <p:tav tm="0">
+                                          <p:val>
+                                            <p:strVal val="#ppt_y+.1"/>
+                                          </p:val>
+                                        </p:tav>
+                                        <p:tav tm="100000">
+                                          <p:val>
+                                            <p:strVal val="#ppt_y"/>
+                                          </p:val>
+                                        </p:tav>
+                                      </p:tavLst>
+                                    </p:anim>
+                                  </p:childTnLst>
+                                </p:cTn>
+                              </p:par>
+                            </p:childTnLst>
+                          </p:cTn>
+                        </p:par>
+                      </p:childTnLst>
+                    </p:cTn>
+                  </p:par>
+                  <p:par>
+                    <p:cTn id="66" fill="hold">
+                      <p:stCondLst>
+                        <p:cond delay="indefinite"/>
+                      </p:stCondLst>
+                      <p:childTnLst>
+                        <p:par>
+                          <p:cTn id="67" fill="hold">
+                            <p:stCondLst>
+                              <p:cond delay="0"/>
+                            </p:stCondLst>
+                            <p:childTnLst>
+                              <p:par>
+                                <p:cTn id="68" presetID="2" presetClass="entr" presetSubtype="2" fill="hold" grpId="0" nodeType="clickEffect">
+                                  <p:stCondLst>
+                                    <p:cond delay="0"/>
+                                  </p:stCondLst>
+                                  <p:childTnLst>
+                                    <p:set>
+                                      <p:cBhvr>
+                                        <p:cTn id="69" dur="1" fill="hold">
+                                          <p:stCondLst>
+                                            <p:cond delay="0"/>
+                                          </p:stCondLst>
+                                        </p:cTn>
+                                        <p:tgtEl>
+                                          <p:spTgt spid="16"/>
+                                        </p:tgtEl>
+                                        <p:attrNameLst>
+                                          <p:attrName>style.visibility</p:attrName>
+                                        </p:attrNameLst>
+                                      </p:cBhvr>
+                                      <p:to>
+                                        <p:strVal val="visible"/>
+                                      </p:to>
+                                    </p:set>
+                                    <p:anim calcmode="lin" valueType="num">
+                                      <p:cBhvr additive="base">
+                                        <p:cTn id="70" dur="500" fill="hold"/>
+                                        <p:tgtEl>
+                                          <p:spTgt spid="16"/>
+                                        </p:tgtEl>
+                                        <p:attrNameLst>
+                                          <p:attrName>ppt_x</p:attrName>
+                                        </p:attrNameLst>
+                                      </p:cBhvr>
+                                      <p:tavLst>
+                                        <p:tav tm="0">
+                                          <p:val>
+                                            <p:strVal val="1+#ppt_w/2"/>
+                                          </p:val>
+                                        </p:tav>
+                                        <p:tav tm="100000">
+                                          <p:val>
+                                            <p:strVal val="#ppt_x"/>
+                                          </p:val>
+                                        </p:tav>
+                                      </p:tavLst>
+                                    </p:anim>
+                                    <p:anim calcmode="lin" valueType="num">
+                                      <p:cBhvr additive="base">
+                                        <p:cTn id="71" dur="500" fill="hold"/>
+                                        <p:tgtEl>
+                                          <p:spTgt spid="16"/>
+                                        </p:tgtEl>
+                                        <p:attrNameLst>
+                                          <p:attrName>ppt_y</p:attrName>
+                                        </p:attrNameLst>
+                                      </p:cBhvr>
+                                      <p:tavLst>
+                                        <p:tav tm="0">
+                                          <p:val>
+                                            <p:strVal val="#ppt_y"/>
+                                          </p:val>
+                                        </p:tav>
+                                        <p:tav tm="100000">
+                                          <p:val>
+                                            <p:strVal val="#ppt_y"/>
+                                          </p:val>
+                                        </p:tav>
+                                      </p:tavLst>
+                                    </p:anim>
+                                  </p:childTnLst>
+                                </p:cTn>
+                              </p:par>
+                            </p:childTnLst>
+                          </p:cTn>
+                        </p:par>
+                      </p:childTnLst>
+                    </p:cTn>
+                  </p:par>
+                  <p:par>
+                    <p:cTn id="72" fill="hold">
+                      <p:stCondLst>
+                        <p:cond delay="indefinite"/>
+                      </p:stCondLst>
+                      <p:childTnLst>
+                        <p:par>
+                          <p:cTn id="73" fill="hold">
+                            <p:stCondLst>
+                              <p:cond delay="0"/>
+                            </p:stCondLst>
+                            <p:childTnLst>
+                              <p:par>
+                                <p:cTn id="74" presetID="42" presetClass="entr" presetSubtype="0" fill="hold" grpId="0" nodeType="clickEffect">
+                                  <p:stCondLst>
+                                    <p:cond delay="0"/>
+                                  </p:stCondLst>
+                                  <p:childTnLst>
+                                    <p:set>
+                                      <p:cBhvr>
+                                        <p:cTn id="75" dur="1" fill="hold">
+                                          <p:stCondLst>
+                                            <p:cond delay="0"/>
+                                          </p:stCondLst>
+                                        </p:cTn>
+                                        <p:tgtEl>
+                                          <p:spTgt spid="10"/>
+                                        </p:tgtEl>
+                                        <p:attrNameLst>
+                                          <p:attrName>style.visibility</p:attrName>
+                                        </p:attrNameLst>
+                                      </p:cBhvr>
+                                      <p:to>
+                                        <p:strVal val="visible"/>
+                                      </p:to>
+                                    </p:set>
+                                    <p:animEffect transition="in" filter="fade">
+                                      <p:cBhvr>
+                                        <p:cTn id="76" dur="1000"/>
+                                        <p:tgtEl>
+                                          <p:spTgt spid="10"/>
+                                        </p:tgtEl>
+                                      </p:cBhvr>
+                                    </p:animEffect>
+                                    <p:anim calcmode="lin" valueType="num">
+                                      <p:cBhvr>
+                                        <p:cTn id="77" dur="1000" fill="hold"/>
+                                        <p:tgtEl>
+                                          <p:spTgt spid="10"/>
+                                        </p:tgtEl>
+                                        <p:attrNameLst>
+                                          <p:attrName>ppt_x</p:attrName>
+                                        </p:attrNameLst>
+                                      </p:cBhvr>
+                                      <p:tavLst>
+                                        <p:tav tm="0">
+                                          <p:val>
+                                            <p:strVal val="#ppt_x"/>
+                                          </p:val>
+                                        </p:tav>
+                                        <p:tav tm="100000">
+                                          <p:val>
+                                            <p:strVal val="#ppt_x"/>
+                                          </p:val>
+                                        </p:tav>
+                                      </p:tavLst>
+                                    </p:anim>
+                                    <p:anim calcmode="lin" valueType="num">
+                                      <p:cBhvr>
+                                        <p:cTn id="78" dur="1000" fill="hold"/>
+                                        <p:tgtEl>
+                                          <p:spTgt spid="10"/>
+                                        </p:tgtEl>
+                                        <p:attrNameLst>
+                                          <p:attrName>ppt_y</p:attrName>
+                                        </p:attrNameLst>
+                                      </p:cBhvr>
+                                      <p:tavLst>
+                                        <p:tav tm="0">
+                                          <p:val>
+                                            <p:strVal val="#ppt_y+.1"/>
+                                          </p:val>
+                                        </p:tav>
+                                        <p:tav tm="100000">
+                                          <p:val>
+                                            <p:strVal val="#ppt_y"/>
+                                          </p:val>
+                                        </p:tav>
+                                      </p:tavLst>
+                                    </p:anim>
+                                  </p:childTnLst>
+                                </p:cTn>
+                              </p:par>
+                            </p:childTnLst>
+                          </p:cTn>
+                        </p:par>
+                      </p:childTnLst>
+                    </p:cTn>
+                  </p:par>
+                  <p:par>
+                    <p:cTn id="79" fill="hold">
+                      <p:stCondLst>
+                        <p:cond delay="indefinite"/>
+                      </p:stCondLst>
+                      <p:childTnLst>
+                        <p:par>
+                          <p:cTn id="80" fill="hold">
+                            <p:stCondLst>
+                              <p:cond delay="0"/>
+                            </p:stCondLst>
+                            <p:childTnLst>
+                              <p:par>
+                                <p:cTn id="81" presetID="2" presetClass="entr" presetSubtype="8" fill="hold" grpId="0" nodeType="clickEffect">
+                                  <p:stCondLst>
+                                    <p:cond delay="0"/>
+                                  </p:stCondLst>
+                                  <p:childTnLst>
+                                    <p:set>
+                                      <p:cBhvr>
+                                        <p:cTn id="82" dur="1" fill="hold">
+                                          <p:stCondLst>
+                                            <p:cond delay="0"/>
+                                          </p:stCondLst>
+                                        </p:cTn>
+                                        <p:tgtEl>
+                                          <p:spTgt spid="14"/>
+                                        </p:tgtEl>
+                                        <p:attrNameLst>
+                                          <p:attrName>style.visibility</p:attrName>
+                                        </p:attrNameLst>
+                                      </p:cBhvr>
+                                      <p:to>
+                                        <p:strVal val="visible"/>
+                                      </p:to>
+                                    </p:set>
+                                    <p:anim calcmode="lin" valueType="num">
+                                      <p:cBhvr additive="base">
+                                        <p:cTn id="83" dur="500" fill="hold"/>
+                                        <p:tgtEl>
+                                          <p:spTgt spid="14"/>
+                                        </p:tgtEl>
+                                        <p:attrNameLst>
+                                          <p:attrName>ppt_x</p:attrName>
+                                        </p:attrNameLst>
+                                      </p:cBhvr>
+                                      <p:tavLst>
+                                        <p:tav tm="0">
+                                          <p:val>
+                                            <p:strVal val="0-#ppt_w/2"/>
+                                          </p:val>
+                                        </p:tav>
+                                        <p:tav tm="100000">
+                                          <p:val>
+                                            <p:strVal val="#ppt_x"/>
+                                          </p:val>
+                                        </p:tav>
+                                      </p:tavLst>
+                                    </p:anim>
+                                    <p:anim calcmode="lin" valueType="num">
+                                      <p:cBhvr additive="base">
+                                        <p:cTn id="84" dur="500" fill="hold"/>
+                                        <p:tgtEl>
+                                          <p:spTgt spid="14"/>
+                                        </p:tgtEl>
+                                        <p:attrNameLst>
+                                          <p:attrName>ppt_y</p:attrName>
+                                        </p:attrNameLst>
+                                      </p:cBhvr>
+                                      <p:tavLst>
+                                        <p:tav tm="0">
+                                          <p:val>
+                                            <p:strVal val="#ppt_y"/>
+                                          </p:val>
+                                        </p:tav>
+                                        <p:tav tm="100000">
+                                          <p:val>
+                                            <p:strVal val="#ppt_y"/>
+                                          </p:val>
+                                        </p:tav>
+                                      </p:tavLst>
+                                    </p:anim>
+                                  </p:childTnLst>
+                                </p:cTn>
+                              </p:par>
+                            </p:childTnLst>
+                          </p:cTn>
+                        </p:par>
+                      </p:childTnLst>
+                    </p:cTn>
+                  </p:par>
+                  <p:par>
+                    <p:cTn id="85" fill="hold">
+                      <p:stCondLst>
+                        <p:cond delay="indefinite"/>
+                      </p:stCondLst>
+                      <p:childTnLst>
+                        <p:par>
+                          <p:cTn id="86" fill="hold">
+                            <p:stCondLst>
+                              <p:cond delay="0"/>
+                            </p:stCondLst>
+                            <p:childTnLst>
+                              <p:par>
+                                <p:cTn id="87" presetID="42" presetClass="entr" presetSubtype="0" fill="hold" nodeType="clickEffect">
+                                  <p:stCondLst>
+                                    <p:cond delay="0"/>
+                                  </p:stCondLst>
+                                  <p:childTnLst>
+                                    <p:set>
+                                      <p:cBhvr>
+                                        <p:cTn id="88" dur="1" fill="hold">
+                                          <p:stCondLst>
+                                            <p:cond delay="0"/>
+                                          </p:stCondLst>
+                                        </p:cTn>
+                                        <p:tgtEl>
+                                          <p:spTgt spid="4"/>
+                                        </p:tgtEl>
+                                        <p:attrNameLst>
+                                          <p:attrName>style.visibility</p:attrName>
+                                        </p:attrNameLst>
+                                      </p:cBhvr>
+                                      <p:to>
+                                        <p:strVal val="visible"/>
+                                      </p:to>
+                                    </p:set>
+                                    <p:animEffect transition="in" filter="fade">
+                                      <p:cBhvr>
+                                        <p:cTn id="89" dur="1000"/>
+                                        <p:tgtEl>
+                                          <p:spTgt spid="4"/>
+                                        </p:tgtEl>
+                                      </p:cBhvr>
+                                    </p:animEffect>
+                                    <p:anim calcmode="lin" valueType="num">
+                                      <p:cBhvr>
+                                        <p:cTn id="90" dur="1000" fill="hold"/>
+                                        <p:tgtEl>
+                                          <p:spTgt spid="4"/>
+                                        </p:tgtEl>
+                                        <p:attrNameLst>
+                                          <p:attrName>ppt_x</p:attrName>
+                                        </p:attrNameLst>
+                                      </p:cBhvr>
+                                      <p:tavLst>
+                                        <p:tav tm="0">
+                                          <p:val>
+                                            <p:strVal val="#ppt_x"/>
+                                          </p:val>
+                                        </p:tav>
+                                        <p:tav tm="100000">
+                                          <p:val>
+                                            <p:strVal val="#ppt_x"/>
+                                          </p:val>
+                                        </p:tav>
+                                      </p:tavLst>
+                                    </p:anim>
+                                    <p:anim calcmode="lin" valueType="num">
+                                      <p:cBhvr>
+                                        <p:cTn id="91" dur="1000" fill="hold"/>
+                                        <p:tgtEl>
+                                          <p:spTgt spid="4"/>
+                                        </p:tgtEl>
+                                        <p:attrNameLst>
+                                          <p:attrName>ppt_y</p:attrName>
+                                        </p:attrNameLst>
+                                      </p:cBhvr>
+                                      <p:tavLst>
+                                        <p:tav tm="0">
+                                          <p:val>
+                                            <p:strVal val="#ppt_y+.1"/>
+                                          </p:val>
+                                        </p:tav>
+                                        <p:tav tm="100000">
+                                          <p:val>
+                                            <p:strVal val="#ppt_y"/>
+                                          </p:val>
+                                        </p:tav>
+                                      </p:tavLst>
+                                    </p:anim>
+                                  </p:childTnLst>
+                                </p:cTn>
+                              </p:par>
+                            </p:childTnLst>
+                          </p:cTn>
+                        </p:par>
+                      </p:childTnLst>
+                    </p:cTn>
+                  </p:par>
+                  <p:par>
+                    <p:cTn id="92" fill="hold">
+                      <p:stCondLst>
+                        <p:cond delay="indefinite"/>
+                      </p:stCondLst>
+                      <p:childTnLst>
+                        <p:par>
+                          <p:cTn id="93" fill="hold">
+                            <p:stCondLst>
+                              <p:cond delay="0"/>
+                            </p:stCondLst>
+                            <p:childTnLst>
+                              <p:par>
+                                <p:cTn id="94" presetID="2" presetClass="entr" presetSubtype="4" fill="hold" grpId="0" nodeType="clickEffect">
+                                  <p:stCondLst>
+                                    <p:cond delay="0"/>
+                                  </p:stCondLst>
+                                  <p:childTnLst>
+                                    <p:set>
+                                      <p:cBhvr>
+                                        <p:cTn id="95" dur="1" fill="hold">
+                                          <p:stCondLst>
+                                            <p:cond delay="0"/>
+                                          </p:stCondLst>
+                                        </p:cTn>
+                                        <p:tgtEl>
+                                          <p:spTgt spid="18"/>
+                                        </p:tgtEl>
+                                        <p:attrNameLst>
+                                          <p:attrName>style.visibility</p:attrName>
+                                        </p:attrNameLst>
+                                      </p:cBhvr>
+                                      <p:to>
+                                        <p:strVal val="visible"/>
+                                      </p:to>
+                                    </p:set>
+                                    <p:anim calcmode="lin" valueType="num">
+                                      <p:cBhvr additive="base">
+                                        <p:cTn id="96" dur="500" fill="hold"/>
+                                        <p:tgtEl>
+                                          <p:spTgt spid="18"/>
+                                        </p:tgtEl>
+                                        <p:attrNameLst>
+                                          <p:attrName>ppt_x</p:attrName>
+                                        </p:attrNameLst>
+                                      </p:cBhvr>
+                                      <p:tavLst>
+                                        <p:tav tm="0">
+                                          <p:val>
+                                            <p:strVal val="#ppt_x"/>
+                                          </p:val>
+                                        </p:tav>
+                                        <p:tav tm="100000">
+                                          <p:val>
+                                            <p:strVal val="#ppt_x"/>
+                                          </p:val>
+                                        </p:tav>
+                                      </p:tavLst>
+                                    </p:anim>
+                                    <p:anim calcmode="lin" valueType="num">
+                                      <p:cBhvr additive="base">
+                                        <p:cTn id="97" dur="500" fill="hold"/>
+                                        <p:tgtEl>
+                                          <p:spTgt spid="18"/>
+                                        </p:tgtEl>
+                                        <p:attrNameLst>
+                                          <p:attrName>ppt_y</p:attrName>
+                                        </p:attrNameLst>
+                                      </p:cBhvr>
+                                      <p:tavLst>
+                                        <p:tav tm="0">
+                                          <p:val>
+                                            <p:strVal val="1+#ppt_h/2"/>
+                                          </p:val>
+                                        </p:tav>
+                                        <p:tav tm="100000">
+                                          <p:val>
+                                            <p:strVal val="#ppt_y"/>
+                                          </p:val>
+                                        </p:tav>
+                                      </p:tavLst>
+                                    </p:anim>
+                                  </p:childTnLst>
+                                </p:cTn>
+                              </p:par>
+                            </p:childTnLst>
+                          </p:cTn>
+                        </p:par>
+                      </p:childTnLst>
+                    </p:cTn>
+                  </p:par>
+                  <p:par>
+                    <p:cTn id="98" fill="hold">
+                      <p:stCondLst>
+                        <p:cond delay="indefinite"/>
+                      </p:stCondLst>
+                      <p:childTnLst>
+                        <p:par>
+                          <p:cTn id="99" fill="hold">
+                            <p:stCondLst>
+                              <p:cond delay="0"/>
+                            </p:stCondLst>
+                            <p:childTnLst>
+                              <p:par>
+                                <p:cTn id="100" presetID="2" presetClass="entr" presetSubtype="4" fill="hold" nodeType="clickEffect">
+                                  <p:stCondLst>
+                                    <p:cond delay="0"/>
+                                  </p:stCondLst>
+                                  <p:childTnLst>
+                                    <p:set>
+                                      <p:cBhvr>
+                                        <p:cTn id="101" dur="1" fill="hold">
+                                          <p:stCondLst>
+                                            <p:cond delay="0"/>
+                                          </p:stCondLst>
+                                        </p:cTn>
+                                        <p:tgtEl>
+                                          <p:spTgt spid="5"/>
+                                        </p:tgtEl>
+                                        <p:attrNameLst>
+                                          <p:attrName>style.visibility</p:attrName>
+                                        </p:attrNameLst>
+                                      </p:cBhvr>
+                                      <p:to>
+                                        <p:strVal val="visible"/>
+                                      </p:to>
+                                    </p:set>
+                                    <p:anim calcmode="lin" valueType="num">
+                                      <p:cBhvr additive="base">
+                                        <p:cTn id="102" dur="500" fill="hold"/>
+                                        <p:tgtEl>
+                                          <p:spTgt spid="5"/>
+                                        </p:tgtEl>
+                                        <p:attrNameLst>
+                                          <p:attrName>ppt_x</p:attrName>
+                                        </p:attrNameLst>
+                                      </p:cBhvr>
+                                      <p:tavLst>
+                                        <p:tav tm="0">
+                                          <p:val>
+                                            <p:strVal val="#ppt_x"/>
+                                          </p:val>
+                                        </p:tav>
+                                        <p:tav tm="100000">
+                                          <p:val>
+                                            <p:strVal val="#ppt_x"/>
+                                          </p:val>
+                                        </p:tav>
+                                      </p:tavLst>
+                                    </p:anim>
+                                    <p:anim calcmode="lin" valueType="num">
+                                      <p:cBhvr additive="base">
+                                        <p:cTn id="103" dur="500" fill="hold"/>
+                                        <p:tgtEl>
+                                          <p:spTgt spid="5"/>
+                                        </p:tgtEl>
+                                        <p:attrNameLst>
+                                          <p:attrName>ppt_y</p:attrName>
+                                        </p:attrNameLst>
+                                      </p:cBhvr>
+                                      <p:tavLst>
+                                        <p:tav tm="0">
+                                          <p:val>
+                                            <p:strVal val="1+#ppt_h/2"/>
+                                          </p:val>
+                                        </p:tav>
+                                        <p:tav tm="100000">
+                                          <p:val>
+                                            <p:strVal val="#ppt_y"/>
+                                          </p:val>
+                                        </p:tav>
+                                      </p:tavLst>
+                                    </p:anim>
+                                  </p:childTnLst>
+                                </p:cTn>
+                              </p:par>
+                            </p:childTnLst>
+                          </p:cTn>
+                        </p:par>
+                      </p:childTnLst>
+                    </p:cTn>
+                  </p:par>
+                </p:childTnLst>
+              </p:cTn>
+              <p:prevCondLst>
+                <p:cond evt="onPrev" delay="0">
+                  <p:tgtEl>
+                    <p:sldTgt/>
+                  </p:tgtEl>
+                </p:cond>
+              </p:prevCondLst>
+              <p:nextCondLst>
+                <p:cond evt="onNext" delay="0">
+                  <p:tgtEl>
+                    <p:sldTgt/>
+                  </p:tgtEl>
+                </p:cond>
+              </p:nextCondLst>
+            </p:seq>
+          </p:childTnLst>
+        </p:cTn>
+      </p:par>
+    </p:tnLst>
+    <p:bldLst>
+      <p:bldP spid="7" grpId="0"/>
+      <p:bldP spid="8" grpId="0"/>
+      <p:bldP spid="9" grpId="0"/>
+      <p:bldP spid="10" grpId="0"/>
+      <p:bldP spid="11" grpId="0"/>
+      <p:bldP spid="12" grpId="0"/>
+      <p:bldP spid="13" grpId="0"/>
+      <p:bldP spid="14" grpId="0"/>
+      <p:bldP spid="15" grpId="0"/>
+      <p:bldP spid="16" grpId="0"/>
+      <p:bldP spid="18" grpId="0"/>
+    </p:bldLst>
+  </p:timing>
 </p:sld>
 </file>
 
@@ -10402,6 +14334,899 @@
   <p:clrMapOvr>
     <a:masterClrMapping/>
   </p:clrMapOvr>
+  <mc:AlternateContent xmlns:mc="http://schemas.openxmlformats.org/markup-compatibility/2006">
+    <mc:Choice xmlns:p14="http://schemas.microsoft.com/office/powerpoint/2010/main" Requires="p14">
+      <p:transition spd="slow" p14:dur="1500">
+        <p:split orient="vert"/>
+      </p:transition>
+    </mc:Choice>
+    <mc:Fallback>
+      <p:transition spd="slow">
+        <p:split orient="vert"/>
+      </p:transition>
+    </mc:Fallback>
+  </mc:AlternateContent>
+  <p:timing>
+    <p:tnLst>
+      <p:par>
+        <p:cTn id="1" dur="indefinite" restart="never" nodeType="tmRoot">
+          <p:childTnLst>
+            <p:seq concurrent="1" nextAc="seek">
+              <p:cTn id="2" dur="indefinite" nodeType="mainSeq">
+                <p:childTnLst>
+                  <p:par>
+                    <p:cTn id="3" fill="hold">
+                      <p:stCondLst>
+                        <p:cond delay="indefinite"/>
+                      </p:stCondLst>
+                      <p:childTnLst>
+                        <p:par>
+                          <p:cTn id="4" fill="hold">
+                            <p:stCondLst>
+                              <p:cond delay="0"/>
+                            </p:stCondLst>
+                            <p:childTnLst>
+                              <p:par>
+                                <p:cTn id="5" presetID="42" presetClass="entr" presetSubtype="0" fill="hold" grpId="0" nodeType="clickEffect">
+                                  <p:stCondLst>
+                                    <p:cond delay="0"/>
+                                  </p:stCondLst>
+                                  <p:childTnLst>
+                                    <p:set>
+                                      <p:cBhvr>
+                                        <p:cTn id="6" dur="1" fill="hold">
+                                          <p:stCondLst>
+                                            <p:cond delay="0"/>
+                                          </p:stCondLst>
+                                        </p:cTn>
+                                        <p:tgtEl>
+                                          <p:spTgt spid="3"/>
+                                        </p:tgtEl>
+                                        <p:attrNameLst>
+                                          <p:attrName>style.visibility</p:attrName>
+                                        </p:attrNameLst>
+                                      </p:cBhvr>
+                                      <p:to>
+                                        <p:strVal val="visible"/>
+                                      </p:to>
+                                    </p:set>
+                                    <p:animEffect transition="in" filter="fade">
+                                      <p:cBhvr>
+                                        <p:cTn id="7" dur="1000"/>
+                                        <p:tgtEl>
+                                          <p:spTgt spid="3"/>
+                                        </p:tgtEl>
+                                      </p:cBhvr>
+                                    </p:animEffect>
+                                    <p:anim calcmode="lin" valueType="num">
+                                      <p:cBhvr>
+                                        <p:cTn id="8" dur="1000" fill="hold"/>
+                                        <p:tgtEl>
+                                          <p:spTgt spid="3"/>
+                                        </p:tgtEl>
+                                        <p:attrNameLst>
+                                          <p:attrName>ppt_x</p:attrName>
+                                        </p:attrNameLst>
+                                      </p:cBhvr>
+                                      <p:tavLst>
+                                        <p:tav tm="0">
+                                          <p:val>
+                                            <p:strVal val="#ppt_x"/>
+                                          </p:val>
+                                        </p:tav>
+                                        <p:tav tm="100000">
+                                          <p:val>
+                                            <p:strVal val="#ppt_x"/>
+                                          </p:val>
+                                        </p:tav>
+                                      </p:tavLst>
+                                    </p:anim>
+                                    <p:anim calcmode="lin" valueType="num">
+                                      <p:cBhvr>
+                                        <p:cTn id="9" dur="1000" fill="hold"/>
+                                        <p:tgtEl>
+                                          <p:spTgt spid="3"/>
+                                        </p:tgtEl>
+                                        <p:attrNameLst>
+                                          <p:attrName>ppt_y</p:attrName>
+                                        </p:attrNameLst>
+                                      </p:cBhvr>
+                                      <p:tavLst>
+                                        <p:tav tm="0">
+                                          <p:val>
+                                            <p:strVal val="#ppt_y+.1"/>
+                                          </p:val>
+                                        </p:tav>
+                                        <p:tav tm="100000">
+                                          <p:val>
+                                            <p:strVal val="#ppt_y"/>
+                                          </p:val>
+                                        </p:tav>
+                                      </p:tavLst>
+                                    </p:anim>
+                                  </p:childTnLst>
+                                </p:cTn>
+                              </p:par>
+                            </p:childTnLst>
+                          </p:cTn>
+                        </p:par>
+                      </p:childTnLst>
+                    </p:cTn>
+                  </p:par>
+                  <p:par>
+                    <p:cTn id="10" fill="hold">
+                      <p:stCondLst>
+                        <p:cond delay="indefinite"/>
+                      </p:stCondLst>
+                      <p:childTnLst>
+                        <p:par>
+                          <p:cTn id="11" fill="hold">
+                            <p:stCondLst>
+                              <p:cond delay="0"/>
+                            </p:stCondLst>
+                            <p:childTnLst>
+                              <p:par>
+                                <p:cTn id="12" presetID="2" presetClass="entr" presetSubtype="4" fill="hold" grpId="0" nodeType="clickEffect">
+                                  <p:stCondLst>
+                                    <p:cond delay="0"/>
+                                  </p:stCondLst>
+                                  <p:childTnLst>
+                                    <p:set>
+                                      <p:cBhvr>
+                                        <p:cTn id="13" dur="1" fill="hold">
+                                          <p:stCondLst>
+                                            <p:cond delay="0"/>
+                                          </p:stCondLst>
+                                        </p:cTn>
+                                        <p:tgtEl>
+                                          <p:spTgt spid="4"/>
+                                        </p:tgtEl>
+                                        <p:attrNameLst>
+                                          <p:attrName>style.visibility</p:attrName>
+                                        </p:attrNameLst>
+                                      </p:cBhvr>
+                                      <p:to>
+                                        <p:strVal val="visible"/>
+                                      </p:to>
+                                    </p:set>
+                                    <p:anim calcmode="lin" valueType="num">
+                                      <p:cBhvr additive="base">
+                                        <p:cTn id="14" dur="500" fill="hold"/>
+                                        <p:tgtEl>
+                                          <p:spTgt spid="4"/>
+                                        </p:tgtEl>
+                                        <p:attrNameLst>
+                                          <p:attrName>ppt_x</p:attrName>
+                                        </p:attrNameLst>
+                                      </p:cBhvr>
+                                      <p:tavLst>
+                                        <p:tav tm="0">
+                                          <p:val>
+                                            <p:strVal val="#ppt_x"/>
+                                          </p:val>
+                                        </p:tav>
+                                        <p:tav tm="100000">
+                                          <p:val>
+                                            <p:strVal val="#ppt_x"/>
+                                          </p:val>
+                                        </p:tav>
+                                      </p:tavLst>
+                                    </p:anim>
+                                    <p:anim calcmode="lin" valueType="num">
+                                      <p:cBhvr additive="base">
+                                        <p:cTn id="15" dur="500" fill="hold"/>
+                                        <p:tgtEl>
+                                          <p:spTgt spid="4"/>
+                                        </p:tgtEl>
+                                        <p:attrNameLst>
+                                          <p:attrName>ppt_y</p:attrName>
+                                        </p:attrNameLst>
+                                      </p:cBhvr>
+                                      <p:tavLst>
+                                        <p:tav tm="0">
+                                          <p:val>
+                                            <p:strVal val="1+#ppt_h/2"/>
+                                          </p:val>
+                                        </p:tav>
+                                        <p:tav tm="100000">
+                                          <p:val>
+                                            <p:strVal val="#ppt_y"/>
+                                          </p:val>
+                                        </p:tav>
+                                      </p:tavLst>
+                                    </p:anim>
+                                  </p:childTnLst>
+                                </p:cTn>
+                              </p:par>
+                            </p:childTnLst>
+                          </p:cTn>
+                        </p:par>
+                      </p:childTnLst>
+                    </p:cTn>
+                  </p:par>
+                  <p:par>
+                    <p:cTn id="16" fill="hold">
+                      <p:stCondLst>
+                        <p:cond delay="indefinite"/>
+                      </p:stCondLst>
+                      <p:childTnLst>
+                        <p:par>
+                          <p:cTn id="17" fill="hold">
+                            <p:stCondLst>
+                              <p:cond delay="0"/>
+                            </p:stCondLst>
+                            <p:childTnLst>
+                              <p:par>
+                                <p:cTn id="18" presetID="2" presetClass="entr" presetSubtype="4" fill="hold" nodeType="clickEffect">
+                                  <p:stCondLst>
+                                    <p:cond delay="0"/>
+                                  </p:stCondLst>
+                                  <p:childTnLst>
+                                    <p:set>
+                                      <p:cBhvr>
+                                        <p:cTn id="19" dur="1" fill="hold">
+                                          <p:stCondLst>
+                                            <p:cond delay="0"/>
+                                          </p:stCondLst>
+                                        </p:cTn>
+                                        <p:tgtEl>
+                                          <p:spTgt spid="5"/>
+                                        </p:tgtEl>
+                                        <p:attrNameLst>
+                                          <p:attrName>style.visibility</p:attrName>
+                                        </p:attrNameLst>
+                                      </p:cBhvr>
+                                      <p:to>
+                                        <p:strVal val="visible"/>
+                                      </p:to>
+                                    </p:set>
+                                    <p:anim calcmode="lin" valueType="num">
+                                      <p:cBhvr additive="base">
+                                        <p:cTn id="20" dur="500" fill="hold"/>
+                                        <p:tgtEl>
+                                          <p:spTgt spid="5"/>
+                                        </p:tgtEl>
+                                        <p:attrNameLst>
+                                          <p:attrName>ppt_x</p:attrName>
+                                        </p:attrNameLst>
+                                      </p:cBhvr>
+                                      <p:tavLst>
+                                        <p:tav tm="0">
+                                          <p:val>
+                                            <p:strVal val="#ppt_x"/>
+                                          </p:val>
+                                        </p:tav>
+                                        <p:tav tm="100000">
+                                          <p:val>
+                                            <p:strVal val="#ppt_x"/>
+                                          </p:val>
+                                        </p:tav>
+                                      </p:tavLst>
+                                    </p:anim>
+                                    <p:anim calcmode="lin" valueType="num">
+                                      <p:cBhvr additive="base">
+                                        <p:cTn id="21" dur="500" fill="hold"/>
+                                        <p:tgtEl>
+                                          <p:spTgt spid="5"/>
+                                        </p:tgtEl>
+                                        <p:attrNameLst>
+                                          <p:attrName>ppt_y</p:attrName>
+                                        </p:attrNameLst>
+                                      </p:cBhvr>
+                                      <p:tavLst>
+                                        <p:tav tm="0">
+                                          <p:val>
+                                            <p:strVal val="1+#ppt_h/2"/>
+                                          </p:val>
+                                        </p:tav>
+                                        <p:tav tm="100000">
+                                          <p:val>
+                                            <p:strVal val="#ppt_y"/>
+                                          </p:val>
+                                        </p:tav>
+                                      </p:tavLst>
+                                    </p:anim>
+                                  </p:childTnLst>
+                                </p:cTn>
+                              </p:par>
+                            </p:childTnLst>
+                          </p:cTn>
+                        </p:par>
+                      </p:childTnLst>
+                    </p:cTn>
+                  </p:par>
+                  <p:par>
+                    <p:cTn id="22" fill="hold">
+                      <p:stCondLst>
+                        <p:cond delay="indefinite"/>
+                      </p:stCondLst>
+                      <p:childTnLst>
+                        <p:par>
+                          <p:cTn id="23" fill="hold">
+                            <p:stCondLst>
+                              <p:cond delay="0"/>
+                            </p:stCondLst>
+                            <p:childTnLst>
+                              <p:par>
+                                <p:cTn id="24" presetID="2" presetClass="entr" presetSubtype="8" fill="hold" grpId="0" nodeType="clickEffect">
+                                  <p:stCondLst>
+                                    <p:cond delay="0"/>
+                                  </p:stCondLst>
+                                  <p:childTnLst>
+                                    <p:set>
+                                      <p:cBhvr>
+                                        <p:cTn id="25" dur="1" fill="hold">
+                                          <p:stCondLst>
+                                            <p:cond delay="0"/>
+                                          </p:stCondLst>
+                                        </p:cTn>
+                                        <p:tgtEl>
+                                          <p:spTgt spid="6"/>
+                                        </p:tgtEl>
+                                        <p:attrNameLst>
+                                          <p:attrName>style.visibility</p:attrName>
+                                        </p:attrNameLst>
+                                      </p:cBhvr>
+                                      <p:to>
+                                        <p:strVal val="visible"/>
+                                      </p:to>
+                                    </p:set>
+                                    <p:anim calcmode="lin" valueType="num">
+                                      <p:cBhvr additive="base">
+                                        <p:cTn id="26" dur="500" fill="hold"/>
+                                        <p:tgtEl>
+                                          <p:spTgt spid="6"/>
+                                        </p:tgtEl>
+                                        <p:attrNameLst>
+                                          <p:attrName>ppt_x</p:attrName>
+                                        </p:attrNameLst>
+                                      </p:cBhvr>
+                                      <p:tavLst>
+                                        <p:tav tm="0">
+                                          <p:val>
+                                            <p:strVal val="0-#ppt_w/2"/>
+                                          </p:val>
+                                        </p:tav>
+                                        <p:tav tm="100000">
+                                          <p:val>
+                                            <p:strVal val="#ppt_x"/>
+                                          </p:val>
+                                        </p:tav>
+                                      </p:tavLst>
+                                    </p:anim>
+                                    <p:anim calcmode="lin" valueType="num">
+                                      <p:cBhvr additive="base">
+                                        <p:cTn id="27" dur="500" fill="hold"/>
+                                        <p:tgtEl>
+                                          <p:spTgt spid="6"/>
+                                        </p:tgtEl>
+                                        <p:attrNameLst>
+                                          <p:attrName>ppt_y</p:attrName>
+                                        </p:attrNameLst>
+                                      </p:cBhvr>
+                                      <p:tavLst>
+                                        <p:tav tm="0">
+                                          <p:val>
+                                            <p:strVal val="#ppt_y"/>
+                                          </p:val>
+                                        </p:tav>
+                                        <p:tav tm="100000">
+                                          <p:val>
+                                            <p:strVal val="#ppt_y"/>
+                                          </p:val>
+                                        </p:tav>
+                                      </p:tavLst>
+                                    </p:anim>
+                                  </p:childTnLst>
+                                </p:cTn>
+                              </p:par>
+                            </p:childTnLst>
+                          </p:cTn>
+                        </p:par>
+                      </p:childTnLst>
+                    </p:cTn>
+                  </p:par>
+                  <p:par>
+                    <p:cTn id="28" fill="hold">
+                      <p:stCondLst>
+                        <p:cond delay="indefinite"/>
+                      </p:stCondLst>
+                      <p:childTnLst>
+                        <p:par>
+                          <p:cTn id="29" fill="hold">
+                            <p:stCondLst>
+                              <p:cond delay="0"/>
+                            </p:stCondLst>
+                            <p:childTnLst>
+                              <p:par>
+                                <p:cTn id="30" presetID="2" presetClass="entr" presetSubtype="1" fill="hold" grpId="0" nodeType="clickEffect">
+                                  <p:stCondLst>
+                                    <p:cond delay="0"/>
+                                  </p:stCondLst>
+                                  <p:childTnLst>
+                                    <p:set>
+                                      <p:cBhvr>
+                                        <p:cTn id="31" dur="1" fill="hold">
+                                          <p:stCondLst>
+                                            <p:cond delay="0"/>
+                                          </p:stCondLst>
+                                        </p:cTn>
+                                        <p:tgtEl>
+                                          <p:spTgt spid="7"/>
+                                        </p:tgtEl>
+                                        <p:attrNameLst>
+                                          <p:attrName>style.visibility</p:attrName>
+                                        </p:attrNameLst>
+                                      </p:cBhvr>
+                                      <p:to>
+                                        <p:strVal val="visible"/>
+                                      </p:to>
+                                    </p:set>
+                                    <p:anim calcmode="lin" valueType="num">
+                                      <p:cBhvr additive="base">
+                                        <p:cTn id="32" dur="500" fill="hold"/>
+                                        <p:tgtEl>
+                                          <p:spTgt spid="7"/>
+                                        </p:tgtEl>
+                                        <p:attrNameLst>
+                                          <p:attrName>ppt_x</p:attrName>
+                                        </p:attrNameLst>
+                                      </p:cBhvr>
+                                      <p:tavLst>
+                                        <p:tav tm="0">
+                                          <p:val>
+                                            <p:strVal val="#ppt_x"/>
+                                          </p:val>
+                                        </p:tav>
+                                        <p:tav tm="100000">
+                                          <p:val>
+                                            <p:strVal val="#ppt_x"/>
+                                          </p:val>
+                                        </p:tav>
+                                      </p:tavLst>
+                                    </p:anim>
+                                    <p:anim calcmode="lin" valueType="num">
+                                      <p:cBhvr additive="base">
+                                        <p:cTn id="33" dur="500" fill="hold"/>
+                                        <p:tgtEl>
+                                          <p:spTgt spid="7"/>
+                                        </p:tgtEl>
+                                        <p:attrNameLst>
+                                          <p:attrName>ppt_y</p:attrName>
+                                        </p:attrNameLst>
+                                      </p:cBhvr>
+                                      <p:tavLst>
+                                        <p:tav tm="0">
+                                          <p:val>
+                                            <p:strVal val="0-#ppt_h/2"/>
+                                          </p:val>
+                                        </p:tav>
+                                        <p:tav tm="100000">
+                                          <p:val>
+                                            <p:strVal val="#ppt_y"/>
+                                          </p:val>
+                                        </p:tav>
+                                      </p:tavLst>
+                                    </p:anim>
+                                  </p:childTnLst>
+                                </p:cTn>
+                              </p:par>
+                            </p:childTnLst>
+                          </p:cTn>
+                        </p:par>
+                      </p:childTnLst>
+                    </p:cTn>
+                  </p:par>
+                  <p:par>
+                    <p:cTn id="34" fill="hold">
+                      <p:stCondLst>
+                        <p:cond delay="indefinite"/>
+                      </p:stCondLst>
+                      <p:childTnLst>
+                        <p:par>
+                          <p:cTn id="35" fill="hold">
+                            <p:stCondLst>
+                              <p:cond delay="0"/>
+                            </p:stCondLst>
+                            <p:childTnLst>
+                              <p:par>
+                                <p:cTn id="36" presetID="42" presetClass="entr" presetSubtype="0" fill="hold" nodeType="clickEffect">
+                                  <p:stCondLst>
+                                    <p:cond delay="0"/>
+                                  </p:stCondLst>
+                                  <p:childTnLst>
+                                    <p:set>
+                                      <p:cBhvr>
+                                        <p:cTn id="37" dur="1" fill="hold">
+                                          <p:stCondLst>
+                                            <p:cond delay="0"/>
+                                          </p:stCondLst>
+                                        </p:cTn>
+                                        <p:tgtEl>
+                                          <p:spTgt spid="10"/>
+                                        </p:tgtEl>
+                                        <p:attrNameLst>
+                                          <p:attrName>style.visibility</p:attrName>
+                                        </p:attrNameLst>
+                                      </p:cBhvr>
+                                      <p:to>
+                                        <p:strVal val="visible"/>
+                                      </p:to>
+                                    </p:set>
+                                    <p:animEffect transition="in" filter="fade">
+                                      <p:cBhvr>
+                                        <p:cTn id="38" dur="1000"/>
+                                        <p:tgtEl>
+                                          <p:spTgt spid="10"/>
+                                        </p:tgtEl>
+                                      </p:cBhvr>
+                                    </p:animEffect>
+                                    <p:anim calcmode="lin" valueType="num">
+                                      <p:cBhvr>
+                                        <p:cTn id="39" dur="1000" fill="hold"/>
+                                        <p:tgtEl>
+                                          <p:spTgt spid="10"/>
+                                        </p:tgtEl>
+                                        <p:attrNameLst>
+                                          <p:attrName>ppt_x</p:attrName>
+                                        </p:attrNameLst>
+                                      </p:cBhvr>
+                                      <p:tavLst>
+                                        <p:tav tm="0">
+                                          <p:val>
+                                            <p:strVal val="#ppt_x"/>
+                                          </p:val>
+                                        </p:tav>
+                                        <p:tav tm="100000">
+                                          <p:val>
+                                            <p:strVal val="#ppt_x"/>
+                                          </p:val>
+                                        </p:tav>
+                                      </p:tavLst>
+                                    </p:anim>
+                                    <p:anim calcmode="lin" valueType="num">
+                                      <p:cBhvr>
+                                        <p:cTn id="40" dur="1000" fill="hold"/>
+                                        <p:tgtEl>
+                                          <p:spTgt spid="10"/>
+                                        </p:tgtEl>
+                                        <p:attrNameLst>
+                                          <p:attrName>ppt_y</p:attrName>
+                                        </p:attrNameLst>
+                                      </p:cBhvr>
+                                      <p:tavLst>
+                                        <p:tav tm="0">
+                                          <p:val>
+                                            <p:strVal val="#ppt_y+.1"/>
+                                          </p:val>
+                                        </p:tav>
+                                        <p:tav tm="100000">
+                                          <p:val>
+                                            <p:strVal val="#ppt_y"/>
+                                          </p:val>
+                                        </p:tav>
+                                      </p:tavLst>
+                                    </p:anim>
+                                  </p:childTnLst>
+                                </p:cTn>
+                              </p:par>
+                            </p:childTnLst>
+                          </p:cTn>
+                        </p:par>
+                      </p:childTnLst>
+                    </p:cTn>
+                  </p:par>
+                  <p:par>
+                    <p:cTn id="41" fill="hold">
+                      <p:stCondLst>
+                        <p:cond delay="indefinite"/>
+                      </p:stCondLst>
+                      <p:childTnLst>
+                        <p:par>
+                          <p:cTn id="42" fill="hold">
+                            <p:stCondLst>
+                              <p:cond delay="0"/>
+                            </p:stCondLst>
+                            <p:childTnLst>
+                              <p:par>
+                                <p:cTn id="43" presetID="42" presetClass="entr" presetSubtype="0" fill="hold" nodeType="clickEffect">
+                                  <p:stCondLst>
+                                    <p:cond delay="0"/>
+                                  </p:stCondLst>
+                                  <p:childTnLst>
+                                    <p:set>
+                                      <p:cBhvr>
+                                        <p:cTn id="44" dur="1" fill="hold">
+                                          <p:stCondLst>
+                                            <p:cond delay="0"/>
+                                          </p:stCondLst>
+                                        </p:cTn>
+                                        <p:tgtEl>
+                                          <p:spTgt spid="11"/>
+                                        </p:tgtEl>
+                                        <p:attrNameLst>
+                                          <p:attrName>style.visibility</p:attrName>
+                                        </p:attrNameLst>
+                                      </p:cBhvr>
+                                      <p:to>
+                                        <p:strVal val="visible"/>
+                                      </p:to>
+                                    </p:set>
+                                    <p:animEffect transition="in" filter="fade">
+                                      <p:cBhvr>
+                                        <p:cTn id="45" dur="1000"/>
+                                        <p:tgtEl>
+                                          <p:spTgt spid="11"/>
+                                        </p:tgtEl>
+                                      </p:cBhvr>
+                                    </p:animEffect>
+                                    <p:anim calcmode="lin" valueType="num">
+                                      <p:cBhvr>
+                                        <p:cTn id="46" dur="1000" fill="hold"/>
+                                        <p:tgtEl>
+                                          <p:spTgt spid="11"/>
+                                        </p:tgtEl>
+                                        <p:attrNameLst>
+                                          <p:attrName>ppt_x</p:attrName>
+                                        </p:attrNameLst>
+                                      </p:cBhvr>
+                                      <p:tavLst>
+                                        <p:tav tm="0">
+                                          <p:val>
+                                            <p:strVal val="#ppt_x"/>
+                                          </p:val>
+                                        </p:tav>
+                                        <p:tav tm="100000">
+                                          <p:val>
+                                            <p:strVal val="#ppt_x"/>
+                                          </p:val>
+                                        </p:tav>
+                                      </p:tavLst>
+                                    </p:anim>
+                                    <p:anim calcmode="lin" valueType="num">
+                                      <p:cBhvr>
+                                        <p:cTn id="47" dur="1000" fill="hold"/>
+                                        <p:tgtEl>
+                                          <p:spTgt spid="11"/>
+                                        </p:tgtEl>
+                                        <p:attrNameLst>
+                                          <p:attrName>ppt_y</p:attrName>
+                                        </p:attrNameLst>
+                                      </p:cBhvr>
+                                      <p:tavLst>
+                                        <p:tav tm="0">
+                                          <p:val>
+                                            <p:strVal val="#ppt_y+.1"/>
+                                          </p:val>
+                                        </p:tav>
+                                        <p:tav tm="100000">
+                                          <p:val>
+                                            <p:strVal val="#ppt_y"/>
+                                          </p:val>
+                                        </p:tav>
+                                      </p:tavLst>
+                                    </p:anim>
+                                  </p:childTnLst>
+                                </p:cTn>
+                              </p:par>
+                            </p:childTnLst>
+                          </p:cTn>
+                        </p:par>
+                      </p:childTnLst>
+                    </p:cTn>
+                  </p:par>
+                  <p:par>
+                    <p:cTn id="48" fill="hold">
+                      <p:stCondLst>
+                        <p:cond delay="indefinite"/>
+                      </p:stCondLst>
+                      <p:childTnLst>
+                        <p:par>
+                          <p:cTn id="49" fill="hold">
+                            <p:stCondLst>
+                              <p:cond delay="0"/>
+                            </p:stCondLst>
+                            <p:childTnLst>
+                              <p:par>
+                                <p:cTn id="50" presetID="2" presetClass="entr" presetSubtype="8" fill="hold" grpId="0" nodeType="clickEffect">
+                                  <p:stCondLst>
+                                    <p:cond delay="0"/>
+                                  </p:stCondLst>
+                                  <p:childTnLst>
+                                    <p:set>
+                                      <p:cBhvr>
+                                        <p:cTn id="51" dur="1" fill="hold">
+                                          <p:stCondLst>
+                                            <p:cond delay="0"/>
+                                          </p:stCondLst>
+                                        </p:cTn>
+                                        <p:tgtEl>
+                                          <p:spTgt spid="8"/>
+                                        </p:tgtEl>
+                                        <p:attrNameLst>
+                                          <p:attrName>style.visibility</p:attrName>
+                                        </p:attrNameLst>
+                                      </p:cBhvr>
+                                      <p:to>
+                                        <p:strVal val="visible"/>
+                                      </p:to>
+                                    </p:set>
+                                    <p:anim calcmode="lin" valueType="num">
+                                      <p:cBhvr additive="base">
+                                        <p:cTn id="52" dur="500" fill="hold"/>
+                                        <p:tgtEl>
+                                          <p:spTgt spid="8"/>
+                                        </p:tgtEl>
+                                        <p:attrNameLst>
+                                          <p:attrName>ppt_x</p:attrName>
+                                        </p:attrNameLst>
+                                      </p:cBhvr>
+                                      <p:tavLst>
+                                        <p:tav tm="0">
+                                          <p:val>
+                                            <p:strVal val="0-#ppt_w/2"/>
+                                          </p:val>
+                                        </p:tav>
+                                        <p:tav tm="100000">
+                                          <p:val>
+                                            <p:strVal val="#ppt_x"/>
+                                          </p:val>
+                                        </p:tav>
+                                      </p:tavLst>
+                                    </p:anim>
+                                    <p:anim calcmode="lin" valueType="num">
+                                      <p:cBhvr additive="base">
+                                        <p:cTn id="53" dur="500" fill="hold"/>
+                                        <p:tgtEl>
+                                          <p:spTgt spid="8"/>
+                                        </p:tgtEl>
+                                        <p:attrNameLst>
+                                          <p:attrName>ppt_y</p:attrName>
+                                        </p:attrNameLst>
+                                      </p:cBhvr>
+                                      <p:tavLst>
+                                        <p:tav tm="0">
+                                          <p:val>
+                                            <p:strVal val="#ppt_y"/>
+                                          </p:val>
+                                        </p:tav>
+                                        <p:tav tm="100000">
+                                          <p:val>
+                                            <p:strVal val="#ppt_y"/>
+                                          </p:val>
+                                        </p:tav>
+                                      </p:tavLst>
+                                    </p:anim>
+                                  </p:childTnLst>
+                                </p:cTn>
+                              </p:par>
+                            </p:childTnLst>
+                          </p:cTn>
+                        </p:par>
+                      </p:childTnLst>
+                    </p:cTn>
+                  </p:par>
+                  <p:par>
+                    <p:cTn id="54" fill="hold">
+                      <p:stCondLst>
+                        <p:cond delay="indefinite"/>
+                      </p:stCondLst>
+                      <p:childTnLst>
+                        <p:par>
+                          <p:cTn id="55" fill="hold">
+                            <p:stCondLst>
+                              <p:cond delay="0"/>
+                            </p:stCondLst>
+                            <p:childTnLst>
+                              <p:par>
+                                <p:cTn id="56" presetID="2" presetClass="entr" presetSubtype="2" fill="hold" grpId="0" nodeType="clickEffect">
+                                  <p:stCondLst>
+                                    <p:cond delay="0"/>
+                                  </p:stCondLst>
+                                  <p:childTnLst>
+                                    <p:set>
+                                      <p:cBhvr>
+                                        <p:cTn id="57" dur="1" fill="hold">
+                                          <p:stCondLst>
+                                            <p:cond delay="0"/>
+                                          </p:stCondLst>
+                                        </p:cTn>
+                                        <p:tgtEl>
+                                          <p:spTgt spid="9"/>
+                                        </p:tgtEl>
+                                        <p:attrNameLst>
+                                          <p:attrName>style.visibility</p:attrName>
+                                        </p:attrNameLst>
+                                      </p:cBhvr>
+                                      <p:to>
+                                        <p:strVal val="visible"/>
+                                      </p:to>
+                                    </p:set>
+                                    <p:anim calcmode="lin" valueType="num">
+                                      <p:cBhvr additive="base">
+                                        <p:cTn id="58" dur="500" fill="hold"/>
+                                        <p:tgtEl>
+                                          <p:spTgt spid="9"/>
+                                        </p:tgtEl>
+                                        <p:attrNameLst>
+                                          <p:attrName>ppt_x</p:attrName>
+                                        </p:attrNameLst>
+                                      </p:cBhvr>
+                                      <p:tavLst>
+                                        <p:tav tm="0">
+                                          <p:val>
+                                            <p:strVal val="1+#ppt_w/2"/>
+                                          </p:val>
+                                        </p:tav>
+                                        <p:tav tm="100000">
+                                          <p:val>
+                                            <p:strVal val="#ppt_x"/>
+                                          </p:val>
+                                        </p:tav>
+                                      </p:tavLst>
+                                    </p:anim>
+                                    <p:anim calcmode="lin" valueType="num">
+                                      <p:cBhvr additive="base">
+                                        <p:cTn id="59" dur="500" fill="hold"/>
+                                        <p:tgtEl>
+                                          <p:spTgt spid="9"/>
+                                        </p:tgtEl>
+                                        <p:attrNameLst>
+                                          <p:attrName>ppt_y</p:attrName>
+                                        </p:attrNameLst>
+                                      </p:cBhvr>
+                                      <p:tavLst>
+                                        <p:tav tm="0">
+                                          <p:val>
+                                            <p:strVal val="#ppt_y"/>
+                                          </p:val>
+                                        </p:tav>
+                                        <p:tav tm="100000">
+                                          <p:val>
+                                            <p:strVal val="#ppt_y"/>
+                                          </p:val>
+                                        </p:tav>
+                                      </p:tavLst>
+                                    </p:anim>
+                                  </p:childTnLst>
+                                </p:cTn>
+                              </p:par>
+                            </p:childTnLst>
+                          </p:cTn>
+                        </p:par>
+                      </p:childTnLst>
+                    </p:cTn>
+                  </p:par>
+                </p:childTnLst>
+              </p:cTn>
+              <p:prevCondLst>
+                <p:cond evt="onPrev" delay="0">
+                  <p:tgtEl>
+                    <p:sldTgt/>
+                  </p:tgtEl>
+                </p:cond>
+              </p:prevCondLst>
+              <p:nextCondLst>
+                <p:cond evt="onNext" delay="0">
+                  <p:tgtEl>
+                    <p:sldTgt/>
+                  </p:tgtEl>
+                </p:cond>
+              </p:nextCondLst>
+            </p:seq>
+          </p:childTnLst>
+        </p:cTn>
+      </p:par>
+    </p:tnLst>
+    <p:bldLst>
+      <p:bldP spid="3" grpId="0"/>
+      <p:bldP spid="4" grpId="0"/>
+      <p:bldP spid="6" grpId="0"/>
+      <p:bldP spid="7" grpId="0"/>
+      <p:bldP spid="8" grpId="0"/>
+      <p:bldP spid="9" grpId="0"/>
+    </p:bldLst>
+  </p:timing>
 </p:sld>
 </file>
 
@@ -11200,6 +16025,16 @@
   <p:clrMapOvr>
     <a:masterClrMapping/>
   </p:clrMapOvr>
+  <p:transition spd="med">
+    <p:pull/>
+  </p:transition>
+  <p:timing>
+    <p:tnLst>
+      <p:par>
+        <p:cTn id="1" dur="indefinite" restart="never" nodeType="tmRoot"/>
+      </p:par>
+    </p:tnLst>
+  </p:timing>
 </p:sld>
 </file>
 
@@ -11597,6 +16432,25 @@
   <p:clrMapOvr>
     <a:masterClrMapping/>
   </p:clrMapOvr>
+  <mc:AlternateContent xmlns:mc="http://schemas.openxmlformats.org/markup-compatibility/2006">
+    <mc:Choice xmlns:p14="http://schemas.microsoft.com/office/powerpoint/2010/main" Requires="p14">
+      <p:transition spd="slow" p14:dur="1500">
+        <p:split orient="vert"/>
+      </p:transition>
+    </mc:Choice>
+    <mc:Fallback>
+      <p:transition spd="slow">
+        <p:split orient="vert"/>
+      </p:transition>
+    </mc:Fallback>
+  </mc:AlternateContent>
+  <p:timing>
+    <p:tnLst>
+      <p:par>
+        <p:cTn id="1" dur="indefinite" restart="never" nodeType="tmRoot"/>
+      </p:par>
+    </p:tnLst>
+  </p:timing>
 </p:sld>
 </file>
 
